--- a/clases/Cap02_Extraccion_de_Caracteristicas/presentations/PAT02_HaralickTexture.pptx
+++ b/clases/Cap02_Extraccion_de_Caracteristicas/presentations/PAT02_HaralickTexture.pptx
@@ -241,7 +241,7 @@
             <a:fld id="{6331132F-6757-456E-A169-DFC25AF282F4}" type="datetimeFigureOut">
               <a:rPr lang="es-CL" smtClean="0"/>
               <a:pPr/>
-              <a:t>22-03-18</a:t>
+              <a:t>07-03-19</a:t>
             </a:fld>
             <a:endParaRPr lang="es-CL"/>
           </a:p>
@@ -782,7 +782,7 @@
             <a:fld id="{CBB330BB-3945-4562-998B-13630C30D4E7}" type="datetimeFigureOut">
               <a:rPr lang="es-CL" smtClean="0"/>
               <a:pPr/>
-              <a:t>22-03-18</a:t>
+              <a:t>07-03-19</a:t>
             </a:fld>
             <a:endParaRPr lang="es-CL"/>
           </a:p>
@@ -949,7 +949,7 @@
             <a:fld id="{CBB330BB-3945-4562-998B-13630C30D4E7}" type="datetimeFigureOut">
               <a:rPr lang="es-CL" smtClean="0"/>
               <a:pPr/>
-              <a:t>22-03-18</a:t>
+              <a:t>07-03-19</a:t>
             </a:fld>
             <a:endParaRPr lang="es-CL"/>
           </a:p>
@@ -1126,7 +1126,7 @@
             <a:fld id="{CBB330BB-3945-4562-998B-13630C30D4E7}" type="datetimeFigureOut">
               <a:rPr lang="es-CL" smtClean="0"/>
               <a:pPr/>
-              <a:t>22-03-18</a:t>
+              <a:t>07-03-19</a:t>
             </a:fld>
             <a:endParaRPr lang="es-CL"/>
           </a:p>
@@ -1293,7 +1293,7 @@
             <a:fld id="{CBB330BB-3945-4562-998B-13630C30D4E7}" type="datetimeFigureOut">
               <a:rPr lang="es-CL" smtClean="0"/>
               <a:pPr/>
-              <a:t>22-03-18</a:t>
+              <a:t>07-03-19</a:t>
             </a:fld>
             <a:endParaRPr lang="es-CL"/>
           </a:p>
@@ -1536,7 +1536,7 @@
             <a:fld id="{CBB330BB-3945-4562-998B-13630C30D4E7}" type="datetimeFigureOut">
               <a:rPr lang="es-CL" smtClean="0"/>
               <a:pPr/>
-              <a:t>22-03-18</a:t>
+              <a:t>07-03-19</a:t>
             </a:fld>
             <a:endParaRPr lang="es-CL"/>
           </a:p>
@@ -1821,7 +1821,7 @@
             <a:fld id="{CBB330BB-3945-4562-998B-13630C30D4E7}" type="datetimeFigureOut">
               <a:rPr lang="es-CL" smtClean="0"/>
               <a:pPr/>
-              <a:t>22-03-18</a:t>
+              <a:t>07-03-19</a:t>
             </a:fld>
             <a:endParaRPr lang="es-CL"/>
           </a:p>
@@ -2240,7 +2240,7 @@
             <a:fld id="{CBB330BB-3945-4562-998B-13630C30D4E7}" type="datetimeFigureOut">
               <a:rPr lang="es-CL" smtClean="0"/>
               <a:pPr/>
-              <a:t>22-03-18</a:t>
+              <a:t>07-03-19</a:t>
             </a:fld>
             <a:endParaRPr lang="es-CL"/>
           </a:p>
@@ -2355,7 +2355,7 @@
             <a:fld id="{CBB330BB-3945-4562-998B-13630C30D4E7}" type="datetimeFigureOut">
               <a:rPr lang="es-CL" smtClean="0"/>
               <a:pPr/>
-              <a:t>22-03-18</a:t>
+              <a:t>07-03-19</a:t>
             </a:fld>
             <a:endParaRPr lang="es-CL"/>
           </a:p>
@@ -2447,7 +2447,7 @@
             <a:fld id="{CBB330BB-3945-4562-998B-13630C30D4E7}" type="datetimeFigureOut">
               <a:rPr lang="es-CL" smtClean="0"/>
               <a:pPr/>
-              <a:t>22-03-18</a:t>
+              <a:t>07-03-19</a:t>
             </a:fld>
             <a:endParaRPr lang="es-CL"/>
           </a:p>
@@ -2721,7 +2721,7 @@
             <a:fld id="{CBB330BB-3945-4562-998B-13630C30D4E7}" type="datetimeFigureOut">
               <a:rPr lang="es-CL" smtClean="0"/>
               <a:pPr/>
-              <a:t>22-03-18</a:t>
+              <a:t>07-03-19</a:t>
             </a:fld>
             <a:endParaRPr lang="es-CL"/>
           </a:p>
@@ -2971,7 +2971,7 @@
             <a:fld id="{CBB330BB-3945-4562-998B-13630C30D4E7}" type="datetimeFigureOut">
               <a:rPr lang="es-CL" smtClean="0"/>
               <a:pPr/>
-              <a:t>22-03-18</a:t>
+              <a:t>07-03-19</a:t>
             </a:fld>
             <a:endParaRPr lang="es-CL"/>
           </a:p>
@@ -3181,7 +3181,7 @@
             <a:fld id="{CBB330BB-3945-4562-998B-13630C30D4E7}" type="datetimeFigureOut">
               <a:rPr lang="es-CL" smtClean="0"/>
               <a:pPr/>
-              <a:t>22-03-18</a:t>
+              <a:t>07-03-19</a:t>
             </a:fld>
             <a:endParaRPr lang="es-CL"/>
           </a:p>
@@ -3977,28 +3977,6 @@
           </a:p>
           <a:p>
             <a:pPr algn="ctr"/>
-            <a:r>
-              <a:rPr lang="es-CL" sz="1200" smtClean="0">
-                <a:solidFill>
-                  <a:schemeClr val="bg1">
-                    <a:lumMod val="75000"/>
-                  </a:schemeClr>
-                </a:solidFill>
-                <a:latin typeface="Trebuchet MS" pitchFamily="34" charset="0"/>
-              </a:rPr>
-              <a:t>Semestre </a:t>
-            </a:r>
-            <a:r>
-              <a:rPr lang="es-CL" sz="1200" smtClean="0">
-                <a:solidFill>
-                  <a:schemeClr val="bg1">
-                    <a:lumMod val="75000"/>
-                  </a:schemeClr>
-                </a:solidFill>
-                <a:latin typeface="Trebuchet MS" pitchFamily="34" charset="0"/>
-              </a:rPr>
-              <a:t>2018-1</a:t>
-            </a:r>
             <a:endParaRPr lang="en-US" sz="1200" dirty="0">
               <a:solidFill>
                 <a:schemeClr val="bg1">
@@ -21955,7 +21933,7 @@
           <a:graphicData uri="http://schemas.openxmlformats.org/presentationml/2006/ole">
             <mc:AlternateContent xmlns:mc="http://schemas.openxmlformats.org/markup-compatibility/2006">
               <mc:Choice xmlns:v="urn:schemas-microsoft-com:vml" Requires="v">
-                <p:oleObj spid="_x0000_s1040" name="Equation" r:id="rId3" imgW="3644900" imgH="546100" progId="Equation.3">
+                <p:oleObj spid="_x0000_s1042" name="Equation" r:id="rId3" imgW="3644900" imgH="546100" progId="Equation.3">
                   <p:embed/>
                 </p:oleObj>
               </mc:Choice>

--- a/clases/Cap02_Extraccion_de_Caracteristicas/presentations/PAT02_HaralickTexture.pptx
+++ b/clases/Cap02_Extraccion_de_Caracteristicas/presentations/PAT02_HaralickTexture.pptx
@@ -241,7 +241,7 @@
             <a:fld id="{6331132F-6757-456E-A169-DFC25AF282F4}" type="datetimeFigureOut">
               <a:rPr lang="es-CL" smtClean="0"/>
               <a:pPr/>
-              <a:t>07-03-19</a:t>
+              <a:t>26-03-20</a:t>
             </a:fld>
             <a:endParaRPr lang="es-CL"/>
           </a:p>
@@ -307,35 +307,35 @@
           <a:p>
             <a:pPr lvl="0"/>
             <a:r>
-              <a:rPr lang="es-ES" smtClean="0"/>
+              <a:rPr lang="es-ES"/>
               <a:t>Haga clic para modificar el estilo de texto del patrón</a:t>
             </a:r>
           </a:p>
           <a:p>
             <a:pPr lvl="1"/>
             <a:r>
-              <a:rPr lang="es-ES" smtClean="0"/>
+              <a:rPr lang="es-ES"/>
               <a:t>Segundo nivel</a:t>
             </a:r>
           </a:p>
           <a:p>
             <a:pPr lvl="2"/>
             <a:r>
-              <a:rPr lang="es-ES" smtClean="0"/>
+              <a:rPr lang="es-ES"/>
               <a:t>Tercer nivel</a:t>
             </a:r>
           </a:p>
           <a:p>
             <a:pPr lvl="3"/>
             <a:r>
-              <a:rPr lang="es-ES" smtClean="0"/>
+              <a:rPr lang="es-ES"/>
               <a:t>Cuarto nivel</a:t>
             </a:r>
           </a:p>
           <a:p>
             <a:pPr lvl="4"/>
             <a:r>
-              <a:rPr lang="es-ES" smtClean="0"/>
+              <a:rPr lang="es-ES"/>
               <a:t>Quinto nivel</a:t>
             </a:r>
             <a:endParaRPr lang="es-CL"/>
@@ -588,7 +588,7 @@
           <a:lstStyle/>
           <a:p>
             <a:pPr eaLnBrk="1" hangingPunct="1"/>
-            <a:endParaRPr lang="es-ES" smtClean="0"/>
+            <a:endParaRPr lang="es-ES"/>
           </a:p>
         </p:txBody>
       </p:sp>
@@ -638,7 +638,7 @@
           <a:lstStyle/>
           <a:p>
             <a:r>
-              <a:rPr lang="es-ES" smtClean="0"/>
+              <a:rPr lang="es-ES"/>
               <a:t>Haga clic para modificar el estilo de título del patrón</a:t>
             </a:r>
             <a:endParaRPr lang="es-CL"/>
@@ -757,7 +757,7 @@
           </a:lstStyle>
           <a:p>
             <a:r>
-              <a:rPr lang="es-ES" smtClean="0"/>
+              <a:rPr lang="es-ES"/>
               <a:t>Haga clic para modificar el estilo de subtítulo del patrón</a:t>
             </a:r>
             <a:endParaRPr lang="es-CL"/>
@@ -782,7 +782,7 @@
             <a:fld id="{CBB330BB-3945-4562-998B-13630C30D4E7}" type="datetimeFigureOut">
               <a:rPr lang="es-CL" smtClean="0"/>
               <a:pPr/>
-              <a:t>07-03-19</a:t>
+              <a:t>26-03-20</a:t>
             </a:fld>
             <a:endParaRPr lang="es-CL"/>
           </a:p>
@@ -872,7 +872,7 @@
           <a:lstStyle/>
           <a:p>
             <a:r>
-              <a:rPr lang="es-ES" smtClean="0"/>
+              <a:rPr lang="es-ES"/>
               <a:t>Haga clic para modificar el estilo de título del patrón</a:t>
             </a:r>
             <a:endParaRPr lang="es-CL"/>
@@ -896,35 +896,35 @@
           <a:p>
             <a:pPr lvl="0"/>
             <a:r>
-              <a:rPr lang="es-ES" smtClean="0"/>
+              <a:rPr lang="es-ES"/>
               <a:t>Haga clic para modificar el estilo de texto del patrón</a:t>
             </a:r>
           </a:p>
           <a:p>
             <a:pPr lvl="1"/>
             <a:r>
-              <a:rPr lang="es-ES" smtClean="0"/>
+              <a:rPr lang="es-ES"/>
               <a:t>Segundo nivel</a:t>
             </a:r>
           </a:p>
           <a:p>
             <a:pPr lvl="2"/>
             <a:r>
-              <a:rPr lang="es-ES" smtClean="0"/>
+              <a:rPr lang="es-ES"/>
               <a:t>Tercer nivel</a:t>
             </a:r>
           </a:p>
           <a:p>
             <a:pPr lvl="3"/>
             <a:r>
-              <a:rPr lang="es-ES" smtClean="0"/>
+              <a:rPr lang="es-ES"/>
               <a:t>Cuarto nivel</a:t>
             </a:r>
           </a:p>
           <a:p>
             <a:pPr lvl="4"/>
             <a:r>
-              <a:rPr lang="es-ES" smtClean="0"/>
+              <a:rPr lang="es-ES"/>
               <a:t>Quinto nivel</a:t>
             </a:r>
             <a:endParaRPr lang="es-CL"/>
@@ -949,7 +949,7 @@
             <a:fld id="{CBB330BB-3945-4562-998B-13630C30D4E7}" type="datetimeFigureOut">
               <a:rPr lang="es-CL" smtClean="0"/>
               <a:pPr/>
-              <a:t>07-03-19</a:t>
+              <a:t>26-03-20</a:t>
             </a:fld>
             <a:endParaRPr lang="es-CL"/>
           </a:p>
@@ -1044,7 +1044,7 @@
           <a:lstStyle/>
           <a:p>
             <a:r>
-              <a:rPr lang="es-ES" smtClean="0"/>
+              <a:rPr lang="es-ES"/>
               <a:t>Haga clic para modificar el estilo de título del patrón</a:t>
             </a:r>
             <a:endParaRPr lang="es-CL"/>
@@ -1073,35 +1073,35 @@
           <a:p>
             <a:pPr lvl="0"/>
             <a:r>
-              <a:rPr lang="es-ES" smtClean="0"/>
+              <a:rPr lang="es-ES"/>
               <a:t>Haga clic para modificar el estilo de texto del patrón</a:t>
             </a:r>
           </a:p>
           <a:p>
             <a:pPr lvl="1"/>
             <a:r>
-              <a:rPr lang="es-ES" smtClean="0"/>
+              <a:rPr lang="es-ES"/>
               <a:t>Segundo nivel</a:t>
             </a:r>
           </a:p>
           <a:p>
             <a:pPr lvl="2"/>
             <a:r>
-              <a:rPr lang="es-ES" smtClean="0"/>
+              <a:rPr lang="es-ES"/>
               <a:t>Tercer nivel</a:t>
             </a:r>
           </a:p>
           <a:p>
             <a:pPr lvl="3"/>
             <a:r>
-              <a:rPr lang="es-ES" smtClean="0"/>
+              <a:rPr lang="es-ES"/>
               <a:t>Cuarto nivel</a:t>
             </a:r>
           </a:p>
           <a:p>
             <a:pPr lvl="4"/>
             <a:r>
-              <a:rPr lang="es-ES" smtClean="0"/>
+              <a:rPr lang="es-ES"/>
               <a:t>Quinto nivel</a:t>
             </a:r>
             <a:endParaRPr lang="es-CL"/>
@@ -1126,7 +1126,7 @@
             <a:fld id="{CBB330BB-3945-4562-998B-13630C30D4E7}" type="datetimeFigureOut">
               <a:rPr lang="es-CL" smtClean="0"/>
               <a:pPr/>
-              <a:t>07-03-19</a:t>
+              <a:t>26-03-20</a:t>
             </a:fld>
             <a:endParaRPr lang="es-CL"/>
           </a:p>
@@ -1216,7 +1216,7 @@
           <a:lstStyle/>
           <a:p>
             <a:r>
-              <a:rPr lang="es-ES" smtClean="0"/>
+              <a:rPr lang="es-ES"/>
               <a:t>Haga clic para modificar el estilo de título del patrón</a:t>
             </a:r>
             <a:endParaRPr lang="es-CL"/>
@@ -1240,35 +1240,35 @@
           <a:p>
             <a:pPr lvl="0"/>
             <a:r>
-              <a:rPr lang="es-ES" smtClean="0"/>
+              <a:rPr lang="es-ES"/>
               <a:t>Haga clic para modificar el estilo de texto del patrón</a:t>
             </a:r>
           </a:p>
           <a:p>
             <a:pPr lvl="1"/>
             <a:r>
-              <a:rPr lang="es-ES" smtClean="0"/>
+              <a:rPr lang="es-ES"/>
               <a:t>Segundo nivel</a:t>
             </a:r>
           </a:p>
           <a:p>
             <a:pPr lvl="2"/>
             <a:r>
-              <a:rPr lang="es-ES" smtClean="0"/>
+              <a:rPr lang="es-ES"/>
               <a:t>Tercer nivel</a:t>
             </a:r>
           </a:p>
           <a:p>
             <a:pPr lvl="3"/>
             <a:r>
-              <a:rPr lang="es-ES" smtClean="0"/>
+              <a:rPr lang="es-ES"/>
               <a:t>Cuarto nivel</a:t>
             </a:r>
           </a:p>
           <a:p>
             <a:pPr lvl="4"/>
             <a:r>
-              <a:rPr lang="es-ES" smtClean="0"/>
+              <a:rPr lang="es-ES"/>
               <a:t>Quinto nivel</a:t>
             </a:r>
             <a:endParaRPr lang="es-CL"/>
@@ -1293,7 +1293,7 @@
             <a:fld id="{CBB330BB-3945-4562-998B-13630C30D4E7}" type="datetimeFigureOut">
               <a:rPr lang="es-CL" smtClean="0"/>
               <a:pPr/>
-              <a:t>07-03-19</a:t>
+              <a:t>26-03-20</a:t>
             </a:fld>
             <a:endParaRPr lang="es-CL"/>
           </a:p>
@@ -1392,7 +1392,7 @@
           </a:lstStyle>
           <a:p>
             <a:r>
-              <a:rPr lang="es-ES" smtClean="0"/>
+              <a:rPr lang="es-ES"/>
               <a:t>Haga clic para modificar el estilo de título del patrón</a:t>
             </a:r>
             <a:endParaRPr lang="es-CL"/>
@@ -1512,7 +1512,7 @@
           <a:p>
             <a:pPr lvl="0"/>
             <a:r>
-              <a:rPr lang="es-ES" smtClean="0"/>
+              <a:rPr lang="es-ES"/>
               <a:t>Haga clic para modificar el estilo de texto del patrón</a:t>
             </a:r>
           </a:p>
@@ -1536,7 +1536,7 @@
             <a:fld id="{CBB330BB-3945-4562-998B-13630C30D4E7}" type="datetimeFigureOut">
               <a:rPr lang="es-CL" smtClean="0"/>
               <a:pPr/>
-              <a:t>07-03-19</a:t>
+              <a:t>26-03-20</a:t>
             </a:fld>
             <a:endParaRPr lang="es-CL"/>
           </a:p>
@@ -1626,7 +1626,7 @@
           <a:lstStyle/>
           <a:p>
             <a:r>
-              <a:rPr lang="es-ES" smtClean="0"/>
+              <a:rPr lang="es-ES"/>
               <a:t>Haga clic para modificar el estilo de título del patrón</a:t>
             </a:r>
             <a:endParaRPr lang="es-CL"/>
@@ -1683,35 +1683,35 @@
           <a:p>
             <a:pPr lvl="0"/>
             <a:r>
-              <a:rPr lang="es-ES" smtClean="0"/>
+              <a:rPr lang="es-ES"/>
               <a:t>Haga clic para modificar el estilo de texto del patrón</a:t>
             </a:r>
           </a:p>
           <a:p>
             <a:pPr lvl="1"/>
             <a:r>
-              <a:rPr lang="es-ES" smtClean="0"/>
+              <a:rPr lang="es-ES"/>
               <a:t>Segundo nivel</a:t>
             </a:r>
           </a:p>
           <a:p>
             <a:pPr lvl="2"/>
             <a:r>
-              <a:rPr lang="es-ES" smtClean="0"/>
+              <a:rPr lang="es-ES"/>
               <a:t>Tercer nivel</a:t>
             </a:r>
           </a:p>
           <a:p>
             <a:pPr lvl="3"/>
             <a:r>
-              <a:rPr lang="es-ES" smtClean="0"/>
+              <a:rPr lang="es-ES"/>
               <a:t>Cuarto nivel</a:t>
             </a:r>
           </a:p>
           <a:p>
             <a:pPr lvl="4"/>
             <a:r>
-              <a:rPr lang="es-ES" smtClean="0"/>
+              <a:rPr lang="es-ES"/>
               <a:t>Quinto nivel</a:t>
             </a:r>
             <a:endParaRPr lang="es-CL"/>
@@ -1768,35 +1768,35 @@
           <a:p>
             <a:pPr lvl="0"/>
             <a:r>
-              <a:rPr lang="es-ES" smtClean="0"/>
+              <a:rPr lang="es-ES"/>
               <a:t>Haga clic para modificar el estilo de texto del patrón</a:t>
             </a:r>
           </a:p>
           <a:p>
             <a:pPr lvl="1"/>
             <a:r>
-              <a:rPr lang="es-ES" smtClean="0"/>
+              <a:rPr lang="es-ES"/>
               <a:t>Segundo nivel</a:t>
             </a:r>
           </a:p>
           <a:p>
             <a:pPr lvl="2"/>
             <a:r>
-              <a:rPr lang="es-ES" smtClean="0"/>
+              <a:rPr lang="es-ES"/>
               <a:t>Tercer nivel</a:t>
             </a:r>
           </a:p>
           <a:p>
             <a:pPr lvl="3"/>
             <a:r>
-              <a:rPr lang="es-ES" smtClean="0"/>
+              <a:rPr lang="es-ES"/>
               <a:t>Cuarto nivel</a:t>
             </a:r>
           </a:p>
           <a:p>
             <a:pPr lvl="4"/>
             <a:r>
-              <a:rPr lang="es-ES" smtClean="0"/>
+              <a:rPr lang="es-ES"/>
               <a:t>Quinto nivel</a:t>
             </a:r>
             <a:endParaRPr lang="es-CL"/>
@@ -1821,7 +1821,7 @@
             <a:fld id="{CBB330BB-3945-4562-998B-13630C30D4E7}" type="datetimeFigureOut">
               <a:rPr lang="es-CL" smtClean="0"/>
               <a:pPr/>
-              <a:t>07-03-19</a:t>
+              <a:t>26-03-20</a:t>
             </a:fld>
             <a:endParaRPr lang="es-CL"/>
           </a:p>
@@ -1915,7 +1915,7 @@
           </a:lstStyle>
           <a:p>
             <a:r>
-              <a:rPr lang="es-ES" smtClean="0"/>
+              <a:rPr lang="es-ES"/>
               <a:t>Haga clic para modificar el estilo de título del patrón</a:t>
             </a:r>
             <a:endParaRPr lang="es-CL"/>
@@ -1981,7 +1981,7 @@
           <a:p>
             <a:pPr lvl="0"/>
             <a:r>
-              <a:rPr lang="es-ES" smtClean="0"/>
+              <a:rPr lang="es-ES"/>
               <a:t>Haga clic para modificar el estilo de texto del patrón</a:t>
             </a:r>
           </a:p>
@@ -2037,35 +2037,35 @@
           <a:p>
             <a:pPr lvl="0"/>
             <a:r>
-              <a:rPr lang="es-ES" smtClean="0"/>
+              <a:rPr lang="es-ES"/>
               <a:t>Haga clic para modificar el estilo de texto del patrón</a:t>
             </a:r>
           </a:p>
           <a:p>
             <a:pPr lvl="1"/>
             <a:r>
-              <a:rPr lang="es-ES" smtClean="0"/>
+              <a:rPr lang="es-ES"/>
               <a:t>Segundo nivel</a:t>
             </a:r>
           </a:p>
           <a:p>
             <a:pPr lvl="2"/>
             <a:r>
-              <a:rPr lang="es-ES" smtClean="0"/>
+              <a:rPr lang="es-ES"/>
               <a:t>Tercer nivel</a:t>
             </a:r>
           </a:p>
           <a:p>
             <a:pPr lvl="3"/>
             <a:r>
-              <a:rPr lang="es-ES" smtClean="0"/>
+              <a:rPr lang="es-ES"/>
               <a:t>Cuarto nivel</a:t>
             </a:r>
           </a:p>
           <a:p>
             <a:pPr lvl="4"/>
             <a:r>
-              <a:rPr lang="es-ES" smtClean="0"/>
+              <a:rPr lang="es-ES"/>
               <a:t>Quinto nivel</a:t>
             </a:r>
             <a:endParaRPr lang="es-CL"/>
@@ -2131,7 +2131,7 @@
           <a:p>
             <a:pPr lvl="0"/>
             <a:r>
-              <a:rPr lang="es-ES" smtClean="0"/>
+              <a:rPr lang="es-ES"/>
               <a:t>Haga clic para modificar el estilo de texto del patrón</a:t>
             </a:r>
           </a:p>
@@ -2187,35 +2187,35 @@
           <a:p>
             <a:pPr lvl="0"/>
             <a:r>
-              <a:rPr lang="es-ES" smtClean="0"/>
+              <a:rPr lang="es-ES"/>
               <a:t>Haga clic para modificar el estilo de texto del patrón</a:t>
             </a:r>
           </a:p>
           <a:p>
             <a:pPr lvl="1"/>
             <a:r>
-              <a:rPr lang="es-ES" smtClean="0"/>
+              <a:rPr lang="es-ES"/>
               <a:t>Segundo nivel</a:t>
             </a:r>
           </a:p>
           <a:p>
             <a:pPr lvl="2"/>
             <a:r>
-              <a:rPr lang="es-ES" smtClean="0"/>
+              <a:rPr lang="es-ES"/>
               <a:t>Tercer nivel</a:t>
             </a:r>
           </a:p>
           <a:p>
             <a:pPr lvl="3"/>
             <a:r>
-              <a:rPr lang="es-ES" smtClean="0"/>
+              <a:rPr lang="es-ES"/>
               <a:t>Cuarto nivel</a:t>
             </a:r>
           </a:p>
           <a:p>
             <a:pPr lvl="4"/>
             <a:r>
-              <a:rPr lang="es-ES" smtClean="0"/>
+              <a:rPr lang="es-ES"/>
               <a:t>Quinto nivel</a:t>
             </a:r>
             <a:endParaRPr lang="es-CL"/>
@@ -2240,7 +2240,7 @@
             <a:fld id="{CBB330BB-3945-4562-998B-13630C30D4E7}" type="datetimeFigureOut">
               <a:rPr lang="es-CL" smtClean="0"/>
               <a:pPr/>
-              <a:t>07-03-19</a:t>
+              <a:t>26-03-20</a:t>
             </a:fld>
             <a:endParaRPr lang="es-CL"/>
           </a:p>
@@ -2330,7 +2330,7 @@
           <a:lstStyle/>
           <a:p>
             <a:r>
-              <a:rPr lang="es-ES" smtClean="0"/>
+              <a:rPr lang="es-ES"/>
               <a:t>Haga clic para modificar el estilo de título del patrón</a:t>
             </a:r>
             <a:endParaRPr lang="es-CL"/>
@@ -2355,7 +2355,7 @@
             <a:fld id="{CBB330BB-3945-4562-998B-13630C30D4E7}" type="datetimeFigureOut">
               <a:rPr lang="es-CL" smtClean="0"/>
               <a:pPr/>
-              <a:t>07-03-19</a:t>
+              <a:t>26-03-20</a:t>
             </a:fld>
             <a:endParaRPr lang="es-CL"/>
           </a:p>
@@ -2447,7 +2447,7 @@
             <a:fld id="{CBB330BB-3945-4562-998B-13630C30D4E7}" type="datetimeFigureOut">
               <a:rPr lang="es-CL" smtClean="0"/>
               <a:pPr/>
-              <a:t>07-03-19</a:t>
+              <a:t>26-03-20</a:t>
             </a:fld>
             <a:endParaRPr lang="es-CL"/>
           </a:p>
@@ -2546,7 +2546,7 @@
           </a:lstStyle>
           <a:p>
             <a:r>
-              <a:rPr lang="es-ES" smtClean="0"/>
+              <a:rPr lang="es-ES"/>
               <a:t>Haga clic para modificar el estilo de título del patrón</a:t>
             </a:r>
             <a:endParaRPr lang="es-CL"/>
@@ -2603,35 +2603,35 @@
           <a:p>
             <a:pPr lvl="0"/>
             <a:r>
-              <a:rPr lang="es-ES" smtClean="0"/>
+              <a:rPr lang="es-ES"/>
               <a:t>Haga clic para modificar el estilo de texto del patrón</a:t>
             </a:r>
           </a:p>
           <a:p>
             <a:pPr lvl="1"/>
             <a:r>
-              <a:rPr lang="es-ES" smtClean="0"/>
+              <a:rPr lang="es-ES"/>
               <a:t>Segundo nivel</a:t>
             </a:r>
           </a:p>
           <a:p>
             <a:pPr lvl="2"/>
             <a:r>
-              <a:rPr lang="es-ES" smtClean="0"/>
+              <a:rPr lang="es-ES"/>
               <a:t>Tercer nivel</a:t>
             </a:r>
           </a:p>
           <a:p>
             <a:pPr lvl="3"/>
             <a:r>
-              <a:rPr lang="es-ES" smtClean="0"/>
+              <a:rPr lang="es-ES"/>
               <a:t>Cuarto nivel</a:t>
             </a:r>
           </a:p>
           <a:p>
             <a:pPr lvl="4"/>
             <a:r>
-              <a:rPr lang="es-ES" smtClean="0"/>
+              <a:rPr lang="es-ES"/>
               <a:t>Quinto nivel</a:t>
             </a:r>
             <a:endParaRPr lang="es-CL"/>
@@ -2697,7 +2697,7 @@
           <a:p>
             <a:pPr lvl="0"/>
             <a:r>
-              <a:rPr lang="es-ES" smtClean="0"/>
+              <a:rPr lang="es-ES"/>
               <a:t>Haga clic para modificar el estilo de texto del patrón</a:t>
             </a:r>
           </a:p>
@@ -2721,7 +2721,7 @@
             <a:fld id="{CBB330BB-3945-4562-998B-13630C30D4E7}" type="datetimeFigureOut">
               <a:rPr lang="es-CL" smtClean="0"/>
               <a:pPr/>
-              <a:t>07-03-19</a:t>
+              <a:t>26-03-20</a:t>
             </a:fld>
             <a:endParaRPr lang="es-CL"/>
           </a:p>
@@ -2820,7 +2820,7 @@
           </a:lstStyle>
           <a:p>
             <a:r>
-              <a:rPr lang="es-ES" smtClean="0"/>
+              <a:rPr lang="es-ES"/>
               <a:t>Haga clic para modificar el estilo de título del patrón</a:t>
             </a:r>
             <a:endParaRPr lang="es-CL"/>
@@ -2947,7 +2947,7 @@
           <a:p>
             <a:pPr lvl="0"/>
             <a:r>
-              <a:rPr lang="es-ES" smtClean="0"/>
+              <a:rPr lang="es-ES"/>
               <a:t>Haga clic para modificar el estilo de texto del patrón</a:t>
             </a:r>
           </a:p>
@@ -2971,7 +2971,7 @@
             <a:fld id="{CBB330BB-3945-4562-998B-13630C30D4E7}" type="datetimeFigureOut">
               <a:rPr lang="es-CL" smtClean="0"/>
               <a:pPr/>
-              <a:t>07-03-19</a:t>
+              <a:t>26-03-20</a:t>
             </a:fld>
             <a:endParaRPr lang="es-CL"/>
           </a:p>
@@ -3076,7 +3076,7 @@
           <a:lstStyle/>
           <a:p>
             <a:r>
-              <a:rPr lang="es-ES" smtClean="0"/>
+              <a:rPr lang="es-ES"/>
               <a:t>Haga clic para modificar el estilo de título del patrón</a:t>
             </a:r>
             <a:endParaRPr lang="es-CL"/>
@@ -3110,35 +3110,35 @@
           <a:p>
             <a:pPr lvl="0"/>
             <a:r>
-              <a:rPr lang="es-ES" smtClean="0"/>
+              <a:rPr lang="es-ES"/>
               <a:t>Haga clic para modificar el estilo de texto del patrón</a:t>
             </a:r>
           </a:p>
           <a:p>
             <a:pPr lvl="1"/>
             <a:r>
-              <a:rPr lang="es-ES" smtClean="0"/>
+              <a:rPr lang="es-ES"/>
               <a:t>Segundo nivel</a:t>
             </a:r>
           </a:p>
           <a:p>
             <a:pPr lvl="2"/>
             <a:r>
-              <a:rPr lang="es-ES" smtClean="0"/>
+              <a:rPr lang="es-ES"/>
               <a:t>Tercer nivel</a:t>
             </a:r>
           </a:p>
           <a:p>
             <a:pPr lvl="3"/>
             <a:r>
-              <a:rPr lang="es-ES" smtClean="0"/>
+              <a:rPr lang="es-ES"/>
               <a:t>Cuarto nivel</a:t>
             </a:r>
           </a:p>
           <a:p>
             <a:pPr lvl="4"/>
             <a:r>
-              <a:rPr lang="es-ES" smtClean="0"/>
+              <a:rPr lang="es-ES"/>
               <a:t>Quinto nivel</a:t>
             </a:r>
             <a:endParaRPr lang="es-CL"/>
@@ -3181,7 +3181,7 @@
             <a:fld id="{CBB330BB-3945-4562-998B-13630C30D4E7}" type="datetimeFigureOut">
               <a:rPr lang="es-CL" smtClean="0"/>
               <a:pPr/>
-              <a:t>07-03-19</a:t>
+              <a:t>26-03-20</a:t>
             </a:fld>
             <a:endParaRPr lang="es-CL"/>
           </a:p>
@@ -3592,7 +3592,7 @@
           <a:p>
             <a:pPr algn="ctr"/>
             <a:r>
-              <a:rPr lang="es-CL" sz="2400" dirty="0" smtClean="0">
+              <a:rPr lang="es-CL" sz="2400" dirty="0">
                 <a:solidFill>
                   <a:srgbClr val="FF0000"/>
                 </a:solidFill>
@@ -3601,7 +3601,7 @@
               <a:t>R</a:t>
             </a:r>
             <a:r>
-              <a:rPr lang="es-CL" sz="2400" dirty="0" smtClean="0">
+              <a:rPr lang="es-CL" sz="2400" dirty="0">
                 <a:solidFill>
                   <a:srgbClr val="3366FF"/>
                 </a:solidFill>
@@ -3610,7 +3610,7 @@
               <a:t>e</a:t>
             </a:r>
             <a:r>
-              <a:rPr lang="es-CL" sz="2400" dirty="0" smtClean="0">
+              <a:rPr lang="es-CL" sz="2400" dirty="0">
                 <a:solidFill>
                   <a:srgbClr val="FFFF00"/>
                 </a:solidFill>
@@ -3619,7 +3619,7 @@
               <a:t>c</a:t>
             </a:r>
             <a:r>
-              <a:rPr lang="es-CL" sz="2400" dirty="0" smtClean="0">
+              <a:rPr lang="es-CL" sz="2400" dirty="0">
                 <a:solidFill>
                   <a:srgbClr val="00FF00"/>
                 </a:solidFill>
@@ -3628,7 +3628,7 @@
               <a:t>o</a:t>
             </a:r>
             <a:r>
-              <a:rPr lang="es-CL" sz="2400" dirty="0" smtClean="0">
+              <a:rPr lang="es-CL" sz="2400" dirty="0">
                 <a:solidFill>
                   <a:schemeClr val="bg1"/>
                 </a:solidFill>
@@ -3637,7 +3637,7 @@
               <a:t>n</a:t>
             </a:r>
             <a:r>
-              <a:rPr lang="es-CL" sz="2400" dirty="0" smtClean="0">
+              <a:rPr lang="es-CL" sz="2400" dirty="0">
                 <a:solidFill>
                   <a:srgbClr val="FF6600"/>
                 </a:solidFill>
@@ -3646,7 +3646,7 @@
               <a:t>o</a:t>
             </a:r>
             <a:r>
-              <a:rPr lang="es-CL" sz="2400" dirty="0" smtClean="0">
+              <a:rPr lang="es-CL" sz="2400" dirty="0">
                 <a:solidFill>
                   <a:srgbClr val="FF0000"/>
                 </a:solidFill>
@@ -3655,7 +3655,7 @@
               <a:t>c</a:t>
             </a:r>
             <a:r>
-              <a:rPr lang="es-CL" sz="2400" dirty="0" smtClean="0">
+              <a:rPr lang="es-CL" sz="2400" dirty="0">
                 <a:solidFill>
                   <a:srgbClr val="3366FF"/>
                 </a:solidFill>
@@ -3664,7 +3664,7 @@
               <a:t>i</a:t>
             </a:r>
             <a:r>
-              <a:rPr lang="es-CL" sz="2400" dirty="0" smtClean="0">
+              <a:rPr lang="es-CL" sz="2400" dirty="0">
                 <a:solidFill>
                   <a:schemeClr val="bg1"/>
                 </a:solidFill>
@@ -3673,7 +3673,7 @@
               <a:t>m</a:t>
             </a:r>
             <a:r>
-              <a:rPr lang="es-CL" sz="2400" dirty="0" smtClean="0">
+              <a:rPr lang="es-CL" sz="2400" dirty="0">
                 <a:solidFill>
                   <a:srgbClr val="FFFF00"/>
                 </a:solidFill>
@@ -3682,7 +3682,7 @@
               <a:t>i</a:t>
             </a:r>
             <a:r>
-              <a:rPr lang="es-CL" sz="2400" dirty="0" smtClean="0">
+              <a:rPr lang="es-CL" sz="2400" dirty="0">
                 <a:solidFill>
                   <a:srgbClr val="00FF00"/>
                 </a:solidFill>
@@ -3691,7 +3691,7 @@
               <a:t>e</a:t>
             </a:r>
             <a:r>
-              <a:rPr lang="es-CL" sz="2400" dirty="0" smtClean="0">
+              <a:rPr lang="es-CL" sz="2400" dirty="0">
                 <a:solidFill>
                   <a:schemeClr val="bg1"/>
                 </a:solidFill>
@@ -3700,7 +3700,7 @@
               <a:t>n</a:t>
             </a:r>
             <a:r>
-              <a:rPr lang="es-CL" sz="2400" dirty="0" smtClean="0">
+              <a:rPr lang="es-CL" sz="2400" dirty="0">
                 <a:solidFill>
                   <a:srgbClr val="FF6600"/>
                 </a:solidFill>
@@ -3709,7 +3709,7 @@
               <a:t>t</a:t>
             </a:r>
             <a:r>
-              <a:rPr lang="es-CL" sz="2400" dirty="0" smtClean="0">
+              <a:rPr lang="es-CL" sz="2400" dirty="0">
                 <a:solidFill>
                   <a:srgbClr val="FF0000"/>
                 </a:solidFill>
@@ -3718,7 +3718,7 @@
               <a:t>o</a:t>
             </a:r>
             <a:r>
-              <a:rPr lang="es-CL" sz="2400" dirty="0" smtClean="0">
+              <a:rPr lang="es-CL" sz="2400" dirty="0">
                 <a:solidFill>
                   <a:srgbClr val="3333CC"/>
                 </a:solidFill>
@@ -3727,7 +3727,7 @@
               <a:t> </a:t>
             </a:r>
             <a:r>
-              <a:rPr lang="es-CL" sz="2400" dirty="0" smtClean="0">
+              <a:rPr lang="es-CL" sz="2400" dirty="0">
                 <a:solidFill>
                   <a:srgbClr val="3366FF"/>
                 </a:solidFill>
@@ -3736,7 +3736,7 @@
               <a:t>d</a:t>
             </a:r>
             <a:r>
-              <a:rPr lang="es-CL" sz="2400" dirty="0" smtClean="0">
+              <a:rPr lang="es-CL" sz="2400" dirty="0">
                 <a:solidFill>
                   <a:srgbClr val="FFFF00"/>
                 </a:solidFill>
@@ -3745,7 +3745,7 @@
               <a:t>e </a:t>
             </a:r>
             <a:r>
-              <a:rPr lang="es-CL" sz="2400" dirty="0" smtClean="0">
+              <a:rPr lang="es-CL" sz="2400" dirty="0">
                 <a:solidFill>
                   <a:srgbClr val="00FF00"/>
                 </a:solidFill>
@@ -3754,7 +3754,7 @@
               <a:t>P</a:t>
             </a:r>
             <a:r>
-              <a:rPr lang="es-CL" sz="2400" dirty="0" smtClean="0">
+              <a:rPr lang="es-CL" sz="2400" dirty="0">
                 <a:solidFill>
                   <a:schemeClr val="bg1"/>
                 </a:solidFill>
@@ -3763,7 +3763,7 @@
               <a:t>a</a:t>
             </a:r>
             <a:r>
-              <a:rPr lang="es-CL" sz="2400" dirty="0" smtClean="0">
+              <a:rPr lang="es-CL" sz="2400" dirty="0">
                 <a:solidFill>
                   <a:srgbClr val="FF6600"/>
                 </a:solidFill>
@@ -3772,7 +3772,7 @@
               <a:t>t</a:t>
             </a:r>
             <a:r>
-              <a:rPr lang="es-CL" sz="2400" dirty="0" smtClean="0">
+              <a:rPr lang="es-CL" sz="2400" dirty="0">
                 <a:solidFill>
                   <a:srgbClr val="FF0000"/>
                 </a:solidFill>
@@ -3781,7 +3781,7 @@
               <a:t>r</a:t>
             </a:r>
             <a:r>
-              <a:rPr lang="es-CL" sz="2400" dirty="0" smtClean="0">
+              <a:rPr lang="es-CL" sz="2400" dirty="0">
                 <a:solidFill>
                   <a:srgbClr val="3366FF"/>
                 </a:solidFill>
@@ -3790,7 +3790,7 @@
               <a:t>o</a:t>
             </a:r>
             <a:r>
-              <a:rPr lang="es-CL" sz="2400" dirty="0" smtClean="0">
+              <a:rPr lang="es-CL" sz="2400" dirty="0">
                 <a:solidFill>
                   <a:srgbClr val="FFFF00"/>
                 </a:solidFill>
@@ -3799,7 +3799,7 @@
               <a:t>n</a:t>
             </a:r>
             <a:r>
-              <a:rPr lang="es-CL" sz="2400" dirty="0" smtClean="0">
+              <a:rPr lang="es-CL" sz="2400" dirty="0">
                 <a:solidFill>
                   <a:srgbClr val="00FF00"/>
                 </a:solidFill>
@@ -3808,7 +3808,7 @@
               <a:t>e</a:t>
             </a:r>
             <a:r>
-              <a:rPr lang="es-CL" sz="2400" dirty="0" smtClean="0">
+              <a:rPr lang="es-CL" sz="2400" dirty="0">
                 <a:solidFill>
                   <a:schemeClr val="bg1"/>
                 </a:solidFill>
@@ -3816,7 +3816,7 @@
               </a:rPr>
               <a:t>s</a:t>
             </a:r>
-            <a:endParaRPr lang="es-CL" sz="2400" dirty="0" smtClean="0">
+            <a:endParaRPr lang="es-CL" sz="2400" dirty="0">
               <a:solidFill>
                 <a:srgbClr val="FF0000"/>
               </a:solidFill>
@@ -3826,7 +3826,7 @@
           <a:p>
             <a:pPr algn="ctr"/>
             <a:r>
-              <a:rPr lang="es-CL" sz="2400" dirty="0" smtClean="0">
+              <a:rPr lang="es-CL" sz="2400" dirty="0">
                 <a:solidFill>
                   <a:schemeClr val="bg2">
                     <a:lumMod val="60000"/>
@@ -3837,19 +3837,10 @@
               </a:rPr>
               <a:t> </a:t>
             </a:r>
+          </a:p>
+          <a:p>
+            <a:pPr algn="ctr"/>
             <a:endParaRPr lang="es-CL" sz="2400" dirty="0">
-              <a:solidFill>
-                <a:schemeClr val="bg2">
-                  <a:lumMod val="60000"/>
-                  <a:lumOff val="40000"/>
-                </a:schemeClr>
-              </a:solidFill>
-              <a:latin typeface="Trebuchet MS" pitchFamily="34" charset="0"/>
-            </a:endParaRPr>
-          </a:p>
-          <a:p>
-            <a:pPr algn="ctr"/>
-            <a:endParaRPr lang="es-CL" sz="2400" dirty="0" smtClean="0">
               <a:solidFill>
                 <a:srgbClr val="3333CC"/>
               </a:solidFill>
@@ -3920,7 +3911,7 @@
           <a:p>
             <a:pPr algn="ctr"/>
             <a:r>
-              <a:rPr lang="es-CL" sz="1200" dirty="0" smtClean="0">
+              <a:rPr lang="es-CL" sz="1200" dirty="0">
                 <a:solidFill>
                   <a:schemeClr val="bg1">
                     <a:lumMod val="75000"/>
@@ -3930,19 +3921,11 @@
               </a:rPr>
               <a:t>Departmento de Ciencia de la Computación</a:t>
             </a:r>
-            <a:endParaRPr lang="es-CL" sz="1200" dirty="0">
-              <a:solidFill>
-                <a:schemeClr val="bg1">
-                  <a:lumMod val="75000"/>
-                </a:schemeClr>
-              </a:solidFill>
-              <a:latin typeface="Trebuchet MS" pitchFamily="34" charset="0"/>
-            </a:endParaRPr>
           </a:p>
           <a:p>
             <a:pPr algn="ctr"/>
             <a:r>
-              <a:rPr lang="es-CL" sz="1200" dirty="0" smtClean="0">
+              <a:rPr lang="es-CL" sz="1200" dirty="0">
                 <a:solidFill>
                   <a:schemeClr val="bg1">
                     <a:lumMod val="75000"/>
@@ -3956,7 +3939,7 @@
           <a:p>
             <a:pPr algn="ctr"/>
             <a:r>
-              <a:rPr lang="es-CL" sz="1200" dirty="0" smtClean="0">
+              <a:rPr lang="es-CL" sz="1200" dirty="0">
                 <a:solidFill>
                   <a:schemeClr val="bg1">
                     <a:lumMod val="75000"/>
@@ -3966,14 +3949,6 @@
               </a:rPr>
               <a:t>Universidad Católica de Chile</a:t>
             </a:r>
-            <a:endParaRPr lang="es-CL" sz="1200" dirty="0">
-              <a:solidFill>
-                <a:schemeClr val="bg1">
-                  <a:lumMod val="75000"/>
-                </a:schemeClr>
-              </a:solidFill>
-              <a:latin typeface="Trebuchet MS" pitchFamily="34" charset="0"/>
-            </a:endParaRPr>
           </a:p>
           <a:p>
             <a:pPr algn="ctr"/>
@@ -4277,7 +4252,7 @@
           <a:p>
             <a:pPr algn="ctr"/>
             <a:r>
-              <a:rPr lang="es-CL" sz="2400" b="1" dirty="0" smtClean="0">
+              <a:rPr lang="es-CL" sz="2400" b="1" dirty="0">
                 <a:solidFill>
                   <a:srgbClr val="FFFFFF"/>
                 </a:solidFill>
@@ -4289,7 +4264,7 @@
           </a:p>
           <a:p>
             <a:pPr algn="ctr"/>
-            <a:endParaRPr lang="es-CL" sz="1000" dirty="0" smtClean="0">
+            <a:endParaRPr lang="es-CL" sz="1000" dirty="0">
               <a:solidFill>
                 <a:srgbClr val="FFFFFF"/>
               </a:solidFill>
@@ -4300,7 +4275,7 @@
           <a:p>
             <a:pPr algn="ctr"/>
             <a:r>
-              <a:rPr lang="es-CL" sz="1000" dirty="0" smtClean="0">
+              <a:rPr lang="es-CL" sz="1000" dirty="0">
                 <a:solidFill>
                   <a:srgbClr val="FFFFFF"/>
                 </a:solidFill>
@@ -4866,28 +4841,27 @@
           <a:lstStyle/>
           <a:p>
             <a:r>
-              <a:rPr lang="es-ES_tradnl" dirty="0" smtClean="0"/>
+              <a:rPr lang="es-ES_tradnl" dirty="0"/>
               <a:t>1	0	1	2</a:t>
             </a:r>
           </a:p>
           <a:p>
             <a:r>
-              <a:rPr lang="es-ES_tradnl" dirty="0" smtClean="0"/>
+              <a:rPr lang="es-ES_tradnl" dirty="0"/>
               <a:t>1	1	0	0</a:t>
             </a:r>
           </a:p>
           <a:p>
             <a:r>
-              <a:rPr lang="es-ES_tradnl" dirty="0" smtClean="0"/>
+              <a:rPr lang="es-ES_tradnl" dirty="0"/>
               <a:t>0	2	1	0</a:t>
             </a:r>
           </a:p>
           <a:p>
             <a:r>
-              <a:rPr lang="es-ES_tradnl" dirty="0" smtClean="0"/>
+              <a:rPr lang="es-ES_tradnl" dirty="0"/>
               <a:t>0	2	0	2	</a:t>
             </a:r>
-            <a:endParaRPr lang="es-ES_tradnl" dirty="0"/>
           </a:p>
         </p:txBody>
       </p:sp>
@@ -4953,10 +4927,9 @@
           <a:lstStyle/>
           <a:p>
             <a:r>
-              <a:rPr lang="es-ES_tradnl" dirty="0" smtClean="0"/>
+              <a:rPr lang="es-ES_tradnl" dirty="0"/>
               <a:t>I =</a:t>
             </a:r>
-            <a:endParaRPr lang="es-ES_tradnl" dirty="0"/>
           </a:p>
         </p:txBody>
       </p:sp>
@@ -4983,21 +4956,21 @@
           <a:lstStyle/>
           <a:p>
             <a:r>
-              <a:rPr lang="en-US" smtClean="0"/>
+              <a:rPr lang="en-US"/>
               <a:t>Example:</a:t>
             </a:r>
           </a:p>
           <a:p>
             <a:r>
-              <a:rPr lang="en-US" smtClean="0"/>
+              <a:rPr lang="en-US"/>
               <a:t>Given an imagen I, the co-ccurrence matrix P</a:t>
             </a:r>
             <a:r>
-              <a:rPr lang="en-US" baseline="-25000" smtClean="0"/>
+              <a:rPr lang="en-US" baseline="-25000"/>
               <a:t>10</a:t>
             </a:r>
             <a:r>
-              <a:rPr lang="en-US" smtClean="0"/>
+              <a:rPr lang="en-US"/>
               <a:t> is computed as follows:</a:t>
             </a:r>
             <a:endParaRPr lang="en-US" baseline="-25000"/>
@@ -5027,16 +5000,15 @@
           <a:lstStyle/>
           <a:p>
             <a:r>
-              <a:rPr lang="en-US" b="1" dirty="0" smtClean="0"/>
+              <a:rPr lang="en-US" b="1" dirty="0"/>
               <a:t>Co-occurrence matrices</a:t>
             </a:r>
           </a:p>
           <a:p>
             <a:r>
-              <a:rPr lang="en-US" dirty="0" smtClean="0"/>
+              <a:rPr lang="en-US" dirty="0"/>
               <a:t>They measure how is the distribution of co-occurring of pairs of pixels in an image.</a:t>
             </a:r>
-            <a:endParaRPr lang="en-US" dirty="0"/>
           </a:p>
         </p:txBody>
       </p:sp>
@@ -5063,11 +5035,11 @@
           <a:lstStyle/>
           <a:p>
             <a:r>
-              <a:rPr lang="es-ES_tradnl" dirty="0" smtClean="0"/>
+              <a:rPr lang="es-ES_tradnl" dirty="0"/>
               <a:t> 	</a:t>
             </a:r>
             <a:r>
-              <a:rPr lang="es-ES_tradnl" dirty="0" smtClean="0">
+              <a:rPr lang="es-ES_tradnl" dirty="0">
                 <a:solidFill>
                   <a:schemeClr val="bg1">
                     <a:lumMod val="75000"/>
@@ -5079,11 +5051,11 @@
           </a:p>
           <a:p>
             <a:r>
-              <a:rPr lang="es-ES_tradnl" dirty="0" smtClean="0"/>
+              <a:rPr lang="es-ES_tradnl" dirty="0"/>
               <a:t>         </a:t>
             </a:r>
             <a:r>
-              <a:rPr lang="es-ES_tradnl" dirty="0" smtClean="0">
+              <a:rPr lang="es-ES_tradnl" dirty="0">
                 <a:solidFill>
                   <a:srgbClr val="BFBFBF"/>
                 </a:solidFill>
@@ -5091,17 +5063,17 @@
               <a:t>0</a:t>
             </a:r>
             <a:r>
-              <a:rPr lang="es-ES_tradnl" dirty="0" smtClean="0"/>
+              <a:rPr lang="es-ES_tradnl" dirty="0"/>
               <a:t>	?	?	?</a:t>
             </a:r>
           </a:p>
           <a:p>
             <a:r>
-              <a:rPr lang="es-ES_tradnl" dirty="0" smtClean="0"/>
+              <a:rPr lang="es-ES_tradnl" dirty="0"/>
               <a:t>         </a:t>
             </a:r>
             <a:r>
-              <a:rPr lang="es-ES_tradnl" dirty="0" smtClean="0">
+              <a:rPr lang="es-ES_tradnl" dirty="0">
                 <a:solidFill>
                   <a:srgbClr val="BFBFBF"/>
                 </a:solidFill>
@@ -5109,17 +5081,17 @@
               <a:t>1</a:t>
             </a:r>
             <a:r>
-              <a:rPr lang="es-ES_tradnl" dirty="0" smtClean="0"/>
+              <a:rPr lang="es-ES_tradnl" dirty="0"/>
               <a:t>	?	?	?</a:t>
             </a:r>
           </a:p>
           <a:p>
             <a:r>
-              <a:rPr lang="es-ES_tradnl" dirty="0" smtClean="0"/>
+              <a:rPr lang="es-ES_tradnl" dirty="0"/>
               <a:t>         </a:t>
             </a:r>
             <a:r>
-              <a:rPr lang="es-ES_tradnl" dirty="0" smtClean="0">
+              <a:rPr lang="es-ES_tradnl" dirty="0">
                 <a:solidFill>
                   <a:srgbClr val="BFBFBF"/>
                 </a:solidFill>
@@ -5127,10 +5099,9 @@
               <a:t>2</a:t>
             </a:r>
             <a:r>
-              <a:rPr lang="es-ES_tradnl" dirty="0" smtClean="0"/>
+              <a:rPr lang="es-ES_tradnl" dirty="0"/>
               <a:t>	?	?	?	</a:t>
             </a:r>
-            <a:endParaRPr lang="es-ES_tradnl" dirty="0"/>
           </a:p>
         </p:txBody>
       </p:sp>
@@ -5197,17 +5168,16 @@
           <a:p>
             <a:pPr algn="ctr"/>
             <a:r>
-              <a:rPr lang="en-US" smtClean="0"/>
+              <a:rPr lang="en-US"/>
               <a:t>value of the</a:t>
             </a:r>
           </a:p>
           <a:p>
             <a:pPr algn="ctr"/>
             <a:r>
-              <a:rPr lang="en-US" smtClean="0"/>
+              <a:rPr lang="en-US"/>
               <a:t>second pixel</a:t>
             </a:r>
-            <a:endParaRPr lang="en-US"/>
           </a:p>
         </p:txBody>
       </p:sp>
@@ -5351,17 +5321,16 @@
           <a:p>
             <a:pPr algn="ctr"/>
             <a:r>
-              <a:rPr lang="en-US" smtClean="0"/>
+              <a:rPr lang="en-US"/>
               <a:t>value of the</a:t>
             </a:r>
           </a:p>
           <a:p>
             <a:pPr algn="ctr"/>
             <a:r>
-              <a:rPr lang="en-US" smtClean="0"/>
+              <a:rPr lang="en-US"/>
               <a:t>first pixel</a:t>
             </a:r>
-            <a:endParaRPr lang="en-US"/>
           </a:p>
         </p:txBody>
       </p:sp>
@@ -5562,15 +5531,15 @@
           <a:lstStyle/>
           <a:p>
             <a:r>
-              <a:rPr lang="es-ES_tradnl" dirty="0" smtClean="0"/>
+              <a:rPr lang="es-ES_tradnl" dirty="0"/>
               <a:t>P</a:t>
             </a:r>
             <a:r>
-              <a:rPr lang="es-ES_tradnl" baseline="-25000" dirty="0" smtClean="0"/>
+              <a:rPr lang="es-ES_tradnl" baseline="-25000" dirty="0"/>
               <a:t>10</a:t>
             </a:r>
             <a:r>
-              <a:rPr lang="es-ES_tradnl" dirty="0" smtClean="0"/>
+              <a:rPr lang="es-ES_tradnl" dirty="0"/>
               <a:t> =</a:t>
             </a:r>
             <a:endParaRPr lang="es-ES_tradnl" baseline="-25000" dirty="0"/>
@@ -5615,17 +5584,16 @@
             <a:p>
               <a:pPr algn="ctr"/>
               <a:r>
-                <a:rPr lang="es-ES_tradnl" dirty="0" smtClean="0"/>
+                <a:rPr lang="es-ES_tradnl" dirty="0"/>
                 <a:t>1</a:t>
               </a:r>
             </a:p>
             <a:p>
               <a:pPr algn="ctr"/>
               <a:r>
-                <a:rPr lang="es-ES_tradnl" dirty="0" smtClean="0"/>
+                <a:rPr lang="es-ES_tradnl" dirty="0"/>
                 <a:t>12</a:t>
               </a:r>
-              <a:endParaRPr lang="es-ES_tradnl" dirty="0"/>
             </a:p>
           </p:txBody>
         </p:sp>
@@ -5781,10 +5749,9 @@
           <a:lstStyle/>
           <a:p>
             <a:r>
-              <a:rPr lang="en-US" smtClean="0"/>
+              <a:rPr lang="en-US"/>
               <a:t>¿how many                  there are in image I ?</a:t>
             </a:r>
-            <a:endParaRPr lang="en-US"/>
           </a:p>
         </p:txBody>
       </p:sp>
@@ -5912,13 +5879,6 @@
   <p:clrMapOvr>
     <a:masterClrMapping/>
   </p:clrMapOvr>
-  <p:timing>
-    <p:tnLst>
-      <p:par>
-        <p:cTn id="1" dur="indefinite" restart="never" nodeType="tmRoot"/>
-      </p:par>
-    </p:tnLst>
-  </p:timing>
 </p:sld>
 </file>
 
@@ -5962,28 +5922,27 @@
           <a:lstStyle/>
           <a:p>
             <a:r>
-              <a:rPr lang="es-ES_tradnl" dirty="0" smtClean="0"/>
+              <a:rPr lang="es-ES_tradnl" dirty="0"/>
               <a:t>1	0	1	2</a:t>
             </a:r>
           </a:p>
           <a:p>
             <a:r>
-              <a:rPr lang="es-ES_tradnl" dirty="0" smtClean="0"/>
+              <a:rPr lang="es-ES_tradnl" dirty="0"/>
               <a:t>1	1	0	0</a:t>
             </a:r>
           </a:p>
           <a:p>
             <a:r>
-              <a:rPr lang="es-ES_tradnl" dirty="0" smtClean="0"/>
+              <a:rPr lang="es-ES_tradnl" dirty="0"/>
               <a:t>0	2	1	0</a:t>
             </a:r>
           </a:p>
           <a:p>
             <a:r>
-              <a:rPr lang="es-ES_tradnl" dirty="0" smtClean="0"/>
+              <a:rPr lang="es-ES_tradnl" dirty="0"/>
               <a:t>0	2	0	2	</a:t>
             </a:r>
-            <a:endParaRPr lang="es-ES_tradnl" dirty="0"/>
           </a:p>
         </p:txBody>
       </p:sp>
@@ -6049,10 +6008,9 @@
           <a:lstStyle/>
           <a:p>
             <a:r>
-              <a:rPr lang="es-ES_tradnl" dirty="0" smtClean="0"/>
+              <a:rPr lang="es-ES_tradnl" dirty="0"/>
               <a:t>I =</a:t>
             </a:r>
-            <a:endParaRPr lang="es-ES_tradnl" dirty="0"/>
           </a:p>
         </p:txBody>
       </p:sp>
@@ -6079,21 +6037,21 @@
           <a:lstStyle/>
           <a:p>
             <a:r>
-              <a:rPr lang="en-US" smtClean="0"/>
+              <a:rPr lang="en-US"/>
               <a:t>Example:</a:t>
             </a:r>
           </a:p>
           <a:p>
             <a:r>
-              <a:rPr lang="en-US" smtClean="0"/>
+              <a:rPr lang="en-US"/>
               <a:t>Given an imagen I, the co-ccurrence matrix P</a:t>
             </a:r>
             <a:r>
-              <a:rPr lang="en-US" baseline="-25000" smtClean="0"/>
+              <a:rPr lang="en-US" baseline="-25000"/>
               <a:t>10</a:t>
             </a:r>
             <a:r>
-              <a:rPr lang="en-US" smtClean="0"/>
+              <a:rPr lang="en-US"/>
               <a:t> is computed as follows:</a:t>
             </a:r>
             <a:endParaRPr lang="en-US" baseline="-25000"/>
@@ -6123,16 +6081,15 @@
           <a:lstStyle/>
           <a:p>
             <a:r>
-              <a:rPr lang="en-US" b="1" dirty="0" smtClean="0"/>
+              <a:rPr lang="en-US" b="1" dirty="0"/>
               <a:t>Co-occurrence matrices</a:t>
             </a:r>
           </a:p>
           <a:p>
             <a:r>
-              <a:rPr lang="en-US" dirty="0" smtClean="0"/>
+              <a:rPr lang="en-US" dirty="0"/>
               <a:t>They measure how is the distribution of co-occurring of pairs of pixels in an image.</a:t>
             </a:r>
-            <a:endParaRPr lang="en-US" dirty="0"/>
           </a:p>
         </p:txBody>
       </p:sp>
@@ -6159,11 +6116,11 @@
           <a:lstStyle/>
           <a:p>
             <a:r>
-              <a:rPr lang="es-ES_tradnl" dirty="0" smtClean="0"/>
+              <a:rPr lang="es-ES_tradnl" dirty="0"/>
               <a:t> 	</a:t>
             </a:r>
             <a:r>
-              <a:rPr lang="es-ES_tradnl" dirty="0" smtClean="0">
+              <a:rPr lang="es-ES_tradnl" dirty="0">
                 <a:solidFill>
                   <a:schemeClr val="bg1">
                     <a:lumMod val="75000"/>
@@ -6175,11 +6132,11 @@
           </a:p>
           <a:p>
             <a:r>
-              <a:rPr lang="es-ES_tradnl" dirty="0" smtClean="0"/>
+              <a:rPr lang="es-ES_tradnl" dirty="0"/>
               <a:t>         </a:t>
             </a:r>
             <a:r>
-              <a:rPr lang="es-ES_tradnl" dirty="0" smtClean="0">
+              <a:rPr lang="es-ES_tradnl" dirty="0">
                 <a:solidFill>
                   <a:srgbClr val="BFBFBF"/>
                 </a:solidFill>
@@ -6187,17 +6144,17 @@
               <a:t>0</a:t>
             </a:r>
             <a:r>
-              <a:rPr lang="es-ES_tradnl" dirty="0" smtClean="0"/>
+              <a:rPr lang="es-ES_tradnl" dirty="0"/>
               <a:t>	?	?	?</a:t>
             </a:r>
           </a:p>
           <a:p>
             <a:r>
-              <a:rPr lang="es-ES_tradnl" dirty="0" smtClean="0"/>
+              <a:rPr lang="es-ES_tradnl" dirty="0"/>
               <a:t>         </a:t>
             </a:r>
             <a:r>
-              <a:rPr lang="es-ES_tradnl" dirty="0" smtClean="0">
+              <a:rPr lang="es-ES_tradnl" dirty="0">
                 <a:solidFill>
                   <a:srgbClr val="BFBFBF"/>
                 </a:solidFill>
@@ -6205,17 +6162,17 @@
               <a:t>1</a:t>
             </a:r>
             <a:r>
-              <a:rPr lang="es-ES_tradnl" dirty="0" smtClean="0"/>
+              <a:rPr lang="es-ES_tradnl" dirty="0"/>
               <a:t>	?	?	?</a:t>
             </a:r>
           </a:p>
           <a:p>
             <a:r>
-              <a:rPr lang="es-ES_tradnl" dirty="0" smtClean="0"/>
+              <a:rPr lang="es-ES_tradnl" dirty="0"/>
               <a:t>         </a:t>
             </a:r>
             <a:r>
-              <a:rPr lang="es-ES_tradnl" dirty="0" smtClean="0">
+              <a:rPr lang="es-ES_tradnl" dirty="0">
                 <a:solidFill>
                   <a:srgbClr val="BFBFBF"/>
                 </a:solidFill>
@@ -6223,10 +6180,9 @@
               <a:t>2</a:t>
             </a:r>
             <a:r>
-              <a:rPr lang="es-ES_tradnl" dirty="0" smtClean="0"/>
+              <a:rPr lang="es-ES_tradnl" dirty="0"/>
               <a:t>	?	?	?	</a:t>
             </a:r>
-            <a:endParaRPr lang="es-ES_tradnl" dirty="0"/>
           </a:p>
         </p:txBody>
       </p:sp>
@@ -6293,17 +6249,16 @@
           <a:p>
             <a:pPr algn="ctr"/>
             <a:r>
-              <a:rPr lang="en-US" smtClean="0"/>
+              <a:rPr lang="en-US"/>
               <a:t>value of the</a:t>
             </a:r>
           </a:p>
           <a:p>
             <a:pPr algn="ctr"/>
             <a:r>
-              <a:rPr lang="en-US" smtClean="0"/>
+              <a:rPr lang="en-US"/>
               <a:t>second pixel</a:t>
             </a:r>
-            <a:endParaRPr lang="en-US"/>
           </a:p>
         </p:txBody>
       </p:sp>
@@ -6447,17 +6402,16 @@
           <a:p>
             <a:pPr algn="ctr"/>
             <a:r>
-              <a:rPr lang="en-US" smtClean="0"/>
+              <a:rPr lang="en-US"/>
               <a:t>value of the</a:t>
             </a:r>
           </a:p>
           <a:p>
             <a:pPr algn="ctr"/>
             <a:r>
-              <a:rPr lang="en-US" smtClean="0"/>
+              <a:rPr lang="en-US"/>
               <a:t>first pixel</a:t>
             </a:r>
-            <a:endParaRPr lang="en-US"/>
           </a:p>
         </p:txBody>
       </p:sp>
@@ -6658,15 +6612,15 @@
           <a:lstStyle/>
           <a:p>
             <a:r>
-              <a:rPr lang="es-ES_tradnl" dirty="0" smtClean="0"/>
+              <a:rPr lang="es-ES_tradnl" dirty="0"/>
               <a:t>P</a:t>
             </a:r>
             <a:r>
-              <a:rPr lang="es-ES_tradnl" baseline="-25000" dirty="0" smtClean="0"/>
+              <a:rPr lang="es-ES_tradnl" baseline="-25000" dirty="0"/>
               <a:t>10</a:t>
             </a:r>
             <a:r>
-              <a:rPr lang="es-ES_tradnl" dirty="0" smtClean="0"/>
+              <a:rPr lang="es-ES_tradnl" dirty="0"/>
               <a:t> =</a:t>
             </a:r>
             <a:endParaRPr lang="es-ES_tradnl" baseline="-25000" dirty="0"/>
@@ -6711,17 +6665,16 @@
             <a:p>
               <a:pPr algn="ctr"/>
               <a:r>
-                <a:rPr lang="es-ES_tradnl" dirty="0" smtClean="0"/>
+                <a:rPr lang="es-ES_tradnl" dirty="0"/>
                 <a:t>1</a:t>
               </a:r>
             </a:p>
             <a:p>
               <a:pPr algn="ctr"/>
               <a:r>
-                <a:rPr lang="es-ES_tradnl" dirty="0" smtClean="0"/>
+                <a:rPr lang="es-ES_tradnl" dirty="0"/>
                 <a:t>12</a:t>
               </a:r>
-              <a:endParaRPr lang="es-ES_tradnl" dirty="0"/>
             </a:p>
           </p:txBody>
         </p:sp>
@@ -6877,10 +6830,9 @@
           <a:lstStyle/>
           <a:p>
             <a:r>
-              <a:rPr lang="en-US" smtClean="0"/>
+              <a:rPr lang="en-US"/>
               <a:t>¿how many                  there are in image I ?</a:t>
             </a:r>
-            <a:endParaRPr lang="en-US"/>
           </a:p>
         </p:txBody>
       </p:sp>
@@ -7021,16 +6973,15 @@
           <a:lstStyle/>
           <a:p>
             <a:r>
-              <a:rPr lang="es-ES_tradnl" dirty="0" smtClean="0"/>
+              <a:rPr lang="es-ES_tradnl" dirty="0"/>
               <a:t>0</a:t>
             </a:r>
           </a:p>
           <a:p>
             <a:r>
-              <a:rPr lang="es-ES_tradnl" dirty="0" smtClean="0"/>
+              <a:rPr lang="es-ES_tradnl" dirty="0"/>
               <a:t>0</a:t>
             </a:r>
-            <a:endParaRPr lang="es-ES_tradnl" dirty="0"/>
           </a:p>
         </p:txBody>
       </p:sp>
@@ -7044,13 +6995,6 @@
   <p:clrMapOvr>
     <a:masterClrMapping/>
   </p:clrMapOvr>
-  <p:timing>
-    <p:tnLst>
-      <p:par>
-        <p:cTn id="1" dur="indefinite" restart="never" nodeType="tmRoot"/>
-      </p:par>
-    </p:tnLst>
-  </p:timing>
 </p:sld>
 </file>
 
@@ -7094,28 +7038,27 @@
           <a:lstStyle/>
           <a:p>
             <a:r>
-              <a:rPr lang="es-ES_tradnl" dirty="0" smtClean="0"/>
+              <a:rPr lang="es-ES_tradnl" dirty="0"/>
               <a:t>1	0	1	2</a:t>
             </a:r>
           </a:p>
           <a:p>
             <a:r>
-              <a:rPr lang="es-ES_tradnl" dirty="0" smtClean="0"/>
+              <a:rPr lang="es-ES_tradnl" dirty="0"/>
               <a:t>1	1	0	0</a:t>
             </a:r>
           </a:p>
           <a:p>
             <a:r>
-              <a:rPr lang="es-ES_tradnl" dirty="0" smtClean="0"/>
+              <a:rPr lang="es-ES_tradnl" dirty="0"/>
               <a:t>0	2	1	0</a:t>
             </a:r>
           </a:p>
           <a:p>
             <a:r>
-              <a:rPr lang="es-ES_tradnl" dirty="0" smtClean="0"/>
+              <a:rPr lang="es-ES_tradnl" dirty="0"/>
               <a:t>0	2	0	2	</a:t>
             </a:r>
-            <a:endParaRPr lang="es-ES_tradnl" dirty="0"/>
           </a:p>
         </p:txBody>
       </p:sp>
@@ -7181,10 +7124,9 @@
           <a:lstStyle/>
           <a:p>
             <a:r>
-              <a:rPr lang="es-ES_tradnl" dirty="0" smtClean="0"/>
+              <a:rPr lang="es-ES_tradnl" dirty="0"/>
               <a:t>I =</a:t>
             </a:r>
-            <a:endParaRPr lang="es-ES_tradnl" dirty="0"/>
           </a:p>
         </p:txBody>
       </p:sp>
@@ -7211,21 +7153,21 @@
           <a:lstStyle/>
           <a:p>
             <a:r>
-              <a:rPr lang="en-US" smtClean="0"/>
+              <a:rPr lang="en-US"/>
               <a:t>Example:</a:t>
             </a:r>
           </a:p>
           <a:p>
             <a:r>
-              <a:rPr lang="en-US" smtClean="0"/>
+              <a:rPr lang="en-US"/>
               <a:t>Given an imagen I, the co-ccurrence matrix P</a:t>
             </a:r>
             <a:r>
-              <a:rPr lang="en-US" baseline="-25000" smtClean="0"/>
+              <a:rPr lang="en-US" baseline="-25000"/>
               <a:t>10</a:t>
             </a:r>
             <a:r>
-              <a:rPr lang="en-US" smtClean="0"/>
+              <a:rPr lang="en-US"/>
               <a:t> is computed as follows:</a:t>
             </a:r>
             <a:endParaRPr lang="en-US" baseline="-25000"/>
@@ -7255,16 +7197,15 @@
           <a:lstStyle/>
           <a:p>
             <a:r>
-              <a:rPr lang="en-US" b="1" dirty="0" smtClean="0"/>
+              <a:rPr lang="en-US" b="1" dirty="0"/>
               <a:t>Co-occurrence matrices</a:t>
             </a:r>
           </a:p>
           <a:p>
             <a:r>
-              <a:rPr lang="en-US" dirty="0" smtClean="0"/>
+              <a:rPr lang="en-US" dirty="0"/>
               <a:t>They measure how is the distribution of co-occurring of pairs of pixels in an image.</a:t>
             </a:r>
-            <a:endParaRPr lang="en-US" dirty="0"/>
           </a:p>
         </p:txBody>
       </p:sp>
@@ -7291,11 +7232,11 @@
           <a:lstStyle/>
           <a:p>
             <a:r>
-              <a:rPr lang="es-ES_tradnl" dirty="0" smtClean="0"/>
+              <a:rPr lang="es-ES_tradnl" dirty="0"/>
               <a:t> 	</a:t>
             </a:r>
             <a:r>
-              <a:rPr lang="es-ES_tradnl" dirty="0" smtClean="0">
+              <a:rPr lang="es-ES_tradnl" dirty="0">
                 <a:solidFill>
                   <a:schemeClr val="bg1">
                     <a:lumMod val="75000"/>
@@ -7307,11 +7248,11 @@
           </a:p>
           <a:p>
             <a:r>
-              <a:rPr lang="es-ES_tradnl" dirty="0" smtClean="0"/>
+              <a:rPr lang="es-ES_tradnl" dirty="0"/>
               <a:t>         </a:t>
             </a:r>
             <a:r>
-              <a:rPr lang="es-ES_tradnl" dirty="0" smtClean="0">
+              <a:rPr lang="es-ES_tradnl" dirty="0">
                 <a:solidFill>
                   <a:srgbClr val="BFBFBF"/>
                 </a:solidFill>
@@ -7319,17 +7260,17 @@
               <a:t>0</a:t>
             </a:r>
             <a:r>
-              <a:rPr lang="es-ES_tradnl" dirty="0" smtClean="0"/>
+              <a:rPr lang="es-ES_tradnl" dirty="0"/>
               <a:t>	2	?	?</a:t>
             </a:r>
           </a:p>
           <a:p>
             <a:r>
-              <a:rPr lang="es-ES_tradnl" dirty="0" smtClean="0"/>
+              <a:rPr lang="es-ES_tradnl" dirty="0"/>
               <a:t>         </a:t>
             </a:r>
             <a:r>
-              <a:rPr lang="es-ES_tradnl" dirty="0" smtClean="0">
+              <a:rPr lang="es-ES_tradnl" dirty="0">
                 <a:solidFill>
                   <a:srgbClr val="BFBFBF"/>
                 </a:solidFill>
@@ -7337,17 +7278,17 @@
               <a:t>1</a:t>
             </a:r>
             <a:r>
-              <a:rPr lang="es-ES_tradnl" dirty="0" smtClean="0"/>
+              <a:rPr lang="es-ES_tradnl" dirty="0"/>
               <a:t>	?	?	?</a:t>
             </a:r>
           </a:p>
           <a:p>
             <a:r>
-              <a:rPr lang="es-ES_tradnl" dirty="0" smtClean="0"/>
+              <a:rPr lang="es-ES_tradnl" dirty="0"/>
               <a:t>         </a:t>
             </a:r>
             <a:r>
-              <a:rPr lang="es-ES_tradnl" dirty="0" smtClean="0">
+              <a:rPr lang="es-ES_tradnl" dirty="0">
                 <a:solidFill>
                   <a:srgbClr val="BFBFBF"/>
                 </a:solidFill>
@@ -7355,10 +7296,9 @@
               <a:t>2</a:t>
             </a:r>
             <a:r>
-              <a:rPr lang="es-ES_tradnl" dirty="0" smtClean="0"/>
+              <a:rPr lang="es-ES_tradnl" dirty="0"/>
               <a:t>	?	?	?	</a:t>
             </a:r>
-            <a:endParaRPr lang="es-ES_tradnl" dirty="0"/>
           </a:p>
         </p:txBody>
       </p:sp>
@@ -7425,17 +7365,16 @@
           <a:p>
             <a:pPr algn="ctr"/>
             <a:r>
-              <a:rPr lang="en-US" smtClean="0"/>
+              <a:rPr lang="en-US"/>
               <a:t>value of the</a:t>
             </a:r>
           </a:p>
           <a:p>
             <a:pPr algn="ctr"/>
             <a:r>
-              <a:rPr lang="en-US" smtClean="0"/>
+              <a:rPr lang="en-US"/>
               <a:t>second pixel</a:t>
             </a:r>
-            <a:endParaRPr lang="en-US"/>
           </a:p>
         </p:txBody>
       </p:sp>
@@ -7579,17 +7518,16 @@
           <a:p>
             <a:pPr algn="ctr"/>
             <a:r>
-              <a:rPr lang="en-US" smtClean="0"/>
+              <a:rPr lang="en-US"/>
               <a:t>value of the</a:t>
             </a:r>
           </a:p>
           <a:p>
             <a:pPr algn="ctr"/>
             <a:r>
-              <a:rPr lang="en-US" smtClean="0"/>
+              <a:rPr lang="en-US"/>
               <a:t>first pixel</a:t>
             </a:r>
-            <a:endParaRPr lang="en-US"/>
           </a:p>
         </p:txBody>
       </p:sp>
@@ -7790,15 +7728,15 @@
           <a:lstStyle/>
           <a:p>
             <a:r>
-              <a:rPr lang="es-ES_tradnl" dirty="0" smtClean="0"/>
+              <a:rPr lang="es-ES_tradnl" dirty="0"/>
               <a:t>P</a:t>
             </a:r>
             <a:r>
-              <a:rPr lang="es-ES_tradnl" baseline="-25000" dirty="0" smtClean="0"/>
+              <a:rPr lang="es-ES_tradnl" baseline="-25000" dirty="0"/>
               <a:t>10</a:t>
             </a:r>
             <a:r>
-              <a:rPr lang="es-ES_tradnl" dirty="0" smtClean="0"/>
+              <a:rPr lang="es-ES_tradnl" dirty="0"/>
               <a:t> =</a:t>
             </a:r>
             <a:endParaRPr lang="es-ES_tradnl" baseline="-25000" dirty="0"/>
@@ -7843,17 +7781,16 @@
             <a:p>
               <a:pPr algn="ctr"/>
               <a:r>
-                <a:rPr lang="es-ES_tradnl" dirty="0" smtClean="0"/>
+                <a:rPr lang="es-ES_tradnl" dirty="0"/>
                 <a:t>1</a:t>
               </a:r>
             </a:p>
             <a:p>
               <a:pPr algn="ctr"/>
               <a:r>
-                <a:rPr lang="es-ES_tradnl" dirty="0" smtClean="0"/>
+                <a:rPr lang="es-ES_tradnl" dirty="0"/>
                 <a:t>12</a:t>
               </a:r>
-              <a:endParaRPr lang="es-ES_tradnl" dirty="0"/>
             </a:p>
           </p:txBody>
         </p:sp>
@@ -8009,10 +7946,9 @@
           <a:lstStyle/>
           <a:p>
             <a:r>
-              <a:rPr lang="en-US" smtClean="0"/>
+              <a:rPr lang="en-US"/>
               <a:t>¿how many                  there are in image I ?</a:t>
             </a:r>
-            <a:endParaRPr lang="en-US"/>
           </a:p>
         </p:txBody>
       </p:sp>
@@ -8153,16 +8089,15 @@
           <a:lstStyle/>
           <a:p>
             <a:r>
-              <a:rPr lang="es-ES_tradnl" dirty="0" smtClean="0"/>
+              <a:rPr lang="es-ES_tradnl" dirty="0"/>
               <a:t>0</a:t>
             </a:r>
           </a:p>
           <a:p>
             <a:r>
-              <a:rPr lang="es-ES_tradnl" dirty="0" smtClean="0"/>
+              <a:rPr lang="es-ES_tradnl" dirty="0"/>
               <a:t>0</a:t>
             </a:r>
-            <a:endParaRPr lang="es-ES_tradnl" dirty="0"/>
           </a:p>
         </p:txBody>
       </p:sp>
@@ -8362,13 +8297,6 @@
   <p:clrMapOvr>
     <a:masterClrMapping/>
   </p:clrMapOvr>
-  <p:timing>
-    <p:tnLst>
-      <p:par>
-        <p:cTn id="1" dur="indefinite" restart="never" nodeType="tmRoot"/>
-      </p:par>
-    </p:tnLst>
-  </p:timing>
 </p:sld>
 </file>
 
@@ -8412,28 +8340,27 @@
           <a:lstStyle/>
           <a:p>
             <a:r>
-              <a:rPr lang="es-ES_tradnl" dirty="0" smtClean="0"/>
+              <a:rPr lang="es-ES_tradnl" dirty="0"/>
               <a:t>1	0	1	2</a:t>
             </a:r>
           </a:p>
           <a:p>
             <a:r>
-              <a:rPr lang="es-ES_tradnl" dirty="0" smtClean="0"/>
+              <a:rPr lang="es-ES_tradnl" dirty="0"/>
               <a:t>1	1	0	0</a:t>
             </a:r>
           </a:p>
           <a:p>
             <a:r>
-              <a:rPr lang="es-ES_tradnl" dirty="0" smtClean="0"/>
+              <a:rPr lang="es-ES_tradnl" dirty="0"/>
               <a:t>0	2	1	0</a:t>
             </a:r>
           </a:p>
           <a:p>
             <a:r>
-              <a:rPr lang="es-ES_tradnl" dirty="0" smtClean="0"/>
+              <a:rPr lang="es-ES_tradnl" dirty="0"/>
               <a:t>0	2	0	2	</a:t>
             </a:r>
-            <a:endParaRPr lang="es-ES_tradnl" dirty="0"/>
           </a:p>
         </p:txBody>
       </p:sp>
@@ -8499,10 +8426,9 @@
           <a:lstStyle/>
           <a:p>
             <a:r>
-              <a:rPr lang="es-ES_tradnl" dirty="0" smtClean="0"/>
+              <a:rPr lang="es-ES_tradnl" dirty="0"/>
               <a:t>I =</a:t>
             </a:r>
-            <a:endParaRPr lang="es-ES_tradnl" dirty="0"/>
           </a:p>
         </p:txBody>
       </p:sp>
@@ -8529,21 +8455,21 @@
           <a:lstStyle/>
           <a:p>
             <a:r>
-              <a:rPr lang="en-US" smtClean="0"/>
+              <a:rPr lang="en-US"/>
               <a:t>Example:</a:t>
             </a:r>
           </a:p>
           <a:p>
             <a:r>
-              <a:rPr lang="en-US" smtClean="0"/>
+              <a:rPr lang="en-US"/>
               <a:t>Given an imagen I, the co-ccurrence matrix P</a:t>
             </a:r>
             <a:r>
-              <a:rPr lang="en-US" baseline="-25000" smtClean="0"/>
+              <a:rPr lang="en-US" baseline="-25000"/>
               <a:t>10</a:t>
             </a:r>
             <a:r>
-              <a:rPr lang="en-US" smtClean="0"/>
+              <a:rPr lang="en-US"/>
               <a:t> is computed as follows:</a:t>
             </a:r>
             <a:endParaRPr lang="en-US" baseline="-25000"/>
@@ -8573,16 +8499,15 @@
           <a:lstStyle/>
           <a:p>
             <a:r>
-              <a:rPr lang="en-US" b="1" dirty="0" smtClean="0"/>
+              <a:rPr lang="en-US" b="1" dirty="0"/>
               <a:t>Co-occurrence matrices</a:t>
             </a:r>
           </a:p>
           <a:p>
             <a:r>
-              <a:rPr lang="en-US" dirty="0" smtClean="0"/>
+              <a:rPr lang="en-US" dirty="0"/>
               <a:t>They measure how is the distribution of co-occurring of pairs of pixels in an image.</a:t>
             </a:r>
-            <a:endParaRPr lang="en-US" dirty="0"/>
           </a:p>
         </p:txBody>
       </p:sp>
@@ -8609,11 +8534,11 @@
           <a:lstStyle/>
           <a:p>
             <a:r>
-              <a:rPr lang="es-ES_tradnl" dirty="0" smtClean="0"/>
+              <a:rPr lang="es-ES_tradnl" dirty="0"/>
               <a:t> 	</a:t>
             </a:r>
             <a:r>
-              <a:rPr lang="es-ES_tradnl" dirty="0" smtClean="0">
+              <a:rPr lang="es-ES_tradnl" dirty="0">
                 <a:solidFill>
                   <a:schemeClr val="bg1">
                     <a:lumMod val="75000"/>
@@ -8625,11 +8550,11 @@
           </a:p>
           <a:p>
             <a:r>
-              <a:rPr lang="es-ES_tradnl" dirty="0" smtClean="0"/>
+              <a:rPr lang="es-ES_tradnl" dirty="0"/>
               <a:t>         </a:t>
             </a:r>
             <a:r>
-              <a:rPr lang="es-ES_tradnl" dirty="0" smtClean="0">
+              <a:rPr lang="es-ES_tradnl" dirty="0">
                 <a:solidFill>
                   <a:srgbClr val="BFBFBF"/>
                 </a:solidFill>
@@ -8637,17 +8562,17 @@
               <a:t>0</a:t>
             </a:r>
             <a:r>
-              <a:rPr lang="es-ES_tradnl" dirty="0" smtClean="0"/>
+              <a:rPr lang="es-ES_tradnl" dirty="0"/>
               <a:t>	2	?	?</a:t>
             </a:r>
           </a:p>
           <a:p>
             <a:r>
-              <a:rPr lang="es-ES_tradnl" dirty="0" smtClean="0"/>
+              <a:rPr lang="es-ES_tradnl" dirty="0"/>
               <a:t>         </a:t>
             </a:r>
             <a:r>
-              <a:rPr lang="es-ES_tradnl" dirty="0" smtClean="0">
+              <a:rPr lang="es-ES_tradnl" dirty="0">
                 <a:solidFill>
                   <a:srgbClr val="BFBFBF"/>
                 </a:solidFill>
@@ -8655,17 +8580,17 @@
               <a:t>1</a:t>
             </a:r>
             <a:r>
-              <a:rPr lang="es-ES_tradnl" dirty="0" smtClean="0"/>
+              <a:rPr lang="es-ES_tradnl" dirty="0"/>
               <a:t>	?	?	?</a:t>
             </a:r>
           </a:p>
           <a:p>
             <a:r>
-              <a:rPr lang="es-ES_tradnl" dirty="0" smtClean="0"/>
+              <a:rPr lang="es-ES_tradnl" dirty="0"/>
               <a:t>         </a:t>
             </a:r>
             <a:r>
-              <a:rPr lang="es-ES_tradnl" dirty="0" smtClean="0">
+              <a:rPr lang="es-ES_tradnl" dirty="0">
                 <a:solidFill>
                   <a:srgbClr val="BFBFBF"/>
                 </a:solidFill>
@@ -8673,10 +8598,9 @@
               <a:t>2</a:t>
             </a:r>
             <a:r>
-              <a:rPr lang="es-ES_tradnl" dirty="0" smtClean="0"/>
+              <a:rPr lang="es-ES_tradnl" dirty="0"/>
               <a:t>	?	?	?	</a:t>
             </a:r>
-            <a:endParaRPr lang="es-ES_tradnl" dirty="0"/>
           </a:p>
         </p:txBody>
       </p:sp>
@@ -8743,17 +8667,16 @@
           <a:p>
             <a:pPr algn="ctr"/>
             <a:r>
-              <a:rPr lang="en-US" smtClean="0"/>
+              <a:rPr lang="en-US"/>
               <a:t>value of the</a:t>
             </a:r>
           </a:p>
           <a:p>
             <a:pPr algn="ctr"/>
             <a:r>
-              <a:rPr lang="en-US" smtClean="0"/>
+              <a:rPr lang="en-US"/>
               <a:t>second pixel</a:t>
             </a:r>
-            <a:endParaRPr lang="en-US"/>
           </a:p>
         </p:txBody>
       </p:sp>
@@ -8897,17 +8820,16 @@
           <a:p>
             <a:pPr algn="ctr"/>
             <a:r>
-              <a:rPr lang="en-US" smtClean="0"/>
+              <a:rPr lang="en-US"/>
               <a:t>value of the</a:t>
             </a:r>
           </a:p>
           <a:p>
             <a:pPr algn="ctr"/>
             <a:r>
-              <a:rPr lang="en-US" smtClean="0"/>
+              <a:rPr lang="en-US"/>
               <a:t>first pixel</a:t>
             </a:r>
-            <a:endParaRPr lang="en-US"/>
           </a:p>
         </p:txBody>
       </p:sp>
@@ -9108,15 +9030,15 @@
           <a:lstStyle/>
           <a:p>
             <a:r>
-              <a:rPr lang="es-ES_tradnl" dirty="0" smtClean="0"/>
+              <a:rPr lang="es-ES_tradnl" dirty="0"/>
               <a:t>P</a:t>
             </a:r>
             <a:r>
-              <a:rPr lang="es-ES_tradnl" baseline="-25000" dirty="0" smtClean="0"/>
+              <a:rPr lang="es-ES_tradnl" baseline="-25000" dirty="0"/>
               <a:t>10</a:t>
             </a:r>
             <a:r>
-              <a:rPr lang="es-ES_tradnl" dirty="0" smtClean="0"/>
+              <a:rPr lang="es-ES_tradnl" dirty="0"/>
               <a:t> =</a:t>
             </a:r>
             <a:endParaRPr lang="es-ES_tradnl" baseline="-25000" dirty="0"/>
@@ -9161,17 +9083,16 @@
             <a:p>
               <a:pPr algn="ctr"/>
               <a:r>
-                <a:rPr lang="es-ES_tradnl" dirty="0" smtClean="0"/>
+                <a:rPr lang="es-ES_tradnl" dirty="0"/>
                 <a:t>1</a:t>
               </a:r>
             </a:p>
             <a:p>
               <a:pPr algn="ctr"/>
               <a:r>
-                <a:rPr lang="es-ES_tradnl" dirty="0" smtClean="0"/>
+                <a:rPr lang="es-ES_tradnl" dirty="0"/>
                 <a:t>12</a:t>
               </a:r>
-              <a:endParaRPr lang="es-ES_tradnl" dirty="0"/>
             </a:p>
           </p:txBody>
         </p:sp>
@@ -9327,10 +9248,9 @@
           <a:lstStyle/>
           <a:p>
             <a:r>
-              <a:rPr lang="en-US" smtClean="0"/>
+              <a:rPr lang="en-US"/>
               <a:t>¿how many                  there are in image I ?</a:t>
             </a:r>
-            <a:endParaRPr lang="en-US"/>
           </a:p>
         </p:txBody>
       </p:sp>
@@ -9471,7 +9391,7 @@
           <a:lstStyle/>
           <a:p>
             <a:r>
-              <a:rPr lang="es-ES_tradnl" dirty="0" smtClean="0"/>
+              <a:rPr lang="es-ES_tradnl" dirty="0"/>
               <a:t>0</a:t>
             </a:r>
           </a:p>
@@ -9679,13 +9599,6 @@
   <p:clrMapOvr>
     <a:masterClrMapping/>
   </p:clrMapOvr>
-  <p:timing>
-    <p:tnLst>
-      <p:par>
-        <p:cTn id="1" dur="indefinite" restart="never" nodeType="tmRoot"/>
-      </p:par>
-    </p:tnLst>
-  </p:timing>
 </p:sld>
 </file>
 
@@ -9729,28 +9642,27 @@
           <a:lstStyle/>
           <a:p>
             <a:r>
-              <a:rPr lang="es-ES_tradnl" dirty="0" smtClean="0"/>
+              <a:rPr lang="es-ES_tradnl" dirty="0"/>
               <a:t>1	0	1	2</a:t>
             </a:r>
           </a:p>
           <a:p>
             <a:r>
-              <a:rPr lang="es-ES_tradnl" dirty="0" smtClean="0"/>
+              <a:rPr lang="es-ES_tradnl" dirty="0"/>
               <a:t>1	1	0	0</a:t>
             </a:r>
           </a:p>
           <a:p>
             <a:r>
-              <a:rPr lang="es-ES_tradnl" dirty="0" smtClean="0"/>
+              <a:rPr lang="es-ES_tradnl" dirty="0"/>
               <a:t>0	2	1	0</a:t>
             </a:r>
           </a:p>
           <a:p>
             <a:r>
-              <a:rPr lang="es-ES_tradnl" dirty="0" smtClean="0"/>
+              <a:rPr lang="es-ES_tradnl" dirty="0"/>
               <a:t>0	2	0	2	</a:t>
             </a:r>
-            <a:endParaRPr lang="es-ES_tradnl" dirty="0"/>
           </a:p>
         </p:txBody>
       </p:sp>
@@ -9816,10 +9728,9 @@
           <a:lstStyle/>
           <a:p>
             <a:r>
-              <a:rPr lang="es-ES_tradnl" dirty="0" smtClean="0"/>
+              <a:rPr lang="es-ES_tradnl" dirty="0"/>
               <a:t>I =</a:t>
             </a:r>
-            <a:endParaRPr lang="es-ES_tradnl" dirty="0"/>
           </a:p>
         </p:txBody>
       </p:sp>
@@ -9846,21 +9757,21 @@
           <a:lstStyle/>
           <a:p>
             <a:r>
-              <a:rPr lang="en-US" smtClean="0"/>
+              <a:rPr lang="en-US"/>
               <a:t>Example:</a:t>
             </a:r>
           </a:p>
           <a:p>
             <a:r>
-              <a:rPr lang="en-US" smtClean="0"/>
+              <a:rPr lang="en-US"/>
               <a:t>Given an imagen I, the co-ccurrence matrix P</a:t>
             </a:r>
             <a:r>
-              <a:rPr lang="en-US" baseline="-25000" smtClean="0"/>
+              <a:rPr lang="en-US" baseline="-25000"/>
               <a:t>10</a:t>
             </a:r>
             <a:r>
-              <a:rPr lang="en-US" smtClean="0"/>
+              <a:rPr lang="en-US"/>
               <a:t> is computed as follows:</a:t>
             </a:r>
             <a:endParaRPr lang="en-US" baseline="-25000"/>
@@ -9890,16 +9801,15 @@
           <a:lstStyle/>
           <a:p>
             <a:r>
-              <a:rPr lang="en-US" b="1" dirty="0" smtClean="0"/>
+              <a:rPr lang="en-US" b="1" dirty="0"/>
               <a:t>Co-occurrence matrices</a:t>
             </a:r>
           </a:p>
           <a:p>
             <a:r>
-              <a:rPr lang="en-US" dirty="0" smtClean="0"/>
+              <a:rPr lang="en-US" dirty="0"/>
               <a:t>They measure how is the distribution of co-occurring of pairs of pixels in an image.</a:t>
             </a:r>
-            <a:endParaRPr lang="en-US" dirty="0"/>
           </a:p>
         </p:txBody>
       </p:sp>
@@ -9926,11 +9836,11 @@
           <a:lstStyle/>
           <a:p>
             <a:r>
-              <a:rPr lang="es-ES_tradnl" dirty="0" smtClean="0"/>
+              <a:rPr lang="es-ES_tradnl" dirty="0"/>
               <a:t> 	</a:t>
             </a:r>
             <a:r>
-              <a:rPr lang="es-ES_tradnl" dirty="0" smtClean="0">
+              <a:rPr lang="es-ES_tradnl" dirty="0">
                 <a:solidFill>
                   <a:schemeClr val="bg1">
                     <a:lumMod val="75000"/>
@@ -9942,11 +9852,11 @@
           </a:p>
           <a:p>
             <a:r>
-              <a:rPr lang="es-ES_tradnl" dirty="0" smtClean="0"/>
+              <a:rPr lang="es-ES_tradnl" dirty="0"/>
               <a:t>         </a:t>
             </a:r>
             <a:r>
-              <a:rPr lang="es-ES_tradnl" dirty="0" smtClean="0">
+              <a:rPr lang="es-ES_tradnl" dirty="0">
                 <a:solidFill>
                   <a:srgbClr val="BFBFBF"/>
                 </a:solidFill>
@@ -9954,17 +9864,17 @@
               <a:t>0</a:t>
             </a:r>
             <a:r>
-              <a:rPr lang="es-ES_tradnl" dirty="0" smtClean="0"/>
+              <a:rPr lang="es-ES_tradnl" dirty="0"/>
               <a:t>	2	2	?</a:t>
             </a:r>
           </a:p>
           <a:p>
             <a:r>
-              <a:rPr lang="es-ES_tradnl" dirty="0" smtClean="0"/>
+              <a:rPr lang="es-ES_tradnl" dirty="0"/>
               <a:t>         </a:t>
             </a:r>
             <a:r>
-              <a:rPr lang="es-ES_tradnl" dirty="0" smtClean="0">
+              <a:rPr lang="es-ES_tradnl" dirty="0">
                 <a:solidFill>
                   <a:srgbClr val="BFBFBF"/>
                 </a:solidFill>
@@ -9972,17 +9882,17 @@
               <a:t>1</a:t>
             </a:r>
             <a:r>
-              <a:rPr lang="es-ES_tradnl" dirty="0" smtClean="0"/>
+              <a:rPr lang="es-ES_tradnl" dirty="0"/>
               <a:t>	?	?	?</a:t>
             </a:r>
           </a:p>
           <a:p>
             <a:r>
-              <a:rPr lang="es-ES_tradnl" dirty="0" smtClean="0"/>
+              <a:rPr lang="es-ES_tradnl" dirty="0"/>
               <a:t>         </a:t>
             </a:r>
             <a:r>
-              <a:rPr lang="es-ES_tradnl" dirty="0" smtClean="0">
+              <a:rPr lang="es-ES_tradnl" dirty="0">
                 <a:solidFill>
                   <a:srgbClr val="BFBFBF"/>
                 </a:solidFill>
@@ -9990,10 +9900,9 @@
               <a:t>2</a:t>
             </a:r>
             <a:r>
-              <a:rPr lang="es-ES_tradnl" dirty="0" smtClean="0"/>
+              <a:rPr lang="es-ES_tradnl" dirty="0"/>
               <a:t>	?	?	?	</a:t>
             </a:r>
-            <a:endParaRPr lang="es-ES_tradnl" dirty="0"/>
           </a:p>
         </p:txBody>
       </p:sp>
@@ -10060,17 +9969,16 @@
           <a:p>
             <a:pPr algn="ctr"/>
             <a:r>
-              <a:rPr lang="en-US" smtClean="0"/>
+              <a:rPr lang="en-US"/>
               <a:t>value of the</a:t>
             </a:r>
           </a:p>
           <a:p>
             <a:pPr algn="ctr"/>
             <a:r>
-              <a:rPr lang="en-US" smtClean="0"/>
+              <a:rPr lang="en-US"/>
               <a:t>second pixel</a:t>
             </a:r>
-            <a:endParaRPr lang="en-US"/>
           </a:p>
         </p:txBody>
       </p:sp>
@@ -10214,17 +10122,16 @@
           <a:p>
             <a:pPr algn="ctr"/>
             <a:r>
-              <a:rPr lang="en-US" smtClean="0"/>
+              <a:rPr lang="en-US"/>
               <a:t>value of the</a:t>
             </a:r>
           </a:p>
           <a:p>
             <a:pPr algn="ctr"/>
             <a:r>
-              <a:rPr lang="en-US" smtClean="0"/>
+              <a:rPr lang="en-US"/>
               <a:t>first pixel</a:t>
             </a:r>
-            <a:endParaRPr lang="en-US"/>
           </a:p>
         </p:txBody>
       </p:sp>
@@ -10425,15 +10332,15 @@
           <a:lstStyle/>
           <a:p>
             <a:r>
-              <a:rPr lang="es-ES_tradnl" dirty="0" smtClean="0"/>
+              <a:rPr lang="es-ES_tradnl" dirty="0"/>
               <a:t>P</a:t>
             </a:r>
             <a:r>
-              <a:rPr lang="es-ES_tradnl" baseline="-25000" dirty="0" smtClean="0"/>
+              <a:rPr lang="es-ES_tradnl" baseline="-25000" dirty="0"/>
               <a:t>10</a:t>
             </a:r>
             <a:r>
-              <a:rPr lang="es-ES_tradnl" dirty="0" smtClean="0"/>
+              <a:rPr lang="es-ES_tradnl" dirty="0"/>
               <a:t> =</a:t>
             </a:r>
             <a:endParaRPr lang="es-ES_tradnl" baseline="-25000" dirty="0"/>
@@ -10478,17 +10385,16 @@
             <a:p>
               <a:pPr algn="ctr"/>
               <a:r>
-                <a:rPr lang="es-ES_tradnl" dirty="0" smtClean="0"/>
+                <a:rPr lang="es-ES_tradnl" dirty="0"/>
                 <a:t>1</a:t>
               </a:r>
             </a:p>
             <a:p>
               <a:pPr algn="ctr"/>
               <a:r>
-                <a:rPr lang="es-ES_tradnl" dirty="0" smtClean="0"/>
+                <a:rPr lang="es-ES_tradnl" dirty="0"/>
                 <a:t>12</a:t>
               </a:r>
-              <a:endParaRPr lang="es-ES_tradnl" dirty="0"/>
             </a:p>
           </p:txBody>
         </p:sp>
@@ -10644,10 +10550,9 @@
           <a:lstStyle/>
           <a:p>
             <a:r>
-              <a:rPr lang="en-US" smtClean="0"/>
+              <a:rPr lang="en-US"/>
               <a:t>¿how many                  there are in image I ?</a:t>
             </a:r>
-            <a:endParaRPr lang="en-US"/>
           </a:p>
         </p:txBody>
       </p:sp>
@@ -10788,7 +10693,7 @@
           <a:lstStyle/>
           <a:p>
             <a:r>
-              <a:rPr lang="es-ES_tradnl" dirty="0" smtClean="0"/>
+              <a:rPr lang="es-ES_tradnl" dirty="0"/>
               <a:t>0</a:t>
             </a:r>
           </a:p>
@@ -10996,13 +10901,6 @@
   <p:clrMapOvr>
     <a:masterClrMapping/>
   </p:clrMapOvr>
-  <p:timing>
-    <p:tnLst>
-      <p:par>
-        <p:cTn id="1" dur="indefinite" restart="never" nodeType="tmRoot"/>
-      </p:par>
-    </p:tnLst>
-  </p:timing>
 </p:sld>
 </file>
 
@@ -11046,28 +10944,27 @@
           <a:lstStyle/>
           <a:p>
             <a:r>
-              <a:rPr lang="es-ES_tradnl" dirty="0" smtClean="0"/>
+              <a:rPr lang="es-ES_tradnl" dirty="0"/>
               <a:t>1	0	1	2</a:t>
             </a:r>
           </a:p>
           <a:p>
             <a:r>
-              <a:rPr lang="es-ES_tradnl" dirty="0" smtClean="0"/>
+              <a:rPr lang="es-ES_tradnl" dirty="0"/>
               <a:t>1	1	0	0</a:t>
             </a:r>
           </a:p>
           <a:p>
             <a:r>
-              <a:rPr lang="es-ES_tradnl" dirty="0" smtClean="0"/>
+              <a:rPr lang="es-ES_tradnl" dirty="0"/>
               <a:t>0	2	1	0</a:t>
             </a:r>
           </a:p>
           <a:p>
             <a:r>
-              <a:rPr lang="es-ES_tradnl" dirty="0" smtClean="0"/>
+              <a:rPr lang="es-ES_tradnl" dirty="0"/>
               <a:t>0	2	0	2	</a:t>
             </a:r>
-            <a:endParaRPr lang="es-ES_tradnl" dirty="0"/>
           </a:p>
         </p:txBody>
       </p:sp>
@@ -11133,10 +11030,9 @@
           <a:lstStyle/>
           <a:p>
             <a:r>
-              <a:rPr lang="es-ES_tradnl" dirty="0" smtClean="0"/>
+              <a:rPr lang="es-ES_tradnl" dirty="0"/>
               <a:t>I =</a:t>
             </a:r>
-            <a:endParaRPr lang="es-ES_tradnl" dirty="0"/>
           </a:p>
         </p:txBody>
       </p:sp>
@@ -11163,21 +11059,21 @@
           <a:lstStyle/>
           <a:p>
             <a:r>
-              <a:rPr lang="en-US" smtClean="0"/>
+              <a:rPr lang="en-US"/>
               <a:t>Example:</a:t>
             </a:r>
           </a:p>
           <a:p>
             <a:r>
-              <a:rPr lang="en-US" smtClean="0"/>
+              <a:rPr lang="en-US"/>
               <a:t>Given an imagen I, the co-ccurrence matrix P</a:t>
             </a:r>
             <a:r>
-              <a:rPr lang="en-US" baseline="-25000" smtClean="0"/>
+              <a:rPr lang="en-US" baseline="-25000"/>
               <a:t>10</a:t>
             </a:r>
             <a:r>
-              <a:rPr lang="en-US" smtClean="0"/>
+              <a:rPr lang="en-US"/>
               <a:t> is computed as follows:</a:t>
             </a:r>
             <a:endParaRPr lang="en-US" baseline="-25000"/>
@@ -11207,16 +11103,15 @@
           <a:lstStyle/>
           <a:p>
             <a:r>
-              <a:rPr lang="en-US" b="1" dirty="0" smtClean="0"/>
+              <a:rPr lang="en-US" b="1" dirty="0"/>
               <a:t>Co-occurrence matrices</a:t>
             </a:r>
           </a:p>
           <a:p>
             <a:r>
-              <a:rPr lang="en-US" dirty="0" smtClean="0"/>
+              <a:rPr lang="en-US" dirty="0"/>
               <a:t>They measure how is the distribution of co-occurring of pairs of pixels in an image.</a:t>
             </a:r>
-            <a:endParaRPr lang="en-US" dirty="0"/>
           </a:p>
         </p:txBody>
       </p:sp>
@@ -11243,11 +11138,11 @@
           <a:lstStyle/>
           <a:p>
             <a:r>
-              <a:rPr lang="es-ES_tradnl" dirty="0" smtClean="0"/>
+              <a:rPr lang="es-ES_tradnl" dirty="0"/>
               <a:t> 	</a:t>
             </a:r>
             <a:r>
-              <a:rPr lang="es-ES_tradnl" dirty="0" smtClean="0">
+              <a:rPr lang="es-ES_tradnl" dirty="0">
                 <a:solidFill>
                   <a:schemeClr val="bg1">
                     <a:lumMod val="75000"/>
@@ -11259,11 +11154,11 @@
           </a:p>
           <a:p>
             <a:r>
-              <a:rPr lang="es-ES_tradnl" dirty="0" smtClean="0"/>
+              <a:rPr lang="es-ES_tradnl" dirty="0"/>
               <a:t>         </a:t>
             </a:r>
             <a:r>
-              <a:rPr lang="es-ES_tradnl" dirty="0" smtClean="0">
+              <a:rPr lang="es-ES_tradnl" dirty="0">
                 <a:solidFill>
                   <a:srgbClr val="BFBFBF"/>
                 </a:solidFill>
@@ -11271,17 +11166,17 @@
               <a:t>0</a:t>
             </a:r>
             <a:r>
-              <a:rPr lang="es-ES_tradnl" dirty="0" smtClean="0"/>
+              <a:rPr lang="es-ES_tradnl" dirty="0"/>
               <a:t>	2	2	1</a:t>
             </a:r>
           </a:p>
           <a:p>
             <a:r>
-              <a:rPr lang="es-ES_tradnl" dirty="0" smtClean="0"/>
+              <a:rPr lang="es-ES_tradnl" dirty="0"/>
               <a:t>         </a:t>
             </a:r>
             <a:r>
-              <a:rPr lang="es-ES_tradnl" dirty="0" smtClean="0">
+              <a:rPr lang="es-ES_tradnl" dirty="0">
                 <a:solidFill>
                   <a:srgbClr val="BFBFBF"/>
                 </a:solidFill>
@@ -11289,17 +11184,17 @@
               <a:t>1</a:t>
             </a:r>
             <a:r>
-              <a:rPr lang="es-ES_tradnl" dirty="0" smtClean="0"/>
+              <a:rPr lang="es-ES_tradnl" dirty="0"/>
               <a:t>	?	?	?</a:t>
             </a:r>
           </a:p>
           <a:p>
             <a:r>
-              <a:rPr lang="es-ES_tradnl" dirty="0" smtClean="0"/>
+              <a:rPr lang="es-ES_tradnl" dirty="0"/>
               <a:t>         </a:t>
             </a:r>
             <a:r>
-              <a:rPr lang="es-ES_tradnl" dirty="0" smtClean="0">
+              <a:rPr lang="es-ES_tradnl" dirty="0">
                 <a:solidFill>
                   <a:srgbClr val="BFBFBF"/>
                 </a:solidFill>
@@ -11307,10 +11202,9 @@
               <a:t>2</a:t>
             </a:r>
             <a:r>
-              <a:rPr lang="es-ES_tradnl" dirty="0" smtClean="0"/>
+              <a:rPr lang="es-ES_tradnl" dirty="0"/>
               <a:t>	?	?	?	</a:t>
             </a:r>
-            <a:endParaRPr lang="es-ES_tradnl" dirty="0"/>
           </a:p>
         </p:txBody>
       </p:sp>
@@ -11377,17 +11271,16 @@
           <a:p>
             <a:pPr algn="ctr"/>
             <a:r>
-              <a:rPr lang="en-US" smtClean="0"/>
+              <a:rPr lang="en-US"/>
               <a:t>value of the</a:t>
             </a:r>
           </a:p>
           <a:p>
             <a:pPr algn="ctr"/>
             <a:r>
-              <a:rPr lang="en-US" smtClean="0"/>
+              <a:rPr lang="en-US"/>
               <a:t>second pixel</a:t>
             </a:r>
-            <a:endParaRPr lang="en-US"/>
           </a:p>
         </p:txBody>
       </p:sp>
@@ -11531,17 +11424,16 @@
           <a:p>
             <a:pPr algn="ctr"/>
             <a:r>
-              <a:rPr lang="en-US" smtClean="0"/>
+              <a:rPr lang="en-US"/>
               <a:t>value of the</a:t>
             </a:r>
           </a:p>
           <a:p>
             <a:pPr algn="ctr"/>
             <a:r>
-              <a:rPr lang="en-US" smtClean="0"/>
+              <a:rPr lang="en-US"/>
               <a:t>first pixel</a:t>
             </a:r>
-            <a:endParaRPr lang="en-US"/>
           </a:p>
         </p:txBody>
       </p:sp>
@@ -11742,15 +11634,15 @@
           <a:lstStyle/>
           <a:p>
             <a:r>
-              <a:rPr lang="es-ES_tradnl" dirty="0" smtClean="0"/>
+              <a:rPr lang="es-ES_tradnl" dirty="0"/>
               <a:t>P</a:t>
             </a:r>
             <a:r>
-              <a:rPr lang="es-ES_tradnl" baseline="-25000" dirty="0" smtClean="0"/>
+              <a:rPr lang="es-ES_tradnl" baseline="-25000" dirty="0"/>
               <a:t>10</a:t>
             </a:r>
             <a:r>
-              <a:rPr lang="es-ES_tradnl" dirty="0" smtClean="0"/>
+              <a:rPr lang="es-ES_tradnl" dirty="0"/>
               <a:t> =</a:t>
             </a:r>
             <a:endParaRPr lang="es-ES_tradnl" baseline="-25000" dirty="0"/>
@@ -11795,17 +11687,16 @@
             <a:p>
               <a:pPr algn="ctr"/>
               <a:r>
-                <a:rPr lang="es-ES_tradnl" dirty="0" smtClean="0"/>
+                <a:rPr lang="es-ES_tradnl" dirty="0"/>
                 <a:t>1</a:t>
               </a:r>
             </a:p>
             <a:p>
               <a:pPr algn="ctr"/>
               <a:r>
-                <a:rPr lang="es-ES_tradnl" dirty="0" smtClean="0"/>
+                <a:rPr lang="es-ES_tradnl" dirty="0"/>
                 <a:t>12</a:t>
               </a:r>
-              <a:endParaRPr lang="es-ES_tradnl" dirty="0"/>
             </a:p>
           </p:txBody>
         </p:sp>
@@ -11961,10 +11852,9 @@
           <a:lstStyle/>
           <a:p>
             <a:r>
-              <a:rPr lang="en-US" smtClean="0"/>
+              <a:rPr lang="en-US"/>
               <a:t>¿how many                  there are in image I ?</a:t>
             </a:r>
-            <a:endParaRPr lang="en-US"/>
           </a:p>
         </p:txBody>
       </p:sp>
@@ -12105,16 +11995,15 @@
           <a:lstStyle/>
           <a:p>
             <a:r>
-              <a:rPr lang="es-ES_tradnl" dirty="0" smtClean="0"/>
+              <a:rPr lang="es-ES_tradnl" dirty="0"/>
               <a:t>0</a:t>
             </a:r>
           </a:p>
           <a:p>
             <a:r>
-              <a:rPr lang="es-ES_tradnl" dirty="0" smtClean="0"/>
+              <a:rPr lang="es-ES_tradnl" dirty="0"/>
               <a:t>2</a:t>
             </a:r>
-            <a:endParaRPr lang="es-ES_tradnl" dirty="0"/>
           </a:p>
         </p:txBody>
       </p:sp>
@@ -12221,13 +12110,6 @@
   <p:clrMapOvr>
     <a:masterClrMapping/>
   </p:clrMapOvr>
-  <p:timing>
-    <p:tnLst>
-      <p:par>
-        <p:cTn id="1" dur="indefinite" restart="never" nodeType="tmRoot"/>
-      </p:par>
-    </p:tnLst>
-  </p:timing>
 </p:sld>
 </file>
 
@@ -12271,28 +12153,27 @@
           <a:lstStyle/>
           <a:p>
             <a:r>
-              <a:rPr lang="es-ES_tradnl" dirty="0" smtClean="0"/>
+              <a:rPr lang="es-ES_tradnl" dirty="0"/>
               <a:t>1	0	1	2</a:t>
             </a:r>
           </a:p>
           <a:p>
             <a:r>
-              <a:rPr lang="es-ES_tradnl" dirty="0" smtClean="0"/>
+              <a:rPr lang="es-ES_tradnl" dirty="0"/>
               <a:t>1	1	0	0</a:t>
             </a:r>
           </a:p>
           <a:p>
             <a:r>
-              <a:rPr lang="es-ES_tradnl" dirty="0" smtClean="0"/>
+              <a:rPr lang="es-ES_tradnl" dirty="0"/>
               <a:t>0	2	1	0</a:t>
             </a:r>
           </a:p>
           <a:p>
             <a:r>
-              <a:rPr lang="es-ES_tradnl" dirty="0" smtClean="0"/>
+              <a:rPr lang="es-ES_tradnl" dirty="0"/>
               <a:t>0	2	0	2	</a:t>
             </a:r>
-            <a:endParaRPr lang="es-ES_tradnl" dirty="0"/>
           </a:p>
         </p:txBody>
       </p:sp>
@@ -12358,10 +12239,9 @@
           <a:lstStyle/>
           <a:p>
             <a:r>
-              <a:rPr lang="es-ES_tradnl" dirty="0" smtClean="0"/>
+              <a:rPr lang="es-ES_tradnl" dirty="0"/>
               <a:t>I =</a:t>
             </a:r>
-            <a:endParaRPr lang="es-ES_tradnl" dirty="0"/>
           </a:p>
         </p:txBody>
       </p:sp>
@@ -12388,21 +12268,21 @@
           <a:lstStyle/>
           <a:p>
             <a:r>
-              <a:rPr lang="en-US" smtClean="0"/>
+              <a:rPr lang="en-US"/>
               <a:t>Example:</a:t>
             </a:r>
           </a:p>
           <a:p>
             <a:r>
-              <a:rPr lang="en-US" smtClean="0"/>
+              <a:rPr lang="en-US"/>
               <a:t>Given an imagen I, the co-ccurrence matrix P</a:t>
             </a:r>
             <a:r>
-              <a:rPr lang="en-US" baseline="-25000" smtClean="0"/>
+              <a:rPr lang="en-US" baseline="-25000"/>
               <a:t>10</a:t>
             </a:r>
             <a:r>
-              <a:rPr lang="en-US" smtClean="0"/>
+              <a:rPr lang="en-US"/>
               <a:t> is computed as follows:</a:t>
             </a:r>
             <a:endParaRPr lang="en-US" baseline="-25000"/>
@@ -12432,16 +12312,15 @@
           <a:lstStyle/>
           <a:p>
             <a:r>
-              <a:rPr lang="en-US" b="1" dirty="0" smtClean="0"/>
+              <a:rPr lang="en-US" b="1" dirty="0"/>
               <a:t>Co-occurrence matrices</a:t>
             </a:r>
           </a:p>
           <a:p>
             <a:r>
-              <a:rPr lang="en-US" dirty="0" smtClean="0"/>
+              <a:rPr lang="en-US" dirty="0"/>
               <a:t>They measure how is the distribution of co-occurring of pairs of pixels in an image.</a:t>
             </a:r>
-            <a:endParaRPr lang="en-US" dirty="0"/>
           </a:p>
         </p:txBody>
       </p:sp>
@@ -12468,11 +12347,11 @@
           <a:lstStyle/>
           <a:p>
             <a:r>
-              <a:rPr lang="es-ES_tradnl" dirty="0" smtClean="0"/>
+              <a:rPr lang="es-ES_tradnl" dirty="0"/>
               <a:t> 	</a:t>
             </a:r>
             <a:r>
-              <a:rPr lang="es-ES_tradnl" dirty="0" smtClean="0">
+              <a:rPr lang="es-ES_tradnl" dirty="0">
                 <a:solidFill>
                   <a:schemeClr val="bg1">
                     <a:lumMod val="75000"/>
@@ -12484,11 +12363,11 @@
           </a:p>
           <a:p>
             <a:r>
-              <a:rPr lang="es-ES_tradnl" dirty="0" smtClean="0"/>
+              <a:rPr lang="es-ES_tradnl" dirty="0"/>
               <a:t>         </a:t>
             </a:r>
             <a:r>
-              <a:rPr lang="es-ES_tradnl" dirty="0" smtClean="0">
+              <a:rPr lang="es-ES_tradnl" dirty="0">
                 <a:solidFill>
                   <a:srgbClr val="BFBFBF"/>
                 </a:solidFill>
@@ -12496,17 +12375,17 @@
               <a:t>0</a:t>
             </a:r>
             <a:r>
-              <a:rPr lang="es-ES_tradnl" dirty="0" smtClean="0"/>
+              <a:rPr lang="es-ES_tradnl" dirty="0"/>
               <a:t>	2	2	1</a:t>
             </a:r>
           </a:p>
           <a:p>
             <a:r>
-              <a:rPr lang="es-ES_tradnl" dirty="0" smtClean="0"/>
+              <a:rPr lang="es-ES_tradnl" dirty="0"/>
               <a:t>         </a:t>
             </a:r>
             <a:r>
-              <a:rPr lang="es-ES_tradnl" dirty="0" smtClean="0">
+              <a:rPr lang="es-ES_tradnl" dirty="0">
                 <a:solidFill>
                   <a:srgbClr val="BFBFBF"/>
                 </a:solidFill>
@@ -12514,17 +12393,17 @@
               <a:t>1</a:t>
             </a:r>
             <a:r>
-              <a:rPr lang="es-ES_tradnl" dirty="0" smtClean="0"/>
+              <a:rPr lang="es-ES_tradnl" dirty="0"/>
               <a:t>	3	?	?</a:t>
             </a:r>
           </a:p>
           <a:p>
             <a:r>
-              <a:rPr lang="es-ES_tradnl" dirty="0" smtClean="0"/>
+              <a:rPr lang="es-ES_tradnl" dirty="0"/>
               <a:t>         </a:t>
             </a:r>
             <a:r>
-              <a:rPr lang="es-ES_tradnl" dirty="0" smtClean="0">
+              <a:rPr lang="es-ES_tradnl" dirty="0">
                 <a:solidFill>
                   <a:srgbClr val="BFBFBF"/>
                 </a:solidFill>
@@ -12532,10 +12411,9 @@
               <a:t>2</a:t>
             </a:r>
             <a:r>
-              <a:rPr lang="es-ES_tradnl" dirty="0" smtClean="0"/>
+              <a:rPr lang="es-ES_tradnl" dirty="0"/>
               <a:t>	?	?	?	</a:t>
             </a:r>
-            <a:endParaRPr lang="es-ES_tradnl" dirty="0"/>
           </a:p>
         </p:txBody>
       </p:sp>
@@ -12602,17 +12480,16 @@
           <a:p>
             <a:pPr algn="ctr"/>
             <a:r>
-              <a:rPr lang="en-US" smtClean="0"/>
+              <a:rPr lang="en-US"/>
               <a:t>value of the</a:t>
             </a:r>
           </a:p>
           <a:p>
             <a:pPr algn="ctr"/>
             <a:r>
-              <a:rPr lang="en-US" smtClean="0"/>
+              <a:rPr lang="en-US"/>
               <a:t>second pixel</a:t>
             </a:r>
-            <a:endParaRPr lang="en-US"/>
           </a:p>
         </p:txBody>
       </p:sp>
@@ -12756,17 +12633,16 @@
           <a:p>
             <a:pPr algn="ctr"/>
             <a:r>
-              <a:rPr lang="en-US" smtClean="0"/>
+              <a:rPr lang="en-US"/>
               <a:t>value of the</a:t>
             </a:r>
           </a:p>
           <a:p>
             <a:pPr algn="ctr"/>
             <a:r>
-              <a:rPr lang="en-US" smtClean="0"/>
+              <a:rPr lang="en-US"/>
               <a:t>first pixel</a:t>
             </a:r>
-            <a:endParaRPr lang="en-US"/>
           </a:p>
         </p:txBody>
       </p:sp>
@@ -12967,15 +12843,15 @@
           <a:lstStyle/>
           <a:p>
             <a:r>
-              <a:rPr lang="es-ES_tradnl" dirty="0" smtClean="0"/>
+              <a:rPr lang="es-ES_tradnl" dirty="0"/>
               <a:t>P</a:t>
             </a:r>
             <a:r>
-              <a:rPr lang="es-ES_tradnl" baseline="-25000" dirty="0" smtClean="0"/>
+              <a:rPr lang="es-ES_tradnl" baseline="-25000" dirty="0"/>
               <a:t>10</a:t>
             </a:r>
             <a:r>
-              <a:rPr lang="es-ES_tradnl" dirty="0" smtClean="0"/>
+              <a:rPr lang="es-ES_tradnl" dirty="0"/>
               <a:t> =</a:t>
             </a:r>
             <a:endParaRPr lang="es-ES_tradnl" baseline="-25000" dirty="0"/>
@@ -13020,17 +12896,16 @@
             <a:p>
               <a:pPr algn="ctr"/>
               <a:r>
-                <a:rPr lang="es-ES_tradnl" dirty="0" smtClean="0"/>
+                <a:rPr lang="es-ES_tradnl" dirty="0"/>
                 <a:t>1</a:t>
               </a:r>
             </a:p>
             <a:p>
               <a:pPr algn="ctr"/>
               <a:r>
-                <a:rPr lang="es-ES_tradnl" dirty="0" smtClean="0"/>
+                <a:rPr lang="es-ES_tradnl" dirty="0"/>
                 <a:t>12</a:t>
               </a:r>
-              <a:endParaRPr lang="es-ES_tradnl" dirty="0"/>
             </a:p>
           </p:txBody>
         </p:sp>
@@ -13186,10 +13061,9 @@
           <a:lstStyle/>
           <a:p>
             <a:r>
-              <a:rPr lang="en-US" smtClean="0"/>
+              <a:rPr lang="en-US"/>
               <a:t>¿how many                  there are in image I ?</a:t>
             </a:r>
-            <a:endParaRPr lang="en-US"/>
           </a:p>
         </p:txBody>
       </p:sp>
@@ -13333,7 +13207,6 @@
               <a:rPr lang="es-ES_tradnl" dirty="0"/>
               <a:t>1</a:t>
             </a:r>
-            <a:endParaRPr lang="es-ES_tradnl" dirty="0" smtClean="0"/>
           </a:p>
           <a:p>
             <a:r>
@@ -13632,13 +13505,6 @@
   <p:clrMapOvr>
     <a:masterClrMapping/>
   </p:clrMapOvr>
-  <p:timing>
-    <p:tnLst>
-      <p:par>
-        <p:cTn id="1" dur="indefinite" restart="never" nodeType="tmRoot"/>
-      </p:par>
-    </p:tnLst>
-  </p:timing>
 </p:sld>
 </file>
 
@@ -13682,28 +13548,27 @@
           <a:lstStyle/>
           <a:p>
             <a:r>
-              <a:rPr lang="es-ES_tradnl" dirty="0" smtClean="0"/>
+              <a:rPr lang="es-ES_tradnl" dirty="0"/>
               <a:t>1	0	1	2</a:t>
             </a:r>
           </a:p>
           <a:p>
             <a:r>
-              <a:rPr lang="es-ES_tradnl" dirty="0" smtClean="0"/>
+              <a:rPr lang="es-ES_tradnl" dirty="0"/>
               <a:t>1	1	0	0</a:t>
             </a:r>
           </a:p>
           <a:p>
             <a:r>
-              <a:rPr lang="es-ES_tradnl" dirty="0" smtClean="0"/>
+              <a:rPr lang="es-ES_tradnl" dirty="0"/>
               <a:t>0	2	1	0</a:t>
             </a:r>
           </a:p>
           <a:p>
             <a:r>
-              <a:rPr lang="es-ES_tradnl" dirty="0" smtClean="0"/>
+              <a:rPr lang="es-ES_tradnl" dirty="0"/>
               <a:t>0	2	0	2	</a:t>
             </a:r>
-            <a:endParaRPr lang="es-ES_tradnl" dirty="0"/>
           </a:p>
         </p:txBody>
       </p:sp>
@@ -13769,10 +13634,9 @@
           <a:lstStyle/>
           <a:p>
             <a:r>
-              <a:rPr lang="es-ES_tradnl" dirty="0" smtClean="0"/>
+              <a:rPr lang="es-ES_tradnl" dirty="0"/>
               <a:t>I =</a:t>
             </a:r>
-            <a:endParaRPr lang="es-ES_tradnl" dirty="0"/>
           </a:p>
         </p:txBody>
       </p:sp>
@@ -13799,21 +13663,21 @@
           <a:lstStyle/>
           <a:p>
             <a:r>
-              <a:rPr lang="en-US" smtClean="0"/>
+              <a:rPr lang="en-US"/>
               <a:t>Example:</a:t>
             </a:r>
           </a:p>
           <a:p>
             <a:r>
-              <a:rPr lang="en-US" smtClean="0"/>
+              <a:rPr lang="en-US"/>
               <a:t>Given an imagen I, the co-ccurrence matrix P</a:t>
             </a:r>
             <a:r>
-              <a:rPr lang="en-US" baseline="-25000" smtClean="0"/>
+              <a:rPr lang="en-US" baseline="-25000"/>
               <a:t>10</a:t>
             </a:r>
             <a:r>
-              <a:rPr lang="en-US" smtClean="0"/>
+              <a:rPr lang="en-US"/>
               <a:t> is computed as follows:</a:t>
             </a:r>
             <a:endParaRPr lang="en-US" baseline="-25000"/>
@@ -13843,16 +13707,15 @@
           <a:lstStyle/>
           <a:p>
             <a:r>
-              <a:rPr lang="en-US" b="1" dirty="0" smtClean="0"/>
+              <a:rPr lang="en-US" b="1" dirty="0"/>
               <a:t>Co-occurrence matrices</a:t>
             </a:r>
           </a:p>
           <a:p>
             <a:r>
-              <a:rPr lang="en-US" dirty="0" smtClean="0"/>
+              <a:rPr lang="en-US" dirty="0"/>
               <a:t>They measure how is the distribution of co-occurring of pairs of pixels in an image.</a:t>
             </a:r>
-            <a:endParaRPr lang="en-US" dirty="0"/>
           </a:p>
         </p:txBody>
       </p:sp>
@@ -13879,11 +13742,11 @@
           <a:lstStyle/>
           <a:p>
             <a:r>
-              <a:rPr lang="es-ES_tradnl" dirty="0" smtClean="0"/>
+              <a:rPr lang="es-ES_tradnl" dirty="0"/>
               <a:t> 	</a:t>
             </a:r>
             <a:r>
-              <a:rPr lang="es-ES_tradnl" dirty="0" smtClean="0">
+              <a:rPr lang="es-ES_tradnl" dirty="0">
                 <a:solidFill>
                   <a:schemeClr val="bg1">
                     <a:lumMod val="75000"/>
@@ -13895,11 +13758,11 @@
           </a:p>
           <a:p>
             <a:r>
-              <a:rPr lang="es-ES_tradnl" dirty="0" smtClean="0"/>
+              <a:rPr lang="es-ES_tradnl" dirty="0"/>
               <a:t>         </a:t>
             </a:r>
             <a:r>
-              <a:rPr lang="es-ES_tradnl" dirty="0" smtClean="0">
+              <a:rPr lang="es-ES_tradnl" dirty="0">
                 <a:solidFill>
                   <a:srgbClr val="BFBFBF"/>
                 </a:solidFill>
@@ -13907,17 +13770,17 @@
               <a:t>0</a:t>
             </a:r>
             <a:r>
-              <a:rPr lang="es-ES_tradnl" dirty="0" smtClean="0"/>
+              <a:rPr lang="es-ES_tradnl" dirty="0"/>
               <a:t>	2	2	1</a:t>
             </a:r>
           </a:p>
           <a:p>
             <a:r>
-              <a:rPr lang="es-ES_tradnl" dirty="0" smtClean="0"/>
+              <a:rPr lang="es-ES_tradnl" dirty="0"/>
               <a:t>         </a:t>
             </a:r>
             <a:r>
-              <a:rPr lang="es-ES_tradnl" dirty="0" smtClean="0">
+              <a:rPr lang="es-ES_tradnl" dirty="0">
                 <a:solidFill>
                   <a:srgbClr val="BFBFBF"/>
                 </a:solidFill>
@@ -13925,17 +13788,17 @@
               <a:t>1</a:t>
             </a:r>
             <a:r>
-              <a:rPr lang="es-ES_tradnl" dirty="0" smtClean="0"/>
+              <a:rPr lang="es-ES_tradnl" dirty="0"/>
               <a:t>	3	1	?</a:t>
             </a:r>
           </a:p>
           <a:p>
             <a:r>
-              <a:rPr lang="es-ES_tradnl" dirty="0" smtClean="0"/>
+              <a:rPr lang="es-ES_tradnl" dirty="0"/>
               <a:t>         </a:t>
             </a:r>
             <a:r>
-              <a:rPr lang="es-ES_tradnl" dirty="0" smtClean="0">
+              <a:rPr lang="es-ES_tradnl" dirty="0">
                 <a:solidFill>
                   <a:srgbClr val="BFBFBF"/>
                 </a:solidFill>
@@ -13943,10 +13806,9 @@
               <a:t>2</a:t>
             </a:r>
             <a:r>
-              <a:rPr lang="es-ES_tradnl" dirty="0" smtClean="0"/>
+              <a:rPr lang="es-ES_tradnl" dirty="0"/>
               <a:t>	?	?	?	</a:t>
             </a:r>
-            <a:endParaRPr lang="es-ES_tradnl" dirty="0"/>
           </a:p>
         </p:txBody>
       </p:sp>
@@ -14013,17 +13875,16 @@
           <a:p>
             <a:pPr algn="ctr"/>
             <a:r>
-              <a:rPr lang="en-US" smtClean="0"/>
+              <a:rPr lang="en-US"/>
               <a:t>value of the</a:t>
             </a:r>
           </a:p>
           <a:p>
             <a:pPr algn="ctr"/>
             <a:r>
-              <a:rPr lang="en-US" smtClean="0"/>
+              <a:rPr lang="en-US"/>
               <a:t>second pixel</a:t>
             </a:r>
-            <a:endParaRPr lang="en-US"/>
           </a:p>
         </p:txBody>
       </p:sp>
@@ -14167,17 +14028,16 @@
           <a:p>
             <a:pPr algn="ctr"/>
             <a:r>
-              <a:rPr lang="en-US" smtClean="0"/>
+              <a:rPr lang="en-US"/>
               <a:t>value of the</a:t>
             </a:r>
           </a:p>
           <a:p>
             <a:pPr algn="ctr"/>
             <a:r>
-              <a:rPr lang="en-US" smtClean="0"/>
+              <a:rPr lang="en-US"/>
               <a:t>first pixel</a:t>
             </a:r>
-            <a:endParaRPr lang="en-US"/>
           </a:p>
         </p:txBody>
       </p:sp>
@@ -14378,15 +14238,15 @@
           <a:lstStyle/>
           <a:p>
             <a:r>
-              <a:rPr lang="es-ES_tradnl" dirty="0" smtClean="0"/>
+              <a:rPr lang="es-ES_tradnl" dirty="0"/>
               <a:t>P</a:t>
             </a:r>
             <a:r>
-              <a:rPr lang="es-ES_tradnl" baseline="-25000" dirty="0" smtClean="0"/>
+              <a:rPr lang="es-ES_tradnl" baseline="-25000" dirty="0"/>
               <a:t>10</a:t>
             </a:r>
             <a:r>
-              <a:rPr lang="es-ES_tradnl" dirty="0" smtClean="0"/>
+              <a:rPr lang="es-ES_tradnl" dirty="0"/>
               <a:t> =</a:t>
             </a:r>
             <a:endParaRPr lang="es-ES_tradnl" baseline="-25000" dirty="0"/>
@@ -14431,17 +14291,16 @@
             <a:p>
               <a:pPr algn="ctr"/>
               <a:r>
-                <a:rPr lang="es-ES_tradnl" dirty="0" smtClean="0"/>
+                <a:rPr lang="es-ES_tradnl" dirty="0"/>
                 <a:t>1</a:t>
               </a:r>
             </a:p>
             <a:p>
               <a:pPr algn="ctr"/>
               <a:r>
-                <a:rPr lang="es-ES_tradnl" dirty="0" smtClean="0"/>
+                <a:rPr lang="es-ES_tradnl" dirty="0"/>
                 <a:t>12</a:t>
               </a:r>
-              <a:endParaRPr lang="es-ES_tradnl" dirty="0"/>
             </a:p>
           </p:txBody>
         </p:sp>
@@ -14597,10 +14456,9 @@
           <a:lstStyle/>
           <a:p>
             <a:r>
-              <a:rPr lang="en-US" smtClean="0"/>
+              <a:rPr lang="en-US"/>
               <a:t>¿how many                  there are in image I ?</a:t>
             </a:r>
-            <a:endParaRPr lang="en-US"/>
           </a:p>
         </p:txBody>
       </p:sp>
@@ -14744,14 +14602,12 @@
               <a:rPr lang="es-ES_tradnl" dirty="0"/>
               <a:t>1</a:t>
             </a:r>
-            <a:endParaRPr lang="es-ES_tradnl" dirty="0" smtClean="0"/>
-          </a:p>
-          <a:p>
-            <a:r>
-              <a:rPr lang="es-ES_tradnl" dirty="0" smtClean="0"/>
+          </a:p>
+          <a:p>
+            <a:r>
+              <a:rPr lang="es-ES_tradnl" dirty="0"/>
               <a:t>1</a:t>
             </a:r>
-            <a:endParaRPr lang="es-ES_tradnl" dirty="0"/>
           </a:p>
         </p:txBody>
       </p:sp>
@@ -14858,13 +14714,6 @@
   <p:clrMapOvr>
     <a:masterClrMapping/>
   </p:clrMapOvr>
-  <p:timing>
-    <p:tnLst>
-      <p:par>
-        <p:cTn id="1" dur="indefinite" restart="never" nodeType="tmRoot"/>
-      </p:par>
-    </p:tnLst>
-  </p:timing>
 </p:sld>
 </file>
 
@@ -14908,28 +14757,27 @@
           <a:lstStyle/>
           <a:p>
             <a:r>
-              <a:rPr lang="es-ES_tradnl" dirty="0" smtClean="0"/>
+              <a:rPr lang="es-ES_tradnl" dirty="0"/>
               <a:t>1	0	1	2</a:t>
             </a:r>
           </a:p>
           <a:p>
             <a:r>
-              <a:rPr lang="es-ES_tradnl" dirty="0" smtClean="0"/>
+              <a:rPr lang="es-ES_tradnl" dirty="0"/>
               <a:t>1	1	0	0</a:t>
             </a:r>
           </a:p>
           <a:p>
             <a:r>
-              <a:rPr lang="es-ES_tradnl" dirty="0" smtClean="0"/>
+              <a:rPr lang="es-ES_tradnl" dirty="0"/>
               <a:t>0	2	1	0</a:t>
             </a:r>
           </a:p>
           <a:p>
             <a:r>
-              <a:rPr lang="es-ES_tradnl" dirty="0" smtClean="0"/>
+              <a:rPr lang="es-ES_tradnl" dirty="0"/>
               <a:t>0	2	0	2	</a:t>
             </a:r>
-            <a:endParaRPr lang="es-ES_tradnl" dirty="0"/>
           </a:p>
         </p:txBody>
       </p:sp>
@@ -14995,10 +14843,9 @@
           <a:lstStyle/>
           <a:p>
             <a:r>
-              <a:rPr lang="es-ES_tradnl" dirty="0" smtClean="0"/>
+              <a:rPr lang="es-ES_tradnl" dirty="0"/>
               <a:t>I =</a:t>
             </a:r>
-            <a:endParaRPr lang="es-ES_tradnl" dirty="0"/>
           </a:p>
         </p:txBody>
       </p:sp>
@@ -15025,21 +14872,21 @@
           <a:lstStyle/>
           <a:p>
             <a:r>
-              <a:rPr lang="en-US" smtClean="0"/>
+              <a:rPr lang="en-US"/>
               <a:t>Example:</a:t>
             </a:r>
           </a:p>
           <a:p>
             <a:r>
-              <a:rPr lang="en-US" smtClean="0"/>
+              <a:rPr lang="en-US"/>
               <a:t>Given an imagen I, the co-ccurrence matrix P</a:t>
             </a:r>
             <a:r>
-              <a:rPr lang="en-US" baseline="-25000" smtClean="0"/>
+              <a:rPr lang="en-US" baseline="-25000"/>
               <a:t>10</a:t>
             </a:r>
             <a:r>
-              <a:rPr lang="en-US" smtClean="0"/>
+              <a:rPr lang="en-US"/>
               <a:t> is computed as follows:</a:t>
             </a:r>
             <a:endParaRPr lang="en-US" baseline="-25000"/>
@@ -15069,16 +14916,15 @@
           <a:lstStyle/>
           <a:p>
             <a:r>
-              <a:rPr lang="en-US" b="1" dirty="0" smtClean="0"/>
+              <a:rPr lang="en-US" b="1" dirty="0"/>
               <a:t>Co-occurrence matrices</a:t>
             </a:r>
           </a:p>
           <a:p>
             <a:r>
-              <a:rPr lang="en-US" dirty="0" smtClean="0"/>
+              <a:rPr lang="en-US" dirty="0"/>
               <a:t>They measure how is the distribution of co-occurring of pairs of pixels in an image.</a:t>
             </a:r>
-            <a:endParaRPr lang="en-US" dirty="0"/>
           </a:p>
         </p:txBody>
       </p:sp>
@@ -15105,11 +14951,11 @@
           <a:lstStyle/>
           <a:p>
             <a:r>
-              <a:rPr lang="es-ES_tradnl" dirty="0" smtClean="0"/>
+              <a:rPr lang="es-ES_tradnl" dirty="0"/>
               <a:t> 	</a:t>
             </a:r>
             <a:r>
-              <a:rPr lang="es-ES_tradnl" dirty="0" smtClean="0">
+              <a:rPr lang="es-ES_tradnl" dirty="0">
                 <a:solidFill>
                   <a:schemeClr val="bg1">
                     <a:lumMod val="75000"/>
@@ -15121,11 +14967,11 @@
           </a:p>
           <a:p>
             <a:r>
-              <a:rPr lang="es-ES_tradnl" dirty="0" smtClean="0"/>
+              <a:rPr lang="es-ES_tradnl" dirty="0"/>
               <a:t>         </a:t>
             </a:r>
             <a:r>
-              <a:rPr lang="es-ES_tradnl" dirty="0" smtClean="0">
+              <a:rPr lang="es-ES_tradnl" dirty="0">
                 <a:solidFill>
                   <a:srgbClr val="BFBFBF"/>
                 </a:solidFill>
@@ -15133,17 +14979,17 @@
               <a:t>0</a:t>
             </a:r>
             <a:r>
-              <a:rPr lang="es-ES_tradnl" dirty="0" smtClean="0"/>
+              <a:rPr lang="es-ES_tradnl" dirty="0"/>
               <a:t>	2	2	1</a:t>
             </a:r>
           </a:p>
           <a:p>
             <a:r>
-              <a:rPr lang="es-ES_tradnl" dirty="0" smtClean="0"/>
+              <a:rPr lang="es-ES_tradnl" dirty="0"/>
               <a:t>         </a:t>
             </a:r>
             <a:r>
-              <a:rPr lang="es-ES_tradnl" dirty="0" smtClean="0">
+              <a:rPr lang="es-ES_tradnl" dirty="0">
                 <a:solidFill>
                   <a:srgbClr val="BFBFBF"/>
                 </a:solidFill>
@@ -15151,17 +14997,17 @@
               <a:t>1</a:t>
             </a:r>
             <a:r>
-              <a:rPr lang="es-ES_tradnl" dirty="0" smtClean="0"/>
+              <a:rPr lang="es-ES_tradnl" dirty="0"/>
               <a:t>	3	1	1</a:t>
             </a:r>
           </a:p>
           <a:p>
             <a:r>
-              <a:rPr lang="es-ES_tradnl" dirty="0" smtClean="0"/>
+              <a:rPr lang="es-ES_tradnl" dirty="0"/>
               <a:t>         </a:t>
             </a:r>
             <a:r>
-              <a:rPr lang="es-ES_tradnl" dirty="0" smtClean="0">
+              <a:rPr lang="es-ES_tradnl" dirty="0">
                 <a:solidFill>
                   <a:srgbClr val="BFBFBF"/>
                 </a:solidFill>
@@ -15169,10 +15015,9 @@
               <a:t>2</a:t>
             </a:r>
             <a:r>
-              <a:rPr lang="es-ES_tradnl" dirty="0" smtClean="0"/>
+              <a:rPr lang="es-ES_tradnl" dirty="0"/>
               <a:t>	?	?	?	</a:t>
             </a:r>
-            <a:endParaRPr lang="es-ES_tradnl" dirty="0"/>
           </a:p>
         </p:txBody>
       </p:sp>
@@ -15239,17 +15084,16 @@
           <a:p>
             <a:pPr algn="ctr"/>
             <a:r>
-              <a:rPr lang="en-US" smtClean="0"/>
+              <a:rPr lang="en-US"/>
               <a:t>value of the</a:t>
             </a:r>
           </a:p>
           <a:p>
             <a:pPr algn="ctr"/>
             <a:r>
-              <a:rPr lang="en-US" smtClean="0"/>
+              <a:rPr lang="en-US"/>
               <a:t>second pixel</a:t>
             </a:r>
-            <a:endParaRPr lang="en-US"/>
           </a:p>
         </p:txBody>
       </p:sp>
@@ -15393,17 +15237,16 @@
           <a:p>
             <a:pPr algn="ctr"/>
             <a:r>
-              <a:rPr lang="en-US" smtClean="0"/>
+              <a:rPr lang="en-US"/>
               <a:t>value of the</a:t>
             </a:r>
           </a:p>
           <a:p>
             <a:pPr algn="ctr"/>
             <a:r>
-              <a:rPr lang="en-US" smtClean="0"/>
+              <a:rPr lang="en-US"/>
               <a:t>first pixel</a:t>
             </a:r>
-            <a:endParaRPr lang="en-US"/>
           </a:p>
         </p:txBody>
       </p:sp>
@@ -15604,15 +15447,15 @@
           <a:lstStyle/>
           <a:p>
             <a:r>
-              <a:rPr lang="es-ES_tradnl" dirty="0" smtClean="0"/>
+              <a:rPr lang="es-ES_tradnl" dirty="0"/>
               <a:t>P</a:t>
             </a:r>
             <a:r>
-              <a:rPr lang="es-ES_tradnl" baseline="-25000" dirty="0" smtClean="0"/>
+              <a:rPr lang="es-ES_tradnl" baseline="-25000" dirty="0"/>
               <a:t>10</a:t>
             </a:r>
             <a:r>
-              <a:rPr lang="es-ES_tradnl" dirty="0" smtClean="0"/>
+              <a:rPr lang="es-ES_tradnl" dirty="0"/>
               <a:t> =</a:t>
             </a:r>
             <a:endParaRPr lang="es-ES_tradnl" baseline="-25000" dirty="0"/>
@@ -15657,17 +15500,16 @@
             <a:p>
               <a:pPr algn="ctr"/>
               <a:r>
-                <a:rPr lang="es-ES_tradnl" dirty="0" smtClean="0"/>
+                <a:rPr lang="es-ES_tradnl" dirty="0"/>
                 <a:t>1</a:t>
               </a:r>
             </a:p>
             <a:p>
               <a:pPr algn="ctr"/>
               <a:r>
-                <a:rPr lang="es-ES_tradnl" dirty="0" smtClean="0"/>
+                <a:rPr lang="es-ES_tradnl" dirty="0"/>
                 <a:t>12</a:t>
               </a:r>
-              <a:endParaRPr lang="es-ES_tradnl" dirty="0"/>
             </a:p>
           </p:txBody>
         </p:sp>
@@ -15823,10 +15665,9 @@
           <a:lstStyle/>
           <a:p>
             <a:r>
-              <a:rPr lang="en-US" smtClean="0"/>
+              <a:rPr lang="en-US"/>
               <a:t>¿how many                  there are in image I ?</a:t>
             </a:r>
-            <a:endParaRPr lang="en-US"/>
           </a:p>
         </p:txBody>
       </p:sp>
@@ -15970,7 +15811,6 @@
               <a:rPr lang="es-ES_tradnl" dirty="0"/>
               <a:t>1</a:t>
             </a:r>
-            <a:endParaRPr lang="es-ES_tradnl" dirty="0" smtClean="0"/>
           </a:p>
           <a:p>
             <a:r>
@@ -16083,13 +15923,6 @@
   <p:clrMapOvr>
     <a:masterClrMapping/>
   </p:clrMapOvr>
-  <p:timing>
-    <p:tnLst>
-      <p:par>
-        <p:cTn id="1" dur="indefinite" restart="never" nodeType="tmRoot"/>
-      </p:par>
-    </p:tnLst>
-  </p:timing>
 </p:sld>
 </file>
 
@@ -16133,28 +15966,27 @@
           <a:lstStyle/>
           <a:p>
             <a:r>
-              <a:rPr lang="es-ES_tradnl" dirty="0" smtClean="0"/>
+              <a:rPr lang="es-ES_tradnl" dirty="0"/>
               <a:t>1	0	1	2</a:t>
             </a:r>
           </a:p>
           <a:p>
             <a:r>
-              <a:rPr lang="es-ES_tradnl" dirty="0" smtClean="0"/>
+              <a:rPr lang="es-ES_tradnl" dirty="0"/>
               <a:t>1	1	0	0</a:t>
             </a:r>
           </a:p>
           <a:p>
             <a:r>
-              <a:rPr lang="es-ES_tradnl" dirty="0" smtClean="0"/>
+              <a:rPr lang="es-ES_tradnl" dirty="0"/>
               <a:t>0	2	1	0</a:t>
             </a:r>
           </a:p>
           <a:p>
             <a:r>
-              <a:rPr lang="es-ES_tradnl" dirty="0" smtClean="0"/>
+              <a:rPr lang="es-ES_tradnl" dirty="0"/>
               <a:t>0	2	0	2	</a:t>
             </a:r>
-            <a:endParaRPr lang="es-ES_tradnl" dirty="0"/>
           </a:p>
         </p:txBody>
       </p:sp>
@@ -16220,10 +16052,9 @@
           <a:lstStyle/>
           <a:p>
             <a:r>
-              <a:rPr lang="es-ES_tradnl" dirty="0" smtClean="0"/>
+              <a:rPr lang="es-ES_tradnl" dirty="0"/>
               <a:t>I =</a:t>
             </a:r>
-            <a:endParaRPr lang="es-ES_tradnl" dirty="0"/>
           </a:p>
         </p:txBody>
       </p:sp>
@@ -16250,21 +16081,21 @@
           <a:lstStyle/>
           <a:p>
             <a:r>
-              <a:rPr lang="en-US" smtClean="0"/>
+              <a:rPr lang="en-US"/>
               <a:t>Example:</a:t>
             </a:r>
           </a:p>
           <a:p>
             <a:r>
-              <a:rPr lang="en-US" smtClean="0"/>
+              <a:rPr lang="en-US"/>
               <a:t>Given an imagen I, the co-ccurrence matrix P</a:t>
             </a:r>
             <a:r>
-              <a:rPr lang="en-US" baseline="-25000" smtClean="0"/>
+              <a:rPr lang="en-US" baseline="-25000"/>
               <a:t>10</a:t>
             </a:r>
             <a:r>
-              <a:rPr lang="en-US" smtClean="0"/>
+              <a:rPr lang="en-US"/>
               <a:t> is computed as follows:</a:t>
             </a:r>
             <a:endParaRPr lang="en-US" baseline="-25000"/>
@@ -16294,16 +16125,15 @@
           <a:lstStyle/>
           <a:p>
             <a:r>
-              <a:rPr lang="en-US" b="1" dirty="0" smtClean="0"/>
+              <a:rPr lang="en-US" b="1" dirty="0"/>
               <a:t>Co-occurrence matrices</a:t>
             </a:r>
           </a:p>
           <a:p>
             <a:r>
-              <a:rPr lang="en-US" dirty="0" smtClean="0"/>
+              <a:rPr lang="en-US" dirty="0"/>
               <a:t>They measure how is the distribution of co-occurring of pairs of pixels in an image.</a:t>
             </a:r>
-            <a:endParaRPr lang="en-US" dirty="0"/>
           </a:p>
         </p:txBody>
       </p:sp>
@@ -16330,11 +16160,11 @@
           <a:lstStyle/>
           <a:p>
             <a:r>
-              <a:rPr lang="es-ES_tradnl" dirty="0" smtClean="0"/>
+              <a:rPr lang="es-ES_tradnl" dirty="0"/>
               <a:t> 	</a:t>
             </a:r>
             <a:r>
-              <a:rPr lang="es-ES_tradnl" dirty="0" smtClean="0">
+              <a:rPr lang="es-ES_tradnl" dirty="0">
                 <a:solidFill>
                   <a:schemeClr val="bg1">
                     <a:lumMod val="75000"/>
@@ -16346,11 +16176,11 @@
           </a:p>
           <a:p>
             <a:r>
-              <a:rPr lang="es-ES_tradnl" dirty="0" smtClean="0"/>
+              <a:rPr lang="es-ES_tradnl" dirty="0"/>
               <a:t>         </a:t>
             </a:r>
             <a:r>
-              <a:rPr lang="es-ES_tradnl" dirty="0" smtClean="0">
+              <a:rPr lang="es-ES_tradnl" dirty="0">
                 <a:solidFill>
                   <a:srgbClr val="BFBFBF"/>
                 </a:solidFill>
@@ -16358,17 +16188,17 @@
               <a:t>0</a:t>
             </a:r>
             <a:r>
-              <a:rPr lang="es-ES_tradnl" dirty="0" smtClean="0"/>
+              <a:rPr lang="es-ES_tradnl" dirty="0"/>
               <a:t>	2	2	1</a:t>
             </a:r>
           </a:p>
           <a:p>
             <a:r>
-              <a:rPr lang="es-ES_tradnl" dirty="0" smtClean="0"/>
+              <a:rPr lang="es-ES_tradnl" dirty="0"/>
               <a:t>         </a:t>
             </a:r>
             <a:r>
-              <a:rPr lang="es-ES_tradnl" dirty="0" smtClean="0">
+              <a:rPr lang="es-ES_tradnl" dirty="0">
                 <a:solidFill>
                   <a:srgbClr val="BFBFBF"/>
                 </a:solidFill>
@@ -16376,17 +16206,17 @@
               <a:t>1</a:t>
             </a:r>
             <a:r>
-              <a:rPr lang="es-ES_tradnl" dirty="0" smtClean="0"/>
+              <a:rPr lang="es-ES_tradnl" dirty="0"/>
               <a:t>	3	1	1</a:t>
             </a:r>
           </a:p>
           <a:p>
             <a:r>
-              <a:rPr lang="es-ES_tradnl" dirty="0" smtClean="0"/>
+              <a:rPr lang="es-ES_tradnl" dirty="0"/>
               <a:t>         </a:t>
             </a:r>
             <a:r>
-              <a:rPr lang="es-ES_tradnl" dirty="0" smtClean="0">
+              <a:rPr lang="es-ES_tradnl" dirty="0">
                 <a:solidFill>
                   <a:srgbClr val="BFBFBF"/>
                 </a:solidFill>
@@ -16394,10 +16224,9 @@
               <a:t>2</a:t>
             </a:r>
             <a:r>
-              <a:rPr lang="es-ES_tradnl" dirty="0" smtClean="0"/>
+              <a:rPr lang="es-ES_tradnl" dirty="0"/>
               <a:t>	1	?	?	</a:t>
             </a:r>
-            <a:endParaRPr lang="es-ES_tradnl" dirty="0"/>
           </a:p>
         </p:txBody>
       </p:sp>
@@ -16464,17 +16293,16 @@
           <a:p>
             <a:pPr algn="ctr"/>
             <a:r>
-              <a:rPr lang="en-US" smtClean="0"/>
+              <a:rPr lang="en-US"/>
               <a:t>value of the</a:t>
             </a:r>
           </a:p>
           <a:p>
             <a:pPr algn="ctr"/>
             <a:r>
-              <a:rPr lang="en-US" smtClean="0"/>
+              <a:rPr lang="en-US"/>
               <a:t>second pixel</a:t>
             </a:r>
-            <a:endParaRPr lang="en-US"/>
           </a:p>
         </p:txBody>
       </p:sp>
@@ -16618,17 +16446,16 @@
           <a:p>
             <a:pPr algn="ctr"/>
             <a:r>
-              <a:rPr lang="en-US" smtClean="0"/>
+              <a:rPr lang="en-US"/>
               <a:t>value of the</a:t>
             </a:r>
           </a:p>
           <a:p>
             <a:pPr algn="ctr"/>
             <a:r>
-              <a:rPr lang="en-US" smtClean="0"/>
+              <a:rPr lang="en-US"/>
               <a:t>first pixel</a:t>
             </a:r>
-            <a:endParaRPr lang="en-US"/>
           </a:p>
         </p:txBody>
       </p:sp>
@@ -16829,15 +16656,15 @@
           <a:lstStyle/>
           <a:p>
             <a:r>
-              <a:rPr lang="es-ES_tradnl" dirty="0" smtClean="0"/>
+              <a:rPr lang="es-ES_tradnl" dirty="0"/>
               <a:t>P</a:t>
             </a:r>
             <a:r>
-              <a:rPr lang="es-ES_tradnl" baseline="-25000" dirty="0" smtClean="0"/>
+              <a:rPr lang="es-ES_tradnl" baseline="-25000" dirty="0"/>
               <a:t>10</a:t>
             </a:r>
             <a:r>
-              <a:rPr lang="es-ES_tradnl" dirty="0" smtClean="0"/>
+              <a:rPr lang="es-ES_tradnl" dirty="0"/>
               <a:t> =</a:t>
             </a:r>
             <a:endParaRPr lang="es-ES_tradnl" baseline="-25000" dirty="0"/>
@@ -16882,17 +16709,16 @@
             <a:p>
               <a:pPr algn="ctr"/>
               <a:r>
-                <a:rPr lang="es-ES_tradnl" dirty="0" smtClean="0"/>
+                <a:rPr lang="es-ES_tradnl" dirty="0"/>
                 <a:t>1</a:t>
               </a:r>
             </a:p>
             <a:p>
               <a:pPr algn="ctr"/>
               <a:r>
-                <a:rPr lang="es-ES_tradnl" dirty="0" smtClean="0"/>
+                <a:rPr lang="es-ES_tradnl" dirty="0"/>
                 <a:t>12</a:t>
               </a:r>
-              <a:endParaRPr lang="es-ES_tradnl" dirty="0"/>
             </a:p>
           </p:txBody>
         </p:sp>
@@ -17048,10 +16874,9 @@
           <a:lstStyle/>
           <a:p>
             <a:r>
-              <a:rPr lang="en-US" smtClean="0"/>
+              <a:rPr lang="en-US"/>
               <a:t>¿how many                  there are in image I ?</a:t>
             </a:r>
-            <a:endParaRPr lang="en-US"/>
           </a:p>
         </p:txBody>
       </p:sp>
@@ -17192,16 +17017,15 @@
           <a:lstStyle/>
           <a:p>
             <a:r>
-              <a:rPr lang="es-ES_tradnl" dirty="0" smtClean="0"/>
+              <a:rPr lang="es-ES_tradnl" dirty="0"/>
               <a:t>2</a:t>
             </a:r>
           </a:p>
           <a:p>
             <a:r>
-              <a:rPr lang="es-ES_tradnl" dirty="0" smtClean="0"/>
+              <a:rPr lang="es-ES_tradnl" dirty="0"/>
               <a:t>0</a:t>
             </a:r>
-            <a:endParaRPr lang="es-ES_tradnl" dirty="0"/>
           </a:p>
         </p:txBody>
       </p:sp>
@@ -17308,13 +17132,6 @@
   <p:clrMapOvr>
     <a:masterClrMapping/>
   </p:clrMapOvr>
-  <p:timing>
-    <p:tnLst>
-      <p:par>
-        <p:cTn id="1" dur="indefinite" restart="never" nodeType="tmRoot"/>
-      </p:par>
-    </p:tnLst>
-  </p:timing>
 </p:sld>
 </file>
 
@@ -17388,14 +17205,14 @@
           <a:lstStyle/>
           <a:p>
             <a:r>
-              <a:rPr lang="en-US" b="1" dirty="0" smtClean="0">
+              <a:rPr lang="en-US" b="1" dirty="0">
                 <a:latin typeface="Trebuchet MS"/>
                 <a:cs typeface="Trebuchet MS"/>
               </a:rPr>
               <a:t>Different Textures </a:t>
             </a:r>
             <a:r>
-              <a:rPr lang="en-US" b="1" dirty="0" smtClean="0">
+              <a:rPr lang="en-US" b="1" dirty="0">
                 <a:latin typeface="Wingdings"/>
                 <a:ea typeface="Wingdings"/>
                 <a:cs typeface="Wingdings"/>
@@ -17433,14 +17250,14 @@
           <a:lstStyle/>
           <a:p>
             <a:r>
-              <a:rPr lang="en-US" b="1" dirty="0" smtClean="0">
+              <a:rPr lang="en-US" b="1" dirty="0">
                 <a:latin typeface="Trebuchet MS"/>
                 <a:cs typeface="Trebuchet MS"/>
               </a:rPr>
               <a:t>Same Textures </a:t>
             </a:r>
             <a:r>
-              <a:rPr lang="en-US" b="1" dirty="0" smtClean="0">
+              <a:rPr lang="en-US" b="1" dirty="0">
                 <a:latin typeface="Wingdings"/>
                 <a:ea typeface="Wingdings"/>
                 <a:cs typeface="Wingdings"/>
@@ -17491,13 +17308,6 @@
   <p:clrMapOvr>
     <a:masterClrMapping/>
   </p:clrMapOvr>
-  <p:timing>
-    <p:tnLst>
-      <p:par>
-        <p:cTn id="1" dur="indefinite" restart="never" nodeType="tmRoot"/>
-      </p:par>
-    </p:tnLst>
-  </p:timing>
 </p:sld>
 </file>
 
@@ -17541,28 +17351,27 @@
           <a:lstStyle/>
           <a:p>
             <a:r>
-              <a:rPr lang="es-ES_tradnl" dirty="0" smtClean="0"/>
+              <a:rPr lang="es-ES_tradnl" dirty="0"/>
               <a:t>1	0	1	2</a:t>
             </a:r>
           </a:p>
           <a:p>
             <a:r>
-              <a:rPr lang="es-ES_tradnl" dirty="0" smtClean="0"/>
+              <a:rPr lang="es-ES_tradnl" dirty="0"/>
               <a:t>1	1	0	0</a:t>
             </a:r>
           </a:p>
           <a:p>
             <a:r>
-              <a:rPr lang="es-ES_tradnl" dirty="0" smtClean="0"/>
+              <a:rPr lang="es-ES_tradnl" dirty="0"/>
               <a:t>0	2	1	0</a:t>
             </a:r>
           </a:p>
           <a:p>
             <a:r>
-              <a:rPr lang="es-ES_tradnl" dirty="0" smtClean="0"/>
+              <a:rPr lang="es-ES_tradnl" dirty="0"/>
               <a:t>0	2	0	2	</a:t>
             </a:r>
-            <a:endParaRPr lang="es-ES_tradnl" dirty="0"/>
           </a:p>
         </p:txBody>
       </p:sp>
@@ -17628,10 +17437,9 @@
           <a:lstStyle/>
           <a:p>
             <a:r>
-              <a:rPr lang="es-ES_tradnl" dirty="0" smtClean="0"/>
+              <a:rPr lang="es-ES_tradnl" dirty="0"/>
               <a:t>I =</a:t>
             </a:r>
-            <a:endParaRPr lang="es-ES_tradnl" dirty="0"/>
           </a:p>
         </p:txBody>
       </p:sp>
@@ -17658,21 +17466,21 @@
           <a:lstStyle/>
           <a:p>
             <a:r>
-              <a:rPr lang="en-US" smtClean="0"/>
+              <a:rPr lang="en-US"/>
               <a:t>Example:</a:t>
             </a:r>
           </a:p>
           <a:p>
             <a:r>
-              <a:rPr lang="en-US" smtClean="0"/>
+              <a:rPr lang="en-US"/>
               <a:t>Given an imagen I, the co-ccurrence matrix P</a:t>
             </a:r>
             <a:r>
-              <a:rPr lang="en-US" baseline="-25000" smtClean="0"/>
+              <a:rPr lang="en-US" baseline="-25000"/>
               <a:t>10</a:t>
             </a:r>
             <a:r>
-              <a:rPr lang="en-US" smtClean="0"/>
+              <a:rPr lang="en-US"/>
               <a:t> is computed as follows:</a:t>
             </a:r>
             <a:endParaRPr lang="en-US" baseline="-25000"/>
@@ -17702,16 +17510,15 @@
           <a:lstStyle/>
           <a:p>
             <a:r>
-              <a:rPr lang="en-US" b="1" dirty="0" smtClean="0"/>
+              <a:rPr lang="en-US" b="1" dirty="0"/>
               <a:t>Co-occurrence matrices</a:t>
             </a:r>
           </a:p>
           <a:p>
             <a:r>
-              <a:rPr lang="en-US" dirty="0" smtClean="0"/>
+              <a:rPr lang="en-US" dirty="0"/>
               <a:t>They measure how is the distribution of co-occurring of pairs of pixels in an image.</a:t>
             </a:r>
-            <a:endParaRPr lang="en-US" dirty="0"/>
           </a:p>
         </p:txBody>
       </p:sp>
@@ -17738,11 +17545,11 @@
           <a:lstStyle/>
           <a:p>
             <a:r>
-              <a:rPr lang="es-ES_tradnl" dirty="0" smtClean="0"/>
+              <a:rPr lang="es-ES_tradnl" dirty="0"/>
               <a:t> 	</a:t>
             </a:r>
             <a:r>
-              <a:rPr lang="es-ES_tradnl" dirty="0" smtClean="0">
+              <a:rPr lang="es-ES_tradnl" dirty="0">
                 <a:solidFill>
                   <a:schemeClr val="bg1">
                     <a:lumMod val="75000"/>
@@ -17754,11 +17561,11 @@
           </a:p>
           <a:p>
             <a:r>
-              <a:rPr lang="es-ES_tradnl" dirty="0" smtClean="0"/>
+              <a:rPr lang="es-ES_tradnl" dirty="0"/>
               <a:t>         </a:t>
             </a:r>
             <a:r>
-              <a:rPr lang="es-ES_tradnl" dirty="0" smtClean="0">
+              <a:rPr lang="es-ES_tradnl" dirty="0">
                 <a:solidFill>
                   <a:srgbClr val="BFBFBF"/>
                 </a:solidFill>
@@ -17766,17 +17573,17 @@
               <a:t>0</a:t>
             </a:r>
             <a:r>
-              <a:rPr lang="es-ES_tradnl" dirty="0" smtClean="0"/>
+              <a:rPr lang="es-ES_tradnl" dirty="0"/>
               <a:t>	2	2	1</a:t>
             </a:r>
           </a:p>
           <a:p>
             <a:r>
-              <a:rPr lang="es-ES_tradnl" dirty="0" smtClean="0"/>
+              <a:rPr lang="es-ES_tradnl" dirty="0"/>
               <a:t>         </a:t>
             </a:r>
             <a:r>
-              <a:rPr lang="es-ES_tradnl" dirty="0" smtClean="0">
+              <a:rPr lang="es-ES_tradnl" dirty="0">
                 <a:solidFill>
                   <a:srgbClr val="BFBFBF"/>
                 </a:solidFill>
@@ -17784,17 +17591,17 @@
               <a:t>1</a:t>
             </a:r>
             <a:r>
-              <a:rPr lang="es-ES_tradnl" dirty="0" smtClean="0"/>
+              <a:rPr lang="es-ES_tradnl" dirty="0"/>
               <a:t>	3	1	1</a:t>
             </a:r>
           </a:p>
           <a:p>
             <a:r>
-              <a:rPr lang="es-ES_tradnl" dirty="0" smtClean="0"/>
+              <a:rPr lang="es-ES_tradnl" dirty="0"/>
               <a:t>         </a:t>
             </a:r>
             <a:r>
-              <a:rPr lang="es-ES_tradnl" dirty="0" smtClean="0">
+              <a:rPr lang="es-ES_tradnl" dirty="0">
                 <a:solidFill>
                   <a:srgbClr val="BFBFBF"/>
                 </a:solidFill>
@@ -17802,10 +17609,9 @@
               <a:t>2</a:t>
             </a:r>
             <a:r>
-              <a:rPr lang="es-ES_tradnl" dirty="0" smtClean="0"/>
+              <a:rPr lang="es-ES_tradnl" dirty="0"/>
               <a:t>	1	0	?	</a:t>
             </a:r>
-            <a:endParaRPr lang="es-ES_tradnl" dirty="0"/>
           </a:p>
         </p:txBody>
       </p:sp>
@@ -17872,17 +17678,16 @@
           <a:p>
             <a:pPr algn="ctr"/>
             <a:r>
-              <a:rPr lang="en-US" smtClean="0"/>
+              <a:rPr lang="en-US"/>
               <a:t>value of the</a:t>
             </a:r>
           </a:p>
           <a:p>
             <a:pPr algn="ctr"/>
             <a:r>
-              <a:rPr lang="en-US" smtClean="0"/>
+              <a:rPr lang="en-US"/>
               <a:t>second pixel</a:t>
             </a:r>
-            <a:endParaRPr lang="en-US"/>
           </a:p>
         </p:txBody>
       </p:sp>
@@ -18026,17 +17831,16 @@
           <a:p>
             <a:pPr algn="ctr"/>
             <a:r>
-              <a:rPr lang="en-US" smtClean="0"/>
+              <a:rPr lang="en-US"/>
               <a:t>value of the</a:t>
             </a:r>
           </a:p>
           <a:p>
             <a:pPr algn="ctr"/>
             <a:r>
-              <a:rPr lang="en-US" smtClean="0"/>
+              <a:rPr lang="en-US"/>
               <a:t>first pixel</a:t>
             </a:r>
-            <a:endParaRPr lang="en-US"/>
           </a:p>
         </p:txBody>
       </p:sp>
@@ -18237,15 +18041,15 @@
           <a:lstStyle/>
           <a:p>
             <a:r>
-              <a:rPr lang="es-ES_tradnl" dirty="0" smtClean="0"/>
+              <a:rPr lang="es-ES_tradnl" dirty="0"/>
               <a:t>P</a:t>
             </a:r>
             <a:r>
-              <a:rPr lang="es-ES_tradnl" baseline="-25000" dirty="0" smtClean="0"/>
+              <a:rPr lang="es-ES_tradnl" baseline="-25000" dirty="0"/>
               <a:t>10</a:t>
             </a:r>
             <a:r>
-              <a:rPr lang="es-ES_tradnl" dirty="0" smtClean="0"/>
+              <a:rPr lang="es-ES_tradnl" dirty="0"/>
               <a:t> =</a:t>
             </a:r>
             <a:endParaRPr lang="es-ES_tradnl" baseline="-25000" dirty="0"/>
@@ -18290,17 +18094,16 @@
             <a:p>
               <a:pPr algn="ctr"/>
               <a:r>
-                <a:rPr lang="es-ES_tradnl" dirty="0" smtClean="0"/>
+                <a:rPr lang="es-ES_tradnl" dirty="0"/>
                 <a:t>1</a:t>
               </a:r>
             </a:p>
             <a:p>
               <a:pPr algn="ctr"/>
               <a:r>
-                <a:rPr lang="es-ES_tradnl" dirty="0" smtClean="0"/>
+                <a:rPr lang="es-ES_tradnl" dirty="0"/>
                 <a:t>12</a:t>
               </a:r>
-              <a:endParaRPr lang="es-ES_tradnl" dirty="0"/>
             </a:p>
           </p:txBody>
         </p:sp>
@@ -18456,10 +18259,9 @@
           <a:lstStyle/>
           <a:p>
             <a:r>
-              <a:rPr lang="en-US" smtClean="0"/>
+              <a:rPr lang="en-US"/>
               <a:t>¿how many                  there are in image I ?</a:t>
             </a:r>
-            <a:endParaRPr lang="en-US"/>
           </a:p>
         </p:txBody>
       </p:sp>
@@ -18600,7 +18402,7 @@
           <a:lstStyle/>
           <a:p>
             <a:r>
-              <a:rPr lang="es-ES_tradnl" dirty="0" smtClean="0"/>
+              <a:rPr lang="es-ES_tradnl" dirty="0"/>
               <a:t>2</a:t>
             </a:r>
           </a:p>
@@ -18622,13 +18424,6 @@
   <p:clrMapOvr>
     <a:masterClrMapping/>
   </p:clrMapOvr>
-  <p:timing>
-    <p:tnLst>
-      <p:par>
-        <p:cTn id="1" dur="indefinite" restart="never" nodeType="tmRoot"/>
-      </p:par>
-    </p:tnLst>
-  </p:timing>
 </p:sld>
 </file>
 
@@ -18672,28 +18467,27 @@
           <a:lstStyle/>
           <a:p>
             <a:r>
-              <a:rPr lang="es-ES_tradnl" dirty="0" smtClean="0"/>
+              <a:rPr lang="es-ES_tradnl" dirty="0"/>
               <a:t>1	0	1	2</a:t>
             </a:r>
           </a:p>
           <a:p>
             <a:r>
-              <a:rPr lang="es-ES_tradnl" dirty="0" smtClean="0"/>
+              <a:rPr lang="es-ES_tradnl" dirty="0"/>
               <a:t>1	1	0	0</a:t>
             </a:r>
           </a:p>
           <a:p>
             <a:r>
-              <a:rPr lang="es-ES_tradnl" dirty="0" smtClean="0"/>
+              <a:rPr lang="es-ES_tradnl" dirty="0"/>
               <a:t>0	2	1	0</a:t>
             </a:r>
           </a:p>
           <a:p>
             <a:r>
-              <a:rPr lang="es-ES_tradnl" dirty="0" smtClean="0"/>
+              <a:rPr lang="es-ES_tradnl" dirty="0"/>
               <a:t>0	2	0	2	</a:t>
             </a:r>
-            <a:endParaRPr lang="es-ES_tradnl" dirty="0"/>
           </a:p>
         </p:txBody>
       </p:sp>
@@ -18759,10 +18553,9 @@
           <a:lstStyle/>
           <a:p>
             <a:r>
-              <a:rPr lang="es-ES_tradnl" dirty="0" smtClean="0"/>
+              <a:rPr lang="es-ES_tradnl" dirty="0"/>
               <a:t>I =</a:t>
             </a:r>
-            <a:endParaRPr lang="es-ES_tradnl" dirty="0"/>
           </a:p>
         </p:txBody>
       </p:sp>
@@ -18789,21 +18582,21 @@
           <a:lstStyle/>
           <a:p>
             <a:r>
-              <a:rPr lang="en-US" smtClean="0"/>
+              <a:rPr lang="en-US"/>
               <a:t>Example:</a:t>
             </a:r>
           </a:p>
           <a:p>
             <a:r>
-              <a:rPr lang="en-US" smtClean="0"/>
+              <a:rPr lang="en-US"/>
               <a:t>Given an imagen I, the co-ccurrence matrix P</a:t>
             </a:r>
             <a:r>
-              <a:rPr lang="en-US" baseline="-25000" smtClean="0"/>
+              <a:rPr lang="en-US" baseline="-25000"/>
               <a:t>10</a:t>
             </a:r>
             <a:r>
-              <a:rPr lang="en-US" smtClean="0"/>
+              <a:rPr lang="en-US"/>
               <a:t> is computed as follows:</a:t>
             </a:r>
             <a:endParaRPr lang="en-US" baseline="-25000"/>
@@ -18833,16 +18626,15 @@
           <a:lstStyle/>
           <a:p>
             <a:r>
-              <a:rPr lang="en-US" b="1" dirty="0" smtClean="0"/>
+              <a:rPr lang="en-US" b="1" dirty="0"/>
               <a:t>Co-occurrence matrices</a:t>
             </a:r>
           </a:p>
           <a:p>
             <a:r>
-              <a:rPr lang="en-US" dirty="0" smtClean="0"/>
+              <a:rPr lang="en-US" dirty="0"/>
               <a:t>They measure how is the distribution of co-occurring of pairs of pixels in an image.</a:t>
             </a:r>
-            <a:endParaRPr lang="en-US" dirty="0"/>
           </a:p>
         </p:txBody>
       </p:sp>
@@ -18869,11 +18661,11 @@
           <a:lstStyle/>
           <a:p>
             <a:r>
-              <a:rPr lang="es-ES_tradnl" dirty="0" smtClean="0"/>
+              <a:rPr lang="es-ES_tradnl" dirty="0"/>
               <a:t> 	</a:t>
             </a:r>
             <a:r>
-              <a:rPr lang="es-ES_tradnl" dirty="0" smtClean="0">
+              <a:rPr lang="es-ES_tradnl" dirty="0">
                 <a:solidFill>
                   <a:schemeClr val="bg1">
                     <a:lumMod val="75000"/>
@@ -18885,11 +18677,11 @@
           </a:p>
           <a:p>
             <a:r>
-              <a:rPr lang="es-ES_tradnl" dirty="0" smtClean="0"/>
+              <a:rPr lang="es-ES_tradnl" dirty="0"/>
               <a:t>         </a:t>
             </a:r>
             <a:r>
-              <a:rPr lang="es-ES_tradnl" dirty="0" smtClean="0">
+              <a:rPr lang="es-ES_tradnl" dirty="0">
                 <a:solidFill>
                   <a:srgbClr val="BFBFBF"/>
                 </a:solidFill>
@@ -18897,17 +18689,17 @@
               <a:t>0</a:t>
             </a:r>
             <a:r>
-              <a:rPr lang="es-ES_tradnl" dirty="0" smtClean="0"/>
+              <a:rPr lang="es-ES_tradnl" dirty="0"/>
               <a:t>	2	2	1</a:t>
             </a:r>
           </a:p>
           <a:p>
             <a:r>
-              <a:rPr lang="es-ES_tradnl" dirty="0" smtClean="0"/>
+              <a:rPr lang="es-ES_tradnl" dirty="0"/>
               <a:t>         </a:t>
             </a:r>
             <a:r>
-              <a:rPr lang="es-ES_tradnl" dirty="0" smtClean="0">
+              <a:rPr lang="es-ES_tradnl" dirty="0">
                 <a:solidFill>
                   <a:srgbClr val="BFBFBF"/>
                 </a:solidFill>
@@ -18915,17 +18707,17 @@
               <a:t>1</a:t>
             </a:r>
             <a:r>
-              <a:rPr lang="es-ES_tradnl" dirty="0" smtClean="0"/>
+              <a:rPr lang="es-ES_tradnl" dirty="0"/>
               <a:t>	3	1	1</a:t>
             </a:r>
           </a:p>
           <a:p>
             <a:r>
-              <a:rPr lang="es-ES_tradnl" dirty="0" smtClean="0"/>
+              <a:rPr lang="es-ES_tradnl" dirty="0"/>
               <a:t>         </a:t>
             </a:r>
             <a:r>
-              <a:rPr lang="es-ES_tradnl" dirty="0" smtClean="0">
+              <a:rPr lang="es-ES_tradnl" dirty="0">
                 <a:solidFill>
                   <a:srgbClr val="BFBFBF"/>
                 </a:solidFill>
@@ -18933,10 +18725,9 @@
               <a:t>2</a:t>
             </a:r>
             <a:r>
-              <a:rPr lang="es-ES_tradnl" dirty="0" smtClean="0"/>
+              <a:rPr lang="es-ES_tradnl" dirty="0"/>
               <a:t>	1	0	1	</a:t>
             </a:r>
-            <a:endParaRPr lang="es-ES_tradnl" dirty="0"/>
           </a:p>
         </p:txBody>
       </p:sp>
@@ -19003,17 +18794,16 @@
           <a:p>
             <a:pPr algn="ctr"/>
             <a:r>
-              <a:rPr lang="en-US" smtClean="0"/>
+              <a:rPr lang="en-US"/>
               <a:t>value of the</a:t>
             </a:r>
           </a:p>
           <a:p>
             <a:pPr algn="ctr"/>
             <a:r>
-              <a:rPr lang="en-US" smtClean="0"/>
+              <a:rPr lang="en-US"/>
               <a:t>second pixel</a:t>
             </a:r>
-            <a:endParaRPr lang="en-US"/>
           </a:p>
         </p:txBody>
       </p:sp>
@@ -19157,17 +18947,16 @@
           <a:p>
             <a:pPr algn="ctr"/>
             <a:r>
-              <a:rPr lang="en-US" smtClean="0"/>
+              <a:rPr lang="en-US"/>
               <a:t>value of the</a:t>
             </a:r>
           </a:p>
           <a:p>
             <a:pPr algn="ctr"/>
             <a:r>
-              <a:rPr lang="en-US" smtClean="0"/>
+              <a:rPr lang="en-US"/>
               <a:t>first pixel</a:t>
             </a:r>
-            <a:endParaRPr lang="en-US"/>
           </a:p>
         </p:txBody>
       </p:sp>
@@ -19368,15 +19157,15 @@
           <a:lstStyle/>
           <a:p>
             <a:r>
-              <a:rPr lang="es-ES_tradnl" dirty="0" smtClean="0"/>
+              <a:rPr lang="es-ES_tradnl" dirty="0"/>
               <a:t>P</a:t>
             </a:r>
             <a:r>
-              <a:rPr lang="es-ES_tradnl" baseline="-25000" dirty="0" smtClean="0"/>
+              <a:rPr lang="es-ES_tradnl" baseline="-25000" dirty="0"/>
               <a:t>10</a:t>
             </a:r>
             <a:r>
-              <a:rPr lang="es-ES_tradnl" dirty="0" smtClean="0"/>
+              <a:rPr lang="es-ES_tradnl" dirty="0"/>
               <a:t> =</a:t>
             </a:r>
             <a:endParaRPr lang="es-ES_tradnl" baseline="-25000" dirty="0"/>
@@ -19421,17 +19210,16 @@
             <a:p>
               <a:pPr algn="ctr"/>
               <a:r>
-                <a:rPr lang="es-ES_tradnl" dirty="0" smtClean="0"/>
+                <a:rPr lang="es-ES_tradnl" dirty="0"/>
                 <a:t>1</a:t>
               </a:r>
             </a:p>
             <a:p>
               <a:pPr algn="ctr"/>
               <a:r>
-                <a:rPr lang="es-ES_tradnl" dirty="0" smtClean="0"/>
+                <a:rPr lang="es-ES_tradnl" dirty="0"/>
                 <a:t>12</a:t>
               </a:r>
-              <a:endParaRPr lang="es-ES_tradnl" dirty="0"/>
             </a:p>
           </p:txBody>
         </p:sp>
@@ -19587,10 +19375,9 @@
           <a:lstStyle/>
           <a:p>
             <a:r>
-              <a:rPr lang="en-US" smtClean="0"/>
+              <a:rPr lang="en-US"/>
               <a:t>¿how many                  there are in image I ?</a:t>
             </a:r>
-            <a:endParaRPr lang="en-US"/>
           </a:p>
         </p:txBody>
       </p:sp>
@@ -19731,16 +19518,15 @@
           <a:lstStyle/>
           <a:p>
             <a:r>
-              <a:rPr lang="es-ES_tradnl" dirty="0" smtClean="0"/>
+              <a:rPr lang="es-ES_tradnl" dirty="0"/>
               <a:t>2</a:t>
             </a:r>
           </a:p>
           <a:p>
             <a:r>
-              <a:rPr lang="es-ES_tradnl" dirty="0" smtClean="0"/>
+              <a:rPr lang="es-ES_tradnl" dirty="0"/>
               <a:t>2</a:t>
             </a:r>
-            <a:endParaRPr lang="es-ES_tradnl" dirty="0"/>
           </a:p>
         </p:txBody>
       </p:sp>
@@ -19847,13 +19633,6 @@
   <p:clrMapOvr>
     <a:masterClrMapping/>
   </p:clrMapOvr>
-  <p:timing>
-    <p:tnLst>
-      <p:par>
-        <p:cTn id="1" dur="indefinite" restart="never" nodeType="tmRoot"/>
-      </p:par>
-    </p:tnLst>
-  </p:timing>
 </p:sld>
 </file>
 
@@ -19897,28 +19676,27 @@
           <a:lstStyle/>
           <a:p>
             <a:r>
-              <a:rPr lang="es-ES_tradnl" dirty="0" smtClean="0"/>
+              <a:rPr lang="es-ES_tradnl" dirty="0"/>
               <a:t>1	0	1	2</a:t>
             </a:r>
           </a:p>
           <a:p>
             <a:r>
-              <a:rPr lang="es-ES_tradnl" dirty="0" smtClean="0"/>
+              <a:rPr lang="es-ES_tradnl" dirty="0"/>
               <a:t>1	1	0	0</a:t>
             </a:r>
           </a:p>
           <a:p>
             <a:r>
-              <a:rPr lang="es-ES_tradnl" dirty="0" smtClean="0"/>
+              <a:rPr lang="es-ES_tradnl" dirty="0"/>
               <a:t>0	2	1	0</a:t>
             </a:r>
           </a:p>
           <a:p>
             <a:r>
-              <a:rPr lang="es-ES_tradnl" dirty="0" smtClean="0"/>
+              <a:rPr lang="es-ES_tradnl" dirty="0"/>
               <a:t>0	2	0	2	</a:t>
             </a:r>
-            <a:endParaRPr lang="es-ES_tradnl" dirty="0"/>
           </a:p>
         </p:txBody>
       </p:sp>
@@ -19984,10 +19762,9 @@
           <a:lstStyle/>
           <a:p>
             <a:r>
-              <a:rPr lang="es-ES_tradnl" dirty="0" smtClean="0"/>
+              <a:rPr lang="es-ES_tradnl" dirty="0"/>
               <a:t>I =</a:t>
             </a:r>
-            <a:endParaRPr lang="es-ES_tradnl" dirty="0"/>
           </a:p>
         </p:txBody>
       </p:sp>
@@ -20014,37 +19791,37 @@
           <a:lstStyle/>
           <a:p>
             <a:r>
-              <a:rPr lang="en-US" dirty="0" smtClean="0"/>
+              <a:rPr lang="en-US" dirty="0"/>
               <a:t>Example:</a:t>
             </a:r>
           </a:p>
           <a:p>
             <a:r>
-              <a:rPr lang="en-US" dirty="0" smtClean="0"/>
+              <a:rPr lang="en-US" dirty="0"/>
               <a:t>Given an </a:t>
             </a:r>
             <a:r>
-              <a:rPr lang="en-US" dirty="0" err="1" smtClean="0"/>
+              <a:rPr lang="en-US" dirty="0" err="1"/>
               <a:t>imagen</a:t>
             </a:r>
             <a:r>
-              <a:rPr lang="en-US" dirty="0" smtClean="0"/>
+              <a:rPr lang="en-US" dirty="0"/>
               <a:t> I, the co-</a:t>
             </a:r>
             <a:r>
-              <a:rPr lang="en-US" dirty="0" err="1" smtClean="0"/>
+              <a:rPr lang="en-US" dirty="0" err="1"/>
               <a:t>ccurrence</a:t>
             </a:r>
             <a:r>
-              <a:rPr lang="en-US" dirty="0" smtClean="0"/>
+              <a:rPr lang="en-US" dirty="0"/>
               <a:t> matrix P</a:t>
             </a:r>
             <a:r>
-              <a:rPr lang="en-US" baseline="-25000" dirty="0" smtClean="0"/>
+              <a:rPr lang="en-US" baseline="-25000" dirty="0"/>
               <a:t>10</a:t>
             </a:r>
             <a:r>
-              <a:rPr lang="en-US" dirty="0" smtClean="0"/>
+              <a:rPr lang="en-US" dirty="0"/>
               <a:t> is:</a:t>
             </a:r>
             <a:endParaRPr lang="en-US" baseline="-25000" dirty="0"/>
@@ -20074,16 +19851,15 @@
           <a:lstStyle/>
           <a:p>
             <a:r>
-              <a:rPr lang="en-US" b="1" dirty="0" smtClean="0"/>
+              <a:rPr lang="en-US" b="1" dirty="0"/>
               <a:t>Co-occurrence matrices</a:t>
             </a:r>
           </a:p>
           <a:p>
             <a:r>
-              <a:rPr lang="en-US" dirty="0" smtClean="0"/>
+              <a:rPr lang="en-US" dirty="0"/>
               <a:t>They measure how is the distribution of co-occurring of pairs of pixels in an image.</a:t>
             </a:r>
-            <a:endParaRPr lang="en-US" dirty="0"/>
           </a:p>
         </p:txBody>
       </p:sp>
@@ -20110,11 +19886,11 @@
           <a:lstStyle/>
           <a:p>
             <a:r>
-              <a:rPr lang="es-ES_tradnl" dirty="0" smtClean="0"/>
+              <a:rPr lang="es-ES_tradnl" dirty="0"/>
               <a:t> 	</a:t>
             </a:r>
             <a:r>
-              <a:rPr lang="es-ES_tradnl" dirty="0" smtClean="0">
+              <a:rPr lang="es-ES_tradnl" dirty="0">
                 <a:solidFill>
                   <a:schemeClr val="bg1">
                     <a:lumMod val="75000"/>
@@ -20126,11 +19902,11 @@
           </a:p>
           <a:p>
             <a:r>
-              <a:rPr lang="es-ES_tradnl" dirty="0" smtClean="0"/>
+              <a:rPr lang="es-ES_tradnl" dirty="0"/>
               <a:t>         </a:t>
             </a:r>
             <a:r>
-              <a:rPr lang="es-ES_tradnl" dirty="0" smtClean="0">
+              <a:rPr lang="es-ES_tradnl" dirty="0">
                 <a:solidFill>
                   <a:srgbClr val="BFBFBF"/>
                 </a:solidFill>
@@ -20138,17 +19914,17 @@
               <a:t>0</a:t>
             </a:r>
             <a:r>
-              <a:rPr lang="es-ES_tradnl" dirty="0" smtClean="0"/>
+              <a:rPr lang="es-ES_tradnl" dirty="0"/>
               <a:t>	2	2	1</a:t>
             </a:r>
           </a:p>
           <a:p>
             <a:r>
-              <a:rPr lang="es-ES_tradnl" dirty="0" smtClean="0"/>
+              <a:rPr lang="es-ES_tradnl" dirty="0"/>
               <a:t>         </a:t>
             </a:r>
             <a:r>
-              <a:rPr lang="es-ES_tradnl" dirty="0" smtClean="0">
+              <a:rPr lang="es-ES_tradnl" dirty="0">
                 <a:solidFill>
                   <a:srgbClr val="BFBFBF"/>
                 </a:solidFill>
@@ -20156,17 +19932,17 @@
               <a:t>1</a:t>
             </a:r>
             <a:r>
-              <a:rPr lang="es-ES_tradnl" dirty="0" smtClean="0"/>
+              <a:rPr lang="es-ES_tradnl" dirty="0"/>
               <a:t>	3	1	1</a:t>
             </a:r>
           </a:p>
           <a:p>
             <a:r>
-              <a:rPr lang="es-ES_tradnl" dirty="0" smtClean="0"/>
+              <a:rPr lang="es-ES_tradnl" dirty="0"/>
               <a:t>         </a:t>
             </a:r>
             <a:r>
-              <a:rPr lang="es-ES_tradnl" dirty="0" smtClean="0">
+              <a:rPr lang="es-ES_tradnl" dirty="0">
                 <a:solidFill>
                   <a:srgbClr val="BFBFBF"/>
                 </a:solidFill>
@@ -20174,10 +19950,9 @@
               <a:t>2</a:t>
             </a:r>
             <a:r>
-              <a:rPr lang="es-ES_tradnl" dirty="0" smtClean="0"/>
+              <a:rPr lang="es-ES_tradnl" dirty="0"/>
               <a:t>	1	0	1	</a:t>
             </a:r>
-            <a:endParaRPr lang="es-ES_tradnl" dirty="0"/>
           </a:p>
         </p:txBody>
       </p:sp>
@@ -20417,15 +20192,15 @@
           <a:lstStyle/>
           <a:p>
             <a:r>
-              <a:rPr lang="es-ES_tradnl" dirty="0" smtClean="0"/>
+              <a:rPr lang="es-ES_tradnl" dirty="0"/>
               <a:t>P</a:t>
             </a:r>
             <a:r>
-              <a:rPr lang="es-ES_tradnl" baseline="-25000" dirty="0" smtClean="0"/>
+              <a:rPr lang="es-ES_tradnl" baseline="-25000" dirty="0"/>
               <a:t>10</a:t>
             </a:r>
             <a:r>
-              <a:rPr lang="es-ES_tradnl" dirty="0" smtClean="0"/>
+              <a:rPr lang="es-ES_tradnl" dirty="0"/>
               <a:t> =</a:t>
             </a:r>
             <a:endParaRPr lang="es-ES_tradnl" baseline="-25000" dirty="0"/>
@@ -20470,17 +20245,16 @@
             <a:p>
               <a:pPr algn="ctr"/>
               <a:r>
-                <a:rPr lang="es-ES_tradnl" dirty="0" smtClean="0"/>
+                <a:rPr lang="es-ES_tradnl" dirty="0"/>
                 <a:t>1</a:t>
               </a:r>
             </a:p>
             <a:p>
               <a:pPr algn="ctr"/>
               <a:r>
-                <a:rPr lang="es-ES_tradnl" dirty="0" smtClean="0"/>
+                <a:rPr lang="es-ES_tradnl" dirty="0"/>
                 <a:t>12</a:t>
               </a:r>
-              <a:endParaRPr lang="es-ES_tradnl" dirty="0"/>
             </a:p>
           </p:txBody>
         </p:sp>
@@ -20530,13 +20304,6 @@
   <p:clrMapOvr>
     <a:masterClrMapping/>
   </p:clrMapOvr>
-  <p:timing>
-    <p:tnLst>
-      <p:par>
-        <p:cTn id="1" dur="indefinite" restart="never" nodeType="tmRoot"/>
-      </p:par>
-    </p:tnLst>
-  </p:timing>
 </p:sld>
 </file>
 
@@ -20580,28 +20347,27 @@
           <a:lstStyle/>
           <a:p>
             <a:r>
-              <a:rPr lang="es-ES_tradnl" dirty="0" smtClean="0"/>
+              <a:rPr lang="es-ES_tradnl" dirty="0"/>
               <a:t>1	0	1	2</a:t>
             </a:r>
           </a:p>
           <a:p>
             <a:r>
-              <a:rPr lang="es-ES_tradnl" dirty="0" smtClean="0"/>
+              <a:rPr lang="es-ES_tradnl" dirty="0"/>
               <a:t>1	1	0	0</a:t>
             </a:r>
           </a:p>
           <a:p>
             <a:r>
-              <a:rPr lang="es-ES_tradnl" dirty="0" smtClean="0"/>
+              <a:rPr lang="es-ES_tradnl" dirty="0"/>
               <a:t>0	2	1	0</a:t>
             </a:r>
           </a:p>
           <a:p>
             <a:r>
-              <a:rPr lang="es-ES_tradnl" dirty="0" smtClean="0"/>
+              <a:rPr lang="es-ES_tradnl" dirty="0"/>
               <a:t>0	2	0	2	</a:t>
             </a:r>
-            <a:endParaRPr lang="es-ES_tradnl" dirty="0"/>
           </a:p>
         </p:txBody>
       </p:sp>
@@ -20667,10 +20433,9 @@
           <a:lstStyle/>
           <a:p>
             <a:r>
-              <a:rPr lang="es-ES_tradnl" dirty="0" smtClean="0"/>
+              <a:rPr lang="es-ES_tradnl" dirty="0"/>
               <a:t>I =</a:t>
             </a:r>
-            <a:endParaRPr lang="es-ES_tradnl" dirty="0"/>
           </a:p>
         </p:txBody>
       </p:sp>
@@ -20697,37 +20462,37 @@
           <a:lstStyle/>
           <a:p>
             <a:r>
-              <a:rPr lang="en-US" dirty="0" smtClean="0"/>
+              <a:rPr lang="en-US" dirty="0"/>
               <a:t>Example:</a:t>
             </a:r>
           </a:p>
           <a:p>
             <a:r>
-              <a:rPr lang="en-US" dirty="0" smtClean="0"/>
+              <a:rPr lang="en-US" dirty="0"/>
               <a:t>Given an </a:t>
             </a:r>
             <a:r>
-              <a:rPr lang="en-US" dirty="0" err="1" smtClean="0"/>
+              <a:rPr lang="en-US" dirty="0" err="1"/>
               <a:t>imagen</a:t>
             </a:r>
             <a:r>
-              <a:rPr lang="en-US" dirty="0" smtClean="0"/>
+              <a:rPr lang="en-US" dirty="0"/>
               <a:t> I, the co-</a:t>
             </a:r>
             <a:r>
-              <a:rPr lang="en-US" dirty="0" err="1" smtClean="0"/>
+              <a:rPr lang="en-US" dirty="0" err="1"/>
               <a:t>ccurrence</a:t>
             </a:r>
             <a:r>
-              <a:rPr lang="en-US" dirty="0" smtClean="0"/>
+              <a:rPr lang="en-US" dirty="0"/>
               <a:t> matrix P</a:t>
             </a:r>
             <a:r>
-              <a:rPr lang="en-US" baseline="-25000" dirty="0" smtClean="0"/>
+              <a:rPr lang="en-US" baseline="-25000" dirty="0"/>
               <a:t>11</a:t>
             </a:r>
             <a:r>
-              <a:rPr lang="en-US" dirty="0" smtClean="0"/>
+              <a:rPr lang="en-US" dirty="0"/>
               <a:t> is:</a:t>
             </a:r>
             <a:endParaRPr lang="en-US" baseline="-25000" dirty="0"/>
@@ -20757,16 +20522,15 @@
           <a:lstStyle/>
           <a:p>
             <a:r>
-              <a:rPr lang="en-US" b="1" dirty="0" smtClean="0"/>
+              <a:rPr lang="en-US" b="1" dirty="0"/>
               <a:t>Co-occurrence matrices</a:t>
             </a:r>
           </a:p>
           <a:p>
             <a:r>
-              <a:rPr lang="en-US" dirty="0" smtClean="0"/>
+              <a:rPr lang="en-US" dirty="0"/>
               <a:t>They measure how is the distribution of co-occurring of pairs of pixels in an image.</a:t>
             </a:r>
-            <a:endParaRPr lang="en-US" dirty="0"/>
           </a:p>
         </p:txBody>
       </p:sp>
@@ -20793,28 +20557,27 @@
           <a:lstStyle/>
           <a:p>
             <a:r>
-              <a:rPr lang="es-ES_tradnl" dirty="0" smtClean="0"/>
+              <a:rPr lang="es-ES_tradnl" dirty="0"/>
               <a:t> 	 	 	 </a:t>
             </a:r>
           </a:p>
           <a:p>
             <a:r>
-              <a:rPr lang="es-ES_tradnl" dirty="0" smtClean="0"/>
+              <a:rPr lang="es-ES_tradnl" dirty="0"/>
               <a:t>          	?	?	?</a:t>
             </a:r>
           </a:p>
           <a:p>
             <a:r>
-              <a:rPr lang="es-ES_tradnl" dirty="0" smtClean="0"/>
+              <a:rPr lang="es-ES_tradnl" dirty="0"/>
               <a:t>          	?	?	?</a:t>
             </a:r>
           </a:p>
           <a:p>
             <a:r>
-              <a:rPr lang="es-ES_tradnl" dirty="0" smtClean="0"/>
+              <a:rPr lang="es-ES_tradnl" dirty="0"/>
               <a:t>          	?	?	?	</a:t>
             </a:r>
-            <a:endParaRPr lang="es-ES_tradnl" dirty="0"/>
           </a:p>
         </p:txBody>
       </p:sp>
@@ -20894,15 +20657,15 @@
             <a:lstStyle/>
             <a:p>
               <a:r>
-                <a:rPr lang="es-ES_tradnl" dirty="0" smtClean="0"/>
+                <a:rPr lang="es-ES_tradnl" dirty="0"/>
                 <a:t>P</a:t>
               </a:r>
               <a:r>
-                <a:rPr lang="es-ES_tradnl" baseline="-25000" dirty="0" smtClean="0"/>
+                <a:rPr lang="es-ES_tradnl" baseline="-25000" dirty="0"/>
                 <a:t>11</a:t>
               </a:r>
               <a:r>
-                <a:rPr lang="es-ES_tradnl" dirty="0" smtClean="0"/>
+                <a:rPr lang="es-ES_tradnl" dirty="0"/>
                 <a:t> =</a:t>
               </a:r>
               <a:endParaRPr lang="es-ES_tradnl" baseline="-25000" dirty="0"/>
@@ -20947,17 +20710,16 @@
               <a:p>
                 <a:pPr algn="ctr"/>
                 <a:r>
-                  <a:rPr lang="es-ES_tradnl" dirty="0" smtClean="0"/>
+                  <a:rPr lang="es-ES_tradnl" dirty="0"/>
                   <a:t>1</a:t>
                 </a:r>
               </a:p>
               <a:p>
                 <a:pPr algn="ctr"/>
                 <a:r>
-                  <a:rPr lang="es-ES_tradnl" dirty="0" smtClean="0"/>
+                  <a:rPr lang="es-ES_tradnl" dirty="0"/>
                   <a:t> ?</a:t>
                 </a:r>
-                <a:endParaRPr lang="es-ES_tradnl" dirty="0"/>
               </a:p>
             </p:txBody>
           </p:sp>
@@ -21172,6 +20934,85 @@
           </p:txBody>
         </p:sp>
       </p:grpSp>
+      <p:cxnSp>
+        <p:nvCxnSpPr>
+          <p:cNvPr id="18" name="Straight Arrow Connector 17">
+            <a:extLst>
+              <a:ext uri="{FF2B5EF4-FFF2-40B4-BE49-F238E27FC236}">
+                <a16:creationId xmlns:a16="http://schemas.microsoft.com/office/drawing/2014/main" id="{F129DC8B-B85A-D349-BB4D-B9778BD00088}"/>
+              </a:ext>
+            </a:extLst>
+          </p:cNvPr>
+          <p:cNvCxnSpPr>
+            <a:cxnSpLocks/>
+          </p:cNvCxnSpPr>
+          <p:nvPr/>
+        </p:nvCxnSpPr>
+        <p:spPr>
+          <a:xfrm>
+            <a:off x="5634351" y="4338475"/>
+            <a:ext cx="446568" cy="467831"/>
+          </a:xfrm>
+          <a:prstGeom prst="straightConnector1">
+            <a:avLst/>
+          </a:prstGeom>
+          <a:ln w="47625">
+            <a:solidFill>
+              <a:srgbClr val="FF0000"/>
+            </a:solidFill>
+            <a:tailEnd type="triangle"/>
+          </a:ln>
+        </p:spPr>
+        <p:style>
+          <a:lnRef idx="1">
+            <a:schemeClr val="accent1"/>
+          </a:lnRef>
+          <a:fillRef idx="0">
+            <a:schemeClr val="accent1"/>
+          </a:fillRef>
+          <a:effectRef idx="0">
+            <a:schemeClr val="accent1"/>
+          </a:effectRef>
+          <a:fontRef idx="minor">
+            <a:schemeClr val="tx1"/>
+          </a:fontRef>
+        </p:style>
+      </p:cxnSp>
+      <p:sp>
+        <p:nvSpPr>
+          <p:cNvPr id="19" name="TextBox 18">
+            <a:extLst>
+              <a:ext uri="{FF2B5EF4-FFF2-40B4-BE49-F238E27FC236}">
+                <a16:creationId xmlns:a16="http://schemas.microsoft.com/office/drawing/2014/main" id="{FE26448F-308E-5642-8DAB-CF82AACF075E}"/>
+              </a:ext>
+            </a:extLst>
+          </p:cNvPr>
+          <p:cNvSpPr txBox="1"/>
+          <p:nvPr/>
+        </p:nvSpPr>
+        <p:spPr>
+          <a:xfrm>
+            <a:off x="5550198" y="4476305"/>
+            <a:ext cx="288862" cy="369332"/>
+          </a:xfrm>
+          <a:prstGeom prst="rect">
+            <a:avLst/>
+          </a:prstGeom>
+          <a:noFill/>
+        </p:spPr>
+        <p:txBody>
+          <a:bodyPr wrap="none" rtlCol="0">
+            <a:spAutoFit/>
+          </a:bodyPr>
+          <a:lstStyle/>
+          <a:p>
+            <a:r>
+              <a:rPr lang="en-US" dirty="0"/>
+              <a:t>v</a:t>
+            </a:r>
+          </a:p>
+        </p:txBody>
+      </p:sp>
     </p:spTree>
     <p:extLst>
       <p:ext uri="{BB962C8B-B14F-4D97-AF65-F5344CB8AC3E}">
@@ -21182,13 +21023,6 @@
   <p:clrMapOvr>
     <a:masterClrMapping/>
   </p:clrMapOvr>
-  <p:timing>
-    <p:tnLst>
-      <p:par>
-        <p:cTn id="1" dur="indefinite" restart="never" nodeType="tmRoot"/>
-      </p:par>
-    </p:tnLst>
-  </p:timing>
 </p:sld>
 </file>
 
@@ -21232,28 +21066,27 @@
           <a:lstStyle/>
           <a:p>
             <a:r>
-              <a:rPr lang="es-ES_tradnl" dirty="0" smtClean="0"/>
+              <a:rPr lang="es-ES_tradnl" dirty="0"/>
               <a:t>1	0	1	2</a:t>
             </a:r>
           </a:p>
           <a:p>
             <a:r>
-              <a:rPr lang="es-ES_tradnl" dirty="0" smtClean="0"/>
+              <a:rPr lang="es-ES_tradnl" dirty="0"/>
               <a:t>1	1	0	0</a:t>
             </a:r>
           </a:p>
           <a:p>
             <a:r>
-              <a:rPr lang="es-ES_tradnl" dirty="0" smtClean="0"/>
+              <a:rPr lang="es-ES_tradnl" dirty="0"/>
               <a:t>0	2	1	0</a:t>
             </a:r>
           </a:p>
           <a:p>
             <a:r>
-              <a:rPr lang="es-ES_tradnl" dirty="0" smtClean="0"/>
+              <a:rPr lang="es-ES_tradnl" dirty="0"/>
               <a:t>0	2	0	2	</a:t>
             </a:r>
-            <a:endParaRPr lang="es-ES_tradnl" dirty="0"/>
           </a:p>
         </p:txBody>
       </p:sp>
@@ -21319,10 +21152,9 @@
           <a:lstStyle/>
           <a:p>
             <a:r>
-              <a:rPr lang="es-ES_tradnl" dirty="0" smtClean="0"/>
+              <a:rPr lang="es-ES_tradnl" dirty="0"/>
               <a:t>I =</a:t>
             </a:r>
-            <a:endParaRPr lang="es-ES_tradnl" dirty="0"/>
           </a:p>
         </p:txBody>
       </p:sp>
@@ -21349,37 +21181,37 @@
           <a:lstStyle/>
           <a:p>
             <a:r>
-              <a:rPr lang="en-US" dirty="0" smtClean="0"/>
+              <a:rPr lang="en-US" dirty="0"/>
               <a:t>Example:</a:t>
             </a:r>
           </a:p>
           <a:p>
             <a:r>
-              <a:rPr lang="en-US" dirty="0" smtClean="0"/>
+              <a:rPr lang="en-US" dirty="0"/>
               <a:t>Given an </a:t>
             </a:r>
             <a:r>
-              <a:rPr lang="en-US" dirty="0" err="1" smtClean="0"/>
+              <a:rPr lang="en-US" dirty="0" err="1"/>
               <a:t>imagen</a:t>
             </a:r>
             <a:r>
-              <a:rPr lang="en-US" dirty="0" smtClean="0"/>
+              <a:rPr lang="en-US" dirty="0"/>
               <a:t> I, the co-</a:t>
             </a:r>
             <a:r>
-              <a:rPr lang="en-US" dirty="0" err="1" smtClean="0"/>
+              <a:rPr lang="en-US" dirty="0" err="1"/>
               <a:t>ccurrence</a:t>
             </a:r>
             <a:r>
-              <a:rPr lang="en-US" dirty="0" smtClean="0"/>
+              <a:rPr lang="en-US" dirty="0"/>
               <a:t> matrix P</a:t>
             </a:r>
             <a:r>
-              <a:rPr lang="en-US" baseline="-25000" dirty="0" smtClean="0"/>
+              <a:rPr lang="en-US" baseline="-25000" dirty="0"/>
               <a:t>11</a:t>
             </a:r>
             <a:r>
-              <a:rPr lang="en-US" dirty="0" smtClean="0"/>
+              <a:rPr lang="en-US" dirty="0"/>
               <a:t> is:</a:t>
             </a:r>
             <a:endParaRPr lang="en-US" baseline="-25000" dirty="0"/>
@@ -21409,16 +21241,15 @@
           <a:lstStyle/>
           <a:p>
             <a:r>
-              <a:rPr lang="en-US" b="1" dirty="0" smtClean="0"/>
+              <a:rPr lang="en-US" b="1" dirty="0"/>
               <a:t>Co-occurrence matrices</a:t>
             </a:r>
           </a:p>
           <a:p>
             <a:r>
-              <a:rPr lang="en-US" dirty="0" smtClean="0"/>
+              <a:rPr lang="en-US" dirty="0"/>
               <a:t>They measure how is the distribution of co-occurring of pairs of pixels in an image.</a:t>
             </a:r>
-            <a:endParaRPr lang="en-US" dirty="0"/>
           </a:p>
         </p:txBody>
       </p:sp>
@@ -21445,28 +21276,27 @@
           <a:lstStyle/>
           <a:p>
             <a:r>
-              <a:rPr lang="es-ES_tradnl" dirty="0" smtClean="0"/>
+              <a:rPr lang="es-ES_tradnl" dirty="0"/>
               <a:t> 	 	 	 </a:t>
             </a:r>
           </a:p>
           <a:p>
             <a:r>
-              <a:rPr lang="es-ES_tradnl" dirty="0" smtClean="0"/>
+              <a:rPr lang="es-ES_tradnl" dirty="0"/>
               <a:t>          	2	0	1</a:t>
             </a:r>
           </a:p>
           <a:p>
             <a:r>
-              <a:rPr lang="es-ES_tradnl" dirty="0" smtClean="0"/>
+              <a:rPr lang="es-ES_tradnl" dirty="0"/>
               <a:t>          	1	2	2</a:t>
             </a:r>
           </a:p>
           <a:p>
             <a:r>
-              <a:rPr lang="es-ES_tradnl" dirty="0" smtClean="0"/>
+              <a:rPr lang="es-ES_tradnl" dirty="0"/>
               <a:t>          	1	0	0	</a:t>
             </a:r>
-            <a:endParaRPr lang="es-ES_tradnl" dirty="0"/>
           </a:p>
         </p:txBody>
       </p:sp>
@@ -21546,15 +21376,15 @@
             <a:lstStyle/>
             <a:p>
               <a:r>
-                <a:rPr lang="es-ES_tradnl" dirty="0" smtClean="0"/>
+                <a:rPr lang="es-ES_tradnl" dirty="0"/>
                 <a:t>P</a:t>
               </a:r>
               <a:r>
-                <a:rPr lang="es-ES_tradnl" baseline="-25000" dirty="0" smtClean="0"/>
+                <a:rPr lang="es-ES_tradnl" baseline="-25000" dirty="0"/>
                 <a:t>11</a:t>
               </a:r>
               <a:r>
-                <a:rPr lang="es-ES_tradnl" dirty="0" smtClean="0"/>
+                <a:rPr lang="es-ES_tradnl" dirty="0"/>
                 <a:t> =</a:t>
               </a:r>
               <a:endParaRPr lang="es-ES_tradnl" baseline="-25000" dirty="0"/>
@@ -21599,17 +21429,16 @@
               <a:p>
                 <a:pPr algn="ctr"/>
                 <a:r>
-                  <a:rPr lang="es-ES_tradnl" dirty="0" smtClean="0"/>
+                  <a:rPr lang="es-ES_tradnl" dirty="0"/>
                   <a:t>1</a:t>
                 </a:r>
               </a:p>
               <a:p>
                 <a:pPr algn="ctr"/>
                 <a:r>
-                  <a:rPr lang="es-ES_tradnl" dirty="0" smtClean="0"/>
+                  <a:rPr lang="es-ES_tradnl" dirty="0"/>
                   <a:t> 9</a:t>
                 </a:r>
-                <a:endParaRPr lang="es-ES_tradnl" dirty="0"/>
               </a:p>
             </p:txBody>
           </p:sp>
@@ -21824,6 +21653,85 @@
           </p:txBody>
         </p:sp>
       </p:grpSp>
+      <p:cxnSp>
+        <p:nvCxnSpPr>
+          <p:cNvPr id="21" name="Straight Arrow Connector 20">
+            <a:extLst>
+              <a:ext uri="{FF2B5EF4-FFF2-40B4-BE49-F238E27FC236}">
+                <a16:creationId xmlns:a16="http://schemas.microsoft.com/office/drawing/2014/main" id="{3D66FB15-C86C-D142-BA97-AE842AC4D4F5}"/>
+              </a:ext>
+            </a:extLst>
+          </p:cNvPr>
+          <p:cNvCxnSpPr>
+            <a:cxnSpLocks/>
+          </p:cNvCxnSpPr>
+          <p:nvPr/>
+        </p:nvCxnSpPr>
+        <p:spPr>
+          <a:xfrm>
+            <a:off x="5634351" y="4338475"/>
+            <a:ext cx="446568" cy="467831"/>
+          </a:xfrm>
+          <a:prstGeom prst="straightConnector1">
+            <a:avLst/>
+          </a:prstGeom>
+          <a:ln w="47625">
+            <a:solidFill>
+              <a:srgbClr val="FF0000"/>
+            </a:solidFill>
+            <a:tailEnd type="triangle"/>
+          </a:ln>
+        </p:spPr>
+        <p:style>
+          <a:lnRef idx="1">
+            <a:schemeClr val="accent1"/>
+          </a:lnRef>
+          <a:fillRef idx="0">
+            <a:schemeClr val="accent1"/>
+          </a:fillRef>
+          <a:effectRef idx="0">
+            <a:schemeClr val="accent1"/>
+          </a:effectRef>
+          <a:fontRef idx="minor">
+            <a:schemeClr val="tx1"/>
+          </a:fontRef>
+        </p:style>
+      </p:cxnSp>
+      <p:sp>
+        <p:nvSpPr>
+          <p:cNvPr id="22" name="TextBox 21">
+            <a:extLst>
+              <a:ext uri="{FF2B5EF4-FFF2-40B4-BE49-F238E27FC236}">
+                <a16:creationId xmlns:a16="http://schemas.microsoft.com/office/drawing/2014/main" id="{312E5C16-F7A4-D04E-8345-2F41DE301D8C}"/>
+              </a:ext>
+            </a:extLst>
+          </p:cNvPr>
+          <p:cNvSpPr txBox="1"/>
+          <p:nvPr/>
+        </p:nvSpPr>
+        <p:spPr>
+          <a:xfrm>
+            <a:off x="5550198" y="4476305"/>
+            <a:ext cx="288862" cy="369332"/>
+          </a:xfrm>
+          <a:prstGeom prst="rect">
+            <a:avLst/>
+          </a:prstGeom>
+          <a:noFill/>
+        </p:spPr>
+        <p:txBody>
+          <a:bodyPr wrap="none" rtlCol="0">
+            <a:spAutoFit/>
+          </a:bodyPr>
+          <a:lstStyle/>
+          <a:p>
+            <a:r>
+              <a:rPr lang="en-US" dirty="0"/>
+              <a:t>v</a:t>
+            </a:r>
+          </a:p>
+        </p:txBody>
+      </p:sp>
     </p:spTree>
     <p:extLst>
       <p:ext uri="{BB962C8B-B14F-4D97-AF65-F5344CB8AC3E}">
@@ -21834,13 +21742,6 @@
   <p:clrMapOvr>
     <a:masterClrMapping/>
   </p:clrMapOvr>
-  <p:timing>
-    <p:tnLst>
-      <p:par>
-        <p:cTn id="1" dur="indefinite" restart="never" nodeType="tmRoot"/>
-      </p:par>
-    </p:tnLst>
-  </p:timing>
 </p:sld>
 </file>
 
@@ -21884,30 +21785,26 @@
           <a:lstStyle/>
           <a:p>
             <a:r>
-              <a:rPr lang="en-US" dirty="0" smtClean="0">
+              <a:rPr lang="en-US" dirty="0">
                 <a:latin typeface="Trebuchet MS"/>
                 <a:cs typeface="Trebuchet MS"/>
               </a:rPr>
               <a:t>Definition of the Co-</a:t>
             </a:r>
             <a:r>
-              <a:rPr lang="en-US" dirty="0" err="1" smtClean="0">
+              <a:rPr lang="en-US" dirty="0" err="1">
                 <a:latin typeface="Trebuchet MS"/>
                 <a:cs typeface="Trebuchet MS"/>
               </a:rPr>
               <a:t>ocurrence</a:t>
             </a:r>
             <a:r>
-              <a:rPr lang="en-US" dirty="0" smtClean="0">
+              <a:rPr lang="en-US" dirty="0">
                 <a:latin typeface="Trebuchet MS"/>
                 <a:cs typeface="Trebuchet MS"/>
               </a:rPr>
               <a:t> Matrix</a:t>
             </a:r>
-            <a:endParaRPr lang="en-US" dirty="0">
-              <a:latin typeface="Trebuchet MS"/>
-              <a:cs typeface="Trebuchet MS"/>
-            </a:endParaRPr>
           </a:p>
         </p:txBody>
       </p:sp>
@@ -21933,7 +21830,7 @@
           <a:graphicData uri="http://schemas.openxmlformats.org/presentationml/2006/ole">
             <mc:AlternateContent xmlns:mc="http://schemas.openxmlformats.org/markup-compatibility/2006">
               <mc:Choice xmlns:v="urn:schemas-microsoft-com:vml" Requires="v">
-                <p:oleObj spid="_x0000_s1042" name="Equation" r:id="rId3" imgW="3644900" imgH="546100" progId="Equation.3">
+                <p:oleObj spid="_x0000_s1044" name="Equation" r:id="rId3" imgW="3644900" imgH="546100" progId="Equation.3">
                   <p:embed/>
                 </p:oleObj>
               </mc:Choice>
@@ -22079,28 +21976,475 @@
             <a:lstStyle/>
             <a:p>
               <a:r>
-                <a:rPr lang="en-US" dirty="0" smtClean="0"/>
+                <a:rPr lang="en-US" dirty="0"/>
                 <a:t>Vector</a:t>
               </a:r>
               <a:r>
-                <a:rPr lang="en-US" b="1" dirty="0" smtClean="0"/>
+                <a:rPr lang="en-US" b="1" dirty="0"/>
                 <a:t> </a:t>
               </a:r>
               <a:r>
-                <a:rPr lang="en-US" b="1" dirty="0" smtClean="0">
+                <a:rPr lang="en-US" b="1" dirty="0">
                   <a:latin typeface="LM Roman 10 Regular"/>
                   <a:cs typeface="LM Roman 10 Regular"/>
                 </a:rPr>
                 <a:t>v</a:t>
               </a:r>
-              <a:endParaRPr lang="en-US" b="1" dirty="0">
-                <a:latin typeface="LM Roman 10 Regular"/>
-                <a:cs typeface="LM Roman 10 Regular"/>
-              </a:endParaRPr>
             </a:p>
           </p:txBody>
         </p:sp>
       </p:grpSp>
+      <p:cxnSp>
+        <p:nvCxnSpPr>
+          <p:cNvPr id="8" name="Straight Arrow Connector 7">
+            <a:extLst>
+              <a:ext uri="{FF2B5EF4-FFF2-40B4-BE49-F238E27FC236}">
+                <a16:creationId xmlns:a16="http://schemas.microsoft.com/office/drawing/2014/main" id="{A436FD3C-CB55-B047-9170-5777B978CBEB}"/>
+              </a:ext>
+            </a:extLst>
+          </p:cNvPr>
+          <p:cNvCxnSpPr>
+            <a:cxnSpLocks/>
+          </p:cNvCxnSpPr>
+          <p:nvPr/>
+        </p:nvCxnSpPr>
+        <p:spPr>
+          <a:xfrm>
+            <a:off x="2708754" y="5585129"/>
+            <a:ext cx="631416" cy="610678"/>
+          </a:xfrm>
+          <a:prstGeom prst="straightConnector1">
+            <a:avLst/>
+          </a:prstGeom>
+          <a:ln w="47625">
+            <a:solidFill>
+              <a:srgbClr val="FF0000"/>
+            </a:solidFill>
+            <a:tailEnd type="triangle"/>
+          </a:ln>
+        </p:spPr>
+        <p:style>
+          <a:lnRef idx="1">
+            <a:schemeClr val="accent1"/>
+          </a:lnRef>
+          <a:fillRef idx="0">
+            <a:schemeClr val="accent1"/>
+          </a:fillRef>
+          <a:effectRef idx="0">
+            <a:schemeClr val="accent1"/>
+          </a:effectRef>
+          <a:fontRef idx="minor">
+            <a:schemeClr val="tx1"/>
+          </a:fontRef>
+        </p:style>
+      </p:cxnSp>
+      <p:sp>
+        <p:nvSpPr>
+          <p:cNvPr id="13" name="TextBox 12">
+            <a:extLst>
+              <a:ext uri="{FF2B5EF4-FFF2-40B4-BE49-F238E27FC236}">
+                <a16:creationId xmlns:a16="http://schemas.microsoft.com/office/drawing/2014/main" id="{8DA6442F-892B-4041-965A-DBED082B56A5}"/>
+              </a:ext>
+            </a:extLst>
+          </p:cNvPr>
+          <p:cNvSpPr txBox="1"/>
+          <p:nvPr/>
+        </p:nvSpPr>
+        <p:spPr>
+          <a:xfrm>
+            <a:off x="2902685" y="4986670"/>
+            <a:ext cx="248786" cy="369332"/>
+          </a:xfrm>
+          <a:prstGeom prst="rect">
+            <a:avLst/>
+          </a:prstGeom>
+          <a:noFill/>
+        </p:spPr>
+        <p:txBody>
+          <a:bodyPr wrap="none" rtlCol="0">
+            <a:spAutoFit/>
+          </a:bodyPr>
+          <a:lstStyle/>
+          <a:p>
+            <a:r>
+              <a:rPr lang="en-US" i="1" dirty="0">
+                <a:latin typeface="Times New Roman" panose="02020603050405020304" pitchFamily="18" charset="0"/>
+                <a:cs typeface="Times New Roman" panose="02020603050405020304" pitchFamily="18" charset="0"/>
+              </a:rPr>
+              <a:t>l</a:t>
+            </a:r>
+          </a:p>
+        </p:txBody>
+      </p:sp>
+      <p:sp>
+        <p:nvSpPr>
+          <p:cNvPr id="15" name="TextBox 14">
+            <a:extLst>
+              <a:ext uri="{FF2B5EF4-FFF2-40B4-BE49-F238E27FC236}">
+                <a16:creationId xmlns:a16="http://schemas.microsoft.com/office/drawing/2014/main" id="{2F627B54-1409-2C42-85FB-5A3559F47656}"/>
+              </a:ext>
+            </a:extLst>
+          </p:cNvPr>
+          <p:cNvSpPr txBox="1"/>
+          <p:nvPr/>
+        </p:nvSpPr>
+        <p:spPr>
+          <a:xfrm>
+            <a:off x="2044396" y="5786920"/>
+            <a:ext cx="287258" cy="369332"/>
+          </a:xfrm>
+          <a:prstGeom prst="rect">
+            <a:avLst/>
+          </a:prstGeom>
+          <a:noFill/>
+        </p:spPr>
+        <p:txBody>
+          <a:bodyPr wrap="none" rtlCol="0">
+            <a:spAutoFit/>
+          </a:bodyPr>
+          <a:lstStyle/>
+          <a:p>
+            <a:r>
+              <a:rPr lang="en-US" i="1" dirty="0">
+                <a:latin typeface="Times New Roman" panose="02020603050405020304" pitchFamily="18" charset="0"/>
+                <a:cs typeface="Times New Roman" panose="02020603050405020304" pitchFamily="18" charset="0"/>
+              </a:rPr>
+              <a:t>k</a:t>
+            </a:r>
+          </a:p>
+        </p:txBody>
+      </p:sp>
+      <p:sp>
+        <p:nvSpPr>
+          <p:cNvPr id="16" name="TextBox 15">
+            <a:extLst>
+              <a:ext uri="{FF2B5EF4-FFF2-40B4-BE49-F238E27FC236}">
+                <a16:creationId xmlns:a16="http://schemas.microsoft.com/office/drawing/2014/main" id="{A5E82C94-BEDB-2846-AB7C-4BB062712602}"/>
+              </a:ext>
+            </a:extLst>
+          </p:cNvPr>
+          <p:cNvSpPr txBox="1"/>
+          <p:nvPr/>
+        </p:nvSpPr>
+        <p:spPr>
+          <a:xfrm>
+            <a:off x="2932038" y="5510843"/>
+            <a:ext cx="288862" cy="369332"/>
+          </a:xfrm>
+          <a:prstGeom prst="rect">
+            <a:avLst/>
+          </a:prstGeom>
+          <a:noFill/>
+        </p:spPr>
+        <p:txBody>
+          <a:bodyPr wrap="none" rtlCol="0">
+            <a:spAutoFit/>
+          </a:bodyPr>
+          <a:lstStyle/>
+          <a:p>
+            <a:r>
+              <a:rPr lang="en-US" dirty="0"/>
+              <a:t>v</a:t>
+            </a:r>
+          </a:p>
+        </p:txBody>
+      </p:sp>
+      <p:cxnSp>
+        <p:nvCxnSpPr>
+          <p:cNvPr id="18" name="Straight Connector 17">
+            <a:extLst>
+              <a:ext uri="{FF2B5EF4-FFF2-40B4-BE49-F238E27FC236}">
+                <a16:creationId xmlns:a16="http://schemas.microsoft.com/office/drawing/2014/main" id="{0410FD4F-74A1-3C41-8953-68E54834B675}"/>
+              </a:ext>
+            </a:extLst>
+          </p:cNvPr>
+          <p:cNvCxnSpPr/>
+          <p:nvPr/>
+        </p:nvCxnSpPr>
+        <p:spPr>
+          <a:xfrm>
+            <a:off x="2708754" y="5061098"/>
+            <a:ext cx="0" cy="1531088"/>
+          </a:xfrm>
+          <a:prstGeom prst="line">
+            <a:avLst/>
+          </a:prstGeom>
+          <a:ln>
+            <a:prstDash val="sysDash"/>
+          </a:ln>
+        </p:spPr>
+        <p:style>
+          <a:lnRef idx="1">
+            <a:schemeClr val="accent1"/>
+          </a:lnRef>
+          <a:fillRef idx="0">
+            <a:schemeClr val="accent1"/>
+          </a:fillRef>
+          <a:effectRef idx="0">
+            <a:schemeClr val="accent1"/>
+          </a:effectRef>
+          <a:fontRef idx="minor">
+            <a:schemeClr val="tx1"/>
+          </a:fontRef>
+        </p:style>
+      </p:cxnSp>
+      <p:cxnSp>
+        <p:nvCxnSpPr>
+          <p:cNvPr id="19" name="Straight Connector 18">
+            <a:extLst>
+              <a:ext uri="{FF2B5EF4-FFF2-40B4-BE49-F238E27FC236}">
+                <a16:creationId xmlns:a16="http://schemas.microsoft.com/office/drawing/2014/main" id="{001CFEE8-F160-7644-A107-8B130A977369}"/>
+              </a:ext>
+            </a:extLst>
+          </p:cNvPr>
+          <p:cNvCxnSpPr/>
+          <p:nvPr/>
+        </p:nvCxnSpPr>
+        <p:spPr>
+          <a:xfrm>
+            <a:off x="3358077" y="5021376"/>
+            <a:ext cx="0" cy="1531088"/>
+          </a:xfrm>
+          <a:prstGeom prst="line">
+            <a:avLst/>
+          </a:prstGeom>
+          <a:ln>
+            <a:prstDash val="sysDash"/>
+          </a:ln>
+        </p:spPr>
+        <p:style>
+          <a:lnRef idx="1">
+            <a:schemeClr val="accent1"/>
+          </a:lnRef>
+          <a:fillRef idx="0">
+            <a:schemeClr val="accent1"/>
+          </a:fillRef>
+          <a:effectRef idx="0">
+            <a:schemeClr val="accent1"/>
+          </a:effectRef>
+          <a:fontRef idx="minor">
+            <a:schemeClr val="tx1"/>
+          </a:fontRef>
+        </p:style>
+      </p:cxnSp>
+      <p:grpSp>
+        <p:nvGrpSpPr>
+          <p:cNvPr id="23" name="Group 22">
+            <a:extLst>
+              <a:ext uri="{FF2B5EF4-FFF2-40B4-BE49-F238E27FC236}">
+                <a16:creationId xmlns:a16="http://schemas.microsoft.com/office/drawing/2014/main" id="{7B6E9B77-1343-DD48-BC51-B255A9FB8C00}"/>
+              </a:ext>
+            </a:extLst>
+          </p:cNvPr>
+          <p:cNvGrpSpPr/>
+          <p:nvPr/>
+        </p:nvGrpSpPr>
+        <p:grpSpPr>
+          <a:xfrm rot="5400000">
+            <a:off x="2896238" y="5109474"/>
+            <a:ext cx="649323" cy="1570810"/>
+            <a:chOff x="2861154" y="5173776"/>
+            <a:chExt cx="649323" cy="1570810"/>
+          </a:xfrm>
+        </p:grpSpPr>
+        <p:cxnSp>
+          <p:nvCxnSpPr>
+            <p:cNvPr id="21" name="Straight Connector 20">
+              <a:extLst>
+                <a:ext uri="{FF2B5EF4-FFF2-40B4-BE49-F238E27FC236}">
+                  <a16:creationId xmlns:a16="http://schemas.microsoft.com/office/drawing/2014/main" id="{8B4ABF1A-5DDD-014D-8B36-93DB6CFFB8A4}"/>
+                </a:ext>
+              </a:extLst>
+            </p:cNvPr>
+            <p:cNvCxnSpPr/>
+            <p:nvPr/>
+          </p:nvCxnSpPr>
+          <p:spPr>
+            <a:xfrm>
+              <a:off x="2861154" y="5213498"/>
+              <a:ext cx="0" cy="1531088"/>
+            </a:xfrm>
+            <a:prstGeom prst="line">
+              <a:avLst/>
+            </a:prstGeom>
+            <a:ln>
+              <a:prstDash val="sysDash"/>
+            </a:ln>
+          </p:spPr>
+          <p:style>
+            <a:lnRef idx="1">
+              <a:schemeClr val="accent1"/>
+            </a:lnRef>
+            <a:fillRef idx="0">
+              <a:schemeClr val="accent1"/>
+            </a:fillRef>
+            <a:effectRef idx="0">
+              <a:schemeClr val="accent1"/>
+            </a:effectRef>
+            <a:fontRef idx="minor">
+              <a:schemeClr val="tx1"/>
+            </a:fontRef>
+          </p:style>
+        </p:cxnSp>
+        <p:cxnSp>
+          <p:nvCxnSpPr>
+            <p:cNvPr id="22" name="Straight Connector 21">
+              <a:extLst>
+                <a:ext uri="{FF2B5EF4-FFF2-40B4-BE49-F238E27FC236}">
+                  <a16:creationId xmlns:a16="http://schemas.microsoft.com/office/drawing/2014/main" id="{94A43E11-290B-6941-B9F7-56072CB7CF72}"/>
+                </a:ext>
+              </a:extLst>
+            </p:cNvPr>
+            <p:cNvCxnSpPr/>
+            <p:nvPr/>
+          </p:nvCxnSpPr>
+          <p:spPr>
+            <a:xfrm>
+              <a:off x="3510477" y="5173776"/>
+              <a:ext cx="0" cy="1531088"/>
+            </a:xfrm>
+            <a:prstGeom prst="line">
+              <a:avLst/>
+            </a:prstGeom>
+            <a:ln>
+              <a:prstDash val="sysDash"/>
+            </a:ln>
+          </p:spPr>
+          <p:style>
+            <a:lnRef idx="1">
+              <a:schemeClr val="accent1"/>
+            </a:lnRef>
+            <a:fillRef idx="0">
+              <a:schemeClr val="accent1"/>
+            </a:fillRef>
+            <a:effectRef idx="0">
+              <a:schemeClr val="accent1"/>
+            </a:effectRef>
+            <a:fontRef idx="minor">
+              <a:schemeClr val="tx1"/>
+            </a:fontRef>
+          </p:style>
+        </p:cxnSp>
+      </p:grpSp>
+      <p:cxnSp>
+        <p:nvCxnSpPr>
+          <p:cNvPr id="26" name="Straight Arrow Connector 25">
+            <a:extLst>
+              <a:ext uri="{FF2B5EF4-FFF2-40B4-BE49-F238E27FC236}">
+                <a16:creationId xmlns:a16="http://schemas.microsoft.com/office/drawing/2014/main" id="{4F5C4867-27CD-A645-81A5-586BC4C18CD4}"/>
+              </a:ext>
+            </a:extLst>
+          </p:cNvPr>
+          <p:cNvCxnSpPr/>
+          <p:nvPr/>
+        </p:nvCxnSpPr>
+        <p:spPr>
+          <a:xfrm>
+            <a:off x="2713289" y="5326910"/>
+            <a:ext cx="648000" cy="0"/>
+          </a:xfrm>
+          <a:prstGeom prst="straightConnector1">
+            <a:avLst/>
+          </a:prstGeom>
+          <a:ln>
+            <a:tailEnd type="triangle"/>
+          </a:ln>
+        </p:spPr>
+        <p:style>
+          <a:lnRef idx="1">
+            <a:schemeClr val="accent1"/>
+          </a:lnRef>
+          <a:fillRef idx="0">
+            <a:schemeClr val="accent1"/>
+          </a:fillRef>
+          <a:effectRef idx="0">
+            <a:schemeClr val="accent1"/>
+          </a:effectRef>
+          <a:fontRef idx="minor">
+            <a:schemeClr val="tx1"/>
+          </a:fontRef>
+        </p:style>
+      </p:cxnSp>
+      <p:cxnSp>
+        <p:nvCxnSpPr>
+          <p:cNvPr id="27" name="Straight Arrow Connector 26">
+            <a:extLst>
+              <a:ext uri="{FF2B5EF4-FFF2-40B4-BE49-F238E27FC236}">
+                <a16:creationId xmlns:a16="http://schemas.microsoft.com/office/drawing/2014/main" id="{36117893-5CD8-B040-91ED-2BBD1010FD38}"/>
+              </a:ext>
+            </a:extLst>
+          </p:cNvPr>
+          <p:cNvCxnSpPr>
+            <a:cxnSpLocks/>
+          </p:cNvCxnSpPr>
+          <p:nvPr/>
+        </p:nvCxnSpPr>
+        <p:spPr>
+          <a:xfrm>
+            <a:off x="2475217" y="5570218"/>
+            <a:ext cx="0" cy="612000"/>
+          </a:xfrm>
+          <a:prstGeom prst="straightConnector1">
+            <a:avLst/>
+          </a:prstGeom>
+          <a:ln>
+            <a:tailEnd type="triangle"/>
+          </a:ln>
+        </p:spPr>
+        <p:style>
+          <a:lnRef idx="1">
+            <a:schemeClr val="accent1"/>
+          </a:lnRef>
+          <a:fillRef idx="0">
+            <a:schemeClr val="accent1"/>
+          </a:fillRef>
+          <a:effectRef idx="0">
+            <a:schemeClr val="accent1"/>
+          </a:effectRef>
+          <a:fontRef idx="minor">
+            <a:schemeClr val="tx1"/>
+          </a:fontRef>
+        </p:style>
+      </p:cxnSp>
+      <p:cxnSp>
+        <p:nvCxnSpPr>
+          <p:cNvPr id="30" name="Straight Arrow Connector 29">
+            <a:extLst>
+              <a:ext uri="{FF2B5EF4-FFF2-40B4-BE49-F238E27FC236}">
+                <a16:creationId xmlns:a16="http://schemas.microsoft.com/office/drawing/2014/main" id="{A26A3F7A-8C76-5D42-B30A-6FCDBF1F1809}"/>
+              </a:ext>
+            </a:extLst>
+          </p:cNvPr>
+          <p:cNvCxnSpPr/>
+          <p:nvPr/>
+        </p:nvCxnSpPr>
+        <p:spPr>
+          <a:xfrm>
+            <a:off x="1398760" y="4941622"/>
+            <a:ext cx="661767" cy="305534"/>
+          </a:xfrm>
+          <a:prstGeom prst="straightConnector1">
+            <a:avLst/>
+          </a:prstGeom>
+          <a:ln w="136525">
+            <a:tailEnd type="triangle"/>
+          </a:ln>
+        </p:spPr>
+        <p:style>
+          <a:lnRef idx="1">
+            <a:schemeClr val="accent1"/>
+          </a:lnRef>
+          <a:fillRef idx="0">
+            <a:schemeClr val="accent1"/>
+          </a:fillRef>
+          <a:effectRef idx="0">
+            <a:schemeClr val="accent1"/>
+          </a:effectRef>
+          <a:fontRef idx="minor">
+            <a:schemeClr val="tx1"/>
+          </a:fontRef>
+        </p:style>
+      </p:cxnSp>
     </p:spTree>
   </p:cSld>
   <p:clrMapOvr>
@@ -22224,7 +22568,7 @@
           <a:lstStyle/>
           <a:p>
             <a:r>
-              <a:rPr lang="en-US" sz="2800" dirty="0" smtClean="0">
+              <a:rPr lang="en-US" sz="2800" dirty="0">
                 <a:latin typeface="Trebuchet MS"/>
                 <a:cs typeface="Trebuchet MS"/>
               </a:rPr>
@@ -22233,16 +22577,12 @@
           </a:p>
           <a:p>
             <a:r>
-              <a:rPr lang="en-US" sz="2800" dirty="0" smtClean="0">
+              <a:rPr lang="en-US" sz="2800" dirty="0">
                 <a:latin typeface="Trebuchet MS"/>
                 <a:cs typeface="Trebuchet MS"/>
               </a:rPr>
               <a:t>the diagonal of the co-occurrence matrix is high ?</a:t>
             </a:r>
-            <a:endParaRPr lang="en-US" sz="2800" dirty="0">
-              <a:latin typeface="Trebuchet MS"/>
-              <a:cs typeface="Trebuchet MS"/>
-            </a:endParaRPr>
           </a:p>
         </p:txBody>
       </p:sp>
@@ -22268,19 +22608,12 @@
           </a:bodyPr>
           <a:lstStyle/>
           <a:p>
-            <a:r>
-              <a:rPr lang="en-US" sz="2800" dirty="0" smtClean="0">
-                <a:latin typeface="Trebuchet MS"/>
-                <a:cs typeface="Trebuchet MS"/>
-              </a:rPr>
-              <a:t>That means, that in the selected direction the pixel values do not change significantly</a:t>
-            </a:r>
             <a:r>
               <a:rPr lang="en-US" sz="2800" dirty="0">
                 <a:latin typeface="Trebuchet MS"/>
                 <a:cs typeface="Trebuchet MS"/>
               </a:rPr>
-              <a:t>.</a:t>
+              <a:t>That means, that in the selected direction the pixel values do not change significantly.</a:t>
             </a:r>
           </a:p>
         </p:txBody>
@@ -22514,16 +22847,12 @@
           <a:lstStyle/>
           <a:p>
             <a:r>
-              <a:rPr lang="en-US" sz="2800" dirty="0" smtClean="0">
+              <a:rPr lang="en-US" sz="2800" dirty="0">
                 <a:latin typeface="Trebuchet MS"/>
                 <a:cs typeface="Trebuchet MS"/>
               </a:rPr>
               <a:t>In this direction the pixel values do not change significantly. </a:t>
             </a:r>
-            <a:endParaRPr lang="en-US" sz="2800" dirty="0">
-              <a:latin typeface="Trebuchet MS"/>
-              <a:cs typeface="Trebuchet MS"/>
-            </a:endParaRPr>
           </a:p>
         </p:txBody>
       </p:sp>
@@ -22579,7 +22908,7 @@
           <a:lstStyle/>
           <a:p>
             <a:r>
-              <a:rPr lang="en-US" b="1" dirty="0" smtClean="0">
+              <a:rPr lang="en-US" b="1" dirty="0">
                 <a:latin typeface="LM Roman 10 Regular"/>
                 <a:cs typeface="LM Roman 10 Regular"/>
               </a:rPr>
@@ -22611,14 +22940,14 @@
           <a:lstStyle/>
           <a:p>
             <a:r>
-              <a:rPr lang="en-US" b="1" dirty="0" err="1" smtClean="0">
+              <a:rPr lang="en-US" b="1" dirty="0" err="1">
                 <a:latin typeface="LM Roman 10 Regular"/>
                 <a:cs typeface="LM Roman 10 Regular"/>
               </a:rPr>
               <a:t>P</a:t>
             </a:r>
             <a:r>
-              <a:rPr lang="en-US" b="1" baseline="-25000" dirty="0" err="1" smtClean="0">
+              <a:rPr lang="en-US" b="1" baseline="-25000" dirty="0" err="1">
                 <a:latin typeface="LM Roman 10 Regular"/>
                 <a:cs typeface="LM Roman 10 Regular"/>
               </a:rPr>
@@ -22638,13 +22967,6 @@
   <p:clrMapOvr>
     <a:masterClrMapping/>
   </p:clrMapOvr>
-  <p:timing>
-    <p:tnLst>
-      <p:par>
-        <p:cTn id="1" dur="indefinite" restart="never" nodeType="tmRoot"/>
-      </p:par>
-    </p:tnLst>
-  </p:timing>
 </p:sld>
 </file>
 
@@ -22688,7 +23010,7 @@
           <a:lstStyle/>
           <a:p>
             <a:r>
-              <a:rPr lang="en-US" sz="2800" dirty="0" smtClean="0">
+              <a:rPr lang="en-US" sz="2800" dirty="0">
                 <a:latin typeface="Trebuchet MS"/>
                 <a:cs typeface="Trebuchet MS"/>
               </a:rPr>
@@ -22697,16 +23019,12 @@
           </a:p>
           <a:p>
             <a:r>
-              <a:rPr lang="en-US" sz="2800" dirty="0" smtClean="0">
+              <a:rPr lang="en-US" sz="2800" dirty="0">
                 <a:latin typeface="Trebuchet MS"/>
                 <a:cs typeface="Trebuchet MS"/>
               </a:rPr>
               <a:t>the diagonal of the co-occurrence matrix is low?</a:t>
             </a:r>
-            <a:endParaRPr lang="en-US" sz="2800" dirty="0">
-              <a:latin typeface="Trebuchet MS"/>
-              <a:cs typeface="Trebuchet MS"/>
-            </a:endParaRPr>
           </a:p>
         </p:txBody>
       </p:sp>
@@ -22732,19 +23050,12 @@
           </a:bodyPr>
           <a:lstStyle/>
           <a:p>
-            <a:r>
-              <a:rPr lang="en-US" sz="2800" dirty="0" smtClean="0">
-                <a:latin typeface="Trebuchet MS"/>
-                <a:cs typeface="Trebuchet MS"/>
-              </a:rPr>
-              <a:t>That means, that in the selected direction the pixel values do change significantly</a:t>
-            </a:r>
             <a:r>
               <a:rPr lang="en-US" sz="2800" dirty="0">
                 <a:latin typeface="Trebuchet MS"/>
                 <a:cs typeface="Trebuchet MS"/>
               </a:rPr>
-              <a:t>.</a:t>
+              <a:t>That means, that in the selected direction the pixel values do change significantly.</a:t>
             </a:r>
           </a:p>
         </p:txBody>
@@ -22978,16 +23289,12 @@
           <a:lstStyle/>
           <a:p>
             <a:r>
-              <a:rPr lang="en-US" sz="2800" dirty="0" smtClean="0">
+              <a:rPr lang="en-US" sz="2800" dirty="0">
                 <a:latin typeface="Trebuchet MS"/>
                 <a:cs typeface="Trebuchet MS"/>
               </a:rPr>
               <a:t>In this direction the pixel values do change significantly from low to high and from high to low. </a:t>
             </a:r>
-            <a:endParaRPr lang="en-US" sz="2800" dirty="0">
-              <a:latin typeface="Trebuchet MS"/>
-              <a:cs typeface="Trebuchet MS"/>
-            </a:endParaRPr>
           </a:p>
         </p:txBody>
       </p:sp>
@@ -23043,7 +23350,7 @@
           <a:lstStyle/>
           <a:p>
             <a:r>
-              <a:rPr lang="en-US" b="1" dirty="0" smtClean="0">
+              <a:rPr lang="en-US" b="1" dirty="0">
                 <a:latin typeface="LM Roman 10 Regular"/>
                 <a:cs typeface="LM Roman 10 Regular"/>
               </a:rPr>
@@ -23075,14 +23382,14 @@
           <a:lstStyle/>
           <a:p>
             <a:r>
-              <a:rPr lang="en-US" b="1" dirty="0" err="1" smtClean="0">
+              <a:rPr lang="en-US" b="1" dirty="0" err="1">
                 <a:latin typeface="LM Roman 10 Regular"/>
                 <a:cs typeface="LM Roman 10 Regular"/>
               </a:rPr>
               <a:t>P</a:t>
             </a:r>
             <a:r>
-              <a:rPr lang="en-US" b="1" baseline="-25000" dirty="0" err="1" smtClean="0">
+              <a:rPr lang="en-US" b="1" baseline="-25000" dirty="0" err="1">
                 <a:latin typeface="LM Roman 10 Regular"/>
                 <a:cs typeface="LM Roman 10 Regular"/>
               </a:rPr>
@@ -23102,13 +23409,6 @@
   <p:clrMapOvr>
     <a:masterClrMapping/>
   </p:clrMapOvr>
-  <p:timing>
-    <p:tnLst>
-      <p:par>
-        <p:cTn id="1" dur="indefinite" restart="never" nodeType="tmRoot"/>
-      </p:par>
-    </p:tnLst>
-  </p:timing>
 </p:sld>
 </file>
 
@@ -23152,7 +23452,7 @@
           <a:lstStyle/>
           <a:p>
             <a:r>
-              <a:rPr lang="en-US" sz="2800" b="1" dirty="0" smtClean="0">
+              <a:rPr lang="en-US" sz="2800" b="1" dirty="0">
                 <a:latin typeface="Trebuchet MS"/>
                 <a:cs typeface="Trebuchet MS"/>
               </a:rPr>
@@ -23243,13 +23543,6 @@
   <p:clrMapOvr>
     <a:masterClrMapping/>
   </p:clrMapOvr>
-  <p:timing>
-    <p:tnLst>
-      <p:par>
-        <p:cTn id="1" dur="indefinite" restart="never" nodeType="tmRoot"/>
-      </p:par>
-    </p:tnLst>
-  </p:timing>
 </p:sld>
 </file>
 
@@ -23355,7 +23648,7 @@
             <a:lstStyle/>
             <a:p>
               <a:r>
-                <a:rPr lang="es-ES_tradnl" dirty="0" err="1" smtClean="0"/>
+                <a:rPr lang="es-ES_tradnl" dirty="0" err="1"/>
                 <a:t>i</a:t>
               </a:r>
               <a:endParaRPr lang="es-ES_tradnl" dirty="0"/>
@@ -23385,7 +23678,7 @@
             <a:lstStyle/>
             <a:p>
               <a:r>
-                <a:rPr lang="es-ES_tradnl" dirty="0" err="1" smtClean="0"/>
+                <a:rPr lang="es-ES_tradnl" dirty="0" err="1"/>
                 <a:t>j</a:t>
               </a:r>
               <a:endParaRPr lang="es-ES_tradnl" dirty="0"/>
@@ -23414,27 +23707,27 @@
             <a:lstStyle/>
             <a:p>
               <a:r>
-                <a:rPr lang="es-ES_tradnl" dirty="0" smtClean="0"/>
+                <a:rPr lang="es-ES_tradnl" dirty="0"/>
                 <a:t>(</a:t>
               </a:r>
               <a:r>
-                <a:rPr lang="es-ES_tradnl" dirty="0" err="1" smtClean="0"/>
+                <a:rPr lang="es-ES_tradnl" dirty="0" err="1"/>
                 <a:t>i</a:t>
               </a:r>
               <a:r>
-                <a:rPr lang="es-ES_tradnl" dirty="0" smtClean="0"/>
+                <a:rPr lang="es-ES_tradnl" dirty="0"/>
                 <a:t>-</a:t>
               </a:r>
               <a:r>
-                <a:rPr lang="es-ES_tradnl" dirty="0" err="1" smtClean="0"/>
+                <a:rPr lang="es-ES_tradnl" dirty="0" err="1"/>
                 <a:t>j</a:t>
               </a:r>
               <a:r>
-                <a:rPr lang="es-ES_tradnl" dirty="0" smtClean="0"/>
+                <a:rPr lang="es-ES_tradnl" dirty="0"/>
                 <a:t>)</a:t>
               </a:r>
               <a:r>
-                <a:rPr lang="es-ES_tradnl" baseline="30000" dirty="0" smtClean="0"/>
+                <a:rPr lang="es-ES_tradnl" baseline="30000" dirty="0"/>
                 <a:t>2</a:t>
               </a:r>
               <a:endParaRPr lang="es-ES_tradnl" dirty="0"/>
@@ -23495,19 +23788,289 @@
           <a:lstStyle/>
           <a:p>
             <a:r>
-              <a:rPr lang="en-US" dirty="0" smtClean="0">
+              <a:rPr lang="en-US" dirty="0">
                 <a:latin typeface="Trebuchet MS"/>
                 <a:cs typeface="Trebuchet MS"/>
               </a:rPr>
               <a:t>Contrast</a:t>
             </a:r>
-            <a:endParaRPr lang="en-US" dirty="0">
-              <a:latin typeface="Trebuchet MS"/>
-              <a:cs typeface="Trebuchet MS"/>
-            </a:endParaRPr>
-          </a:p>
-        </p:txBody>
-      </p:sp>
+          </a:p>
+        </p:txBody>
+      </p:sp>
+      <p:grpSp>
+        <p:nvGrpSpPr>
+          <p:cNvPr id="20" name="Group 19">
+            <a:extLst>
+              <a:ext uri="{FF2B5EF4-FFF2-40B4-BE49-F238E27FC236}">
+                <a16:creationId xmlns:a16="http://schemas.microsoft.com/office/drawing/2014/main" id="{68C41AA3-2F8A-9744-ABCA-39446FF7F533}"/>
+              </a:ext>
+            </a:extLst>
+          </p:cNvPr>
+          <p:cNvGrpSpPr/>
+          <p:nvPr/>
+        </p:nvGrpSpPr>
+        <p:grpSpPr>
+          <a:xfrm>
+            <a:off x="1268814" y="4316814"/>
+            <a:ext cx="2585991" cy="2056568"/>
+            <a:chOff x="1268814" y="4316814"/>
+            <a:chExt cx="2585991" cy="2056568"/>
+          </a:xfrm>
+        </p:grpSpPr>
+        <p:grpSp>
+          <p:nvGrpSpPr>
+            <p:cNvPr id="4" name="Group 3">
+              <a:extLst>
+                <a:ext uri="{FF2B5EF4-FFF2-40B4-BE49-F238E27FC236}">
+                  <a16:creationId xmlns:a16="http://schemas.microsoft.com/office/drawing/2014/main" id="{B27A448F-2BFB-FA42-B1F0-1C202F87C134}"/>
+                </a:ext>
+              </a:extLst>
+            </p:cNvPr>
+            <p:cNvGrpSpPr/>
+            <p:nvPr/>
+          </p:nvGrpSpPr>
+          <p:grpSpPr>
+            <a:xfrm>
+              <a:off x="1607315" y="4798582"/>
+              <a:ext cx="2247490" cy="1574800"/>
+              <a:chOff x="1607315" y="4798582"/>
+              <a:chExt cx="2247490" cy="1574800"/>
+            </a:xfrm>
+          </p:grpSpPr>
+          <p:pic>
+            <p:nvPicPr>
+              <p:cNvPr id="12" name="Picture 11" descr="Screen Shot 2014-10-06 at 6.31.33 PM.png">
+                <a:extLst>
+                  <a:ext uri="{FF2B5EF4-FFF2-40B4-BE49-F238E27FC236}">
+                    <a16:creationId xmlns:a16="http://schemas.microsoft.com/office/drawing/2014/main" id="{26064F89-8706-3B49-ABF4-076848E7BDC4}"/>
+                  </a:ext>
+                </a:extLst>
+              </p:cNvPr>
+              <p:cNvPicPr>
+                <a:picLocks noChangeAspect="1"/>
+              </p:cNvPicPr>
+              <p:nvPr/>
+            </p:nvPicPr>
+            <p:blipFill>
+              <a:blip r:embed="rId4">
+                <a:extLst>
+                  <a:ext uri="{28A0092B-C50C-407E-A947-70E740481C1C}">
+                    <a14:useLocalDpi xmlns:a14="http://schemas.microsoft.com/office/drawing/2010/main" val="0"/>
+                  </a:ext>
+                </a:extLst>
+              </a:blip>
+              <a:stretch>
+                <a:fillRect/>
+              </a:stretch>
+            </p:blipFill>
+            <p:spPr>
+              <a:xfrm>
+                <a:off x="1607315" y="4798582"/>
+                <a:ext cx="1600200" cy="1574800"/>
+              </a:xfrm>
+              <a:prstGeom prst="rect">
+                <a:avLst/>
+              </a:prstGeom>
+            </p:spPr>
+          </p:pic>
+          <p:cxnSp>
+            <p:nvCxnSpPr>
+              <p:cNvPr id="13" name="Straight Arrow Connector 12">
+                <a:extLst>
+                  <a:ext uri="{FF2B5EF4-FFF2-40B4-BE49-F238E27FC236}">
+                    <a16:creationId xmlns:a16="http://schemas.microsoft.com/office/drawing/2014/main" id="{324A93A6-1BCD-A048-BE53-345B6AF3B462}"/>
+                  </a:ext>
+                </a:extLst>
+              </p:cNvPr>
+              <p:cNvCxnSpPr>
+                <a:cxnSpLocks/>
+              </p:cNvCxnSpPr>
+              <p:nvPr/>
+            </p:nvCxnSpPr>
+            <p:spPr>
+              <a:xfrm flipH="1">
+                <a:off x="3457755" y="5537909"/>
+                <a:ext cx="397050" cy="0"/>
+              </a:xfrm>
+              <a:prstGeom prst="straightConnector1">
+                <a:avLst/>
+              </a:prstGeom>
+              <a:ln w="69850">
+                <a:solidFill>
+                  <a:schemeClr val="tx1">
+                    <a:lumMod val="65000"/>
+                    <a:lumOff val="35000"/>
+                  </a:schemeClr>
+                </a:solidFill>
+                <a:tailEnd type="triangle"/>
+              </a:ln>
+            </p:spPr>
+            <p:style>
+              <a:lnRef idx="1">
+                <a:schemeClr val="accent2"/>
+              </a:lnRef>
+              <a:fillRef idx="0">
+                <a:schemeClr val="accent2"/>
+              </a:fillRef>
+              <a:effectRef idx="0">
+                <a:schemeClr val="accent2"/>
+              </a:effectRef>
+              <a:fontRef idx="minor">
+                <a:schemeClr val="tx1"/>
+              </a:fontRef>
+            </p:style>
+          </p:cxnSp>
+        </p:grpSp>
+        <p:cxnSp>
+          <p:nvCxnSpPr>
+            <p:cNvPr id="15" name="Straight Arrow Connector 14">
+              <a:extLst>
+                <a:ext uri="{FF2B5EF4-FFF2-40B4-BE49-F238E27FC236}">
+                  <a16:creationId xmlns:a16="http://schemas.microsoft.com/office/drawing/2014/main" id="{13D5E5B2-FEAB-CD49-AB75-99DA7B0124D4}"/>
+                </a:ext>
+              </a:extLst>
+            </p:cNvPr>
+            <p:cNvCxnSpPr/>
+            <p:nvPr/>
+          </p:nvCxnSpPr>
+          <p:spPr>
+            <a:xfrm>
+              <a:off x="1507002" y="4798582"/>
+              <a:ext cx="0" cy="554661"/>
+            </a:xfrm>
+            <a:prstGeom prst="straightConnector1">
+              <a:avLst/>
+            </a:prstGeom>
+            <a:ln>
+              <a:tailEnd type="triangle"/>
+            </a:ln>
+          </p:spPr>
+          <p:style>
+            <a:lnRef idx="1">
+              <a:schemeClr val="accent1"/>
+            </a:lnRef>
+            <a:fillRef idx="0">
+              <a:schemeClr val="accent1"/>
+            </a:fillRef>
+            <a:effectRef idx="0">
+              <a:schemeClr val="accent1"/>
+            </a:effectRef>
+            <a:fontRef idx="minor">
+              <a:schemeClr val="tx1"/>
+            </a:fontRef>
+          </p:style>
+        </p:cxnSp>
+        <p:cxnSp>
+          <p:nvCxnSpPr>
+            <p:cNvPr id="17" name="Straight Arrow Connector 16">
+              <a:extLst>
+                <a:ext uri="{FF2B5EF4-FFF2-40B4-BE49-F238E27FC236}">
+                  <a16:creationId xmlns:a16="http://schemas.microsoft.com/office/drawing/2014/main" id="{DA72EEC7-79B9-D94A-B356-6C6C25E129AC}"/>
+                </a:ext>
+              </a:extLst>
+            </p:cNvPr>
+            <p:cNvCxnSpPr/>
+            <p:nvPr/>
+          </p:nvCxnSpPr>
+          <p:spPr>
+            <a:xfrm>
+              <a:off x="1607315" y="4678326"/>
+              <a:ext cx="539580" cy="0"/>
+            </a:xfrm>
+            <a:prstGeom prst="straightConnector1">
+              <a:avLst/>
+            </a:prstGeom>
+            <a:ln>
+              <a:tailEnd type="triangle"/>
+            </a:ln>
+          </p:spPr>
+          <p:style>
+            <a:lnRef idx="1">
+              <a:schemeClr val="accent1"/>
+            </a:lnRef>
+            <a:fillRef idx="0">
+              <a:schemeClr val="accent1"/>
+            </a:fillRef>
+            <a:effectRef idx="0">
+              <a:schemeClr val="accent1"/>
+            </a:effectRef>
+            <a:fontRef idx="minor">
+              <a:schemeClr val="tx1"/>
+            </a:fontRef>
+          </p:style>
+        </p:cxnSp>
+        <p:sp>
+          <p:nvSpPr>
+            <p:cNvPr id="18" name="TextBox 17">
+              <a:extLst>
+                <a:ext uri="{FF2B5EF4-FFF2-40B4-BE49-F238E27FC236}">
+                  <a16:creationId xmlns:a16="http://schemas.microsoft.com/office/drawing/2014/main" id="{574F05B3-70FF-EC48-9F4B-537CC3C4DE43}"/>
+                </a:ext>
+              </a:extLst>
+            </p:cNvPr>
+            <p:cNvSpPr txBox="1"/>
+            <p:nvPr/>
+          </p:nvSpPr>
+          <p:spPr>
+            <a:xfrm>
+              <a:off x="1754370" y="4316814"/>
+              <a:ext cx="239168" cy="369332"/>
+            </a:xfrm>
+            <a:prstGeom prst="rect">
+              <a:avLst/>
+            </a:prstGeom>
+            <a:noFill/>
+          </p:spPr>
+          <p:txBody>
+            <a:bodyPr wrap="none" rtlCol="0">
+              <a:spAutoFit/>
+            </a:bodyPr>
+            <a:lstStyle/>
+            <a:p>
+              <a:r>
+                <a:rPr lang="en-US" dirty="0"/>
+                <a:t>j</a:t>
+              </a:r>
+            </a:p>
+          </p:txBody>
+        </p:sp>
+        <p:sp>
+          <p:nvSpPr>
+            <p:cNvPr id="19" name="TextBox 18">
+              <a:extLst>
+                <a:ext uri="{FF2B5EF4-FFF2-40B4-BE49-F238E27FC236}">
+                  <a16:creationId xmlns:a16="http://schemas.microsoft.com/office/drawing/2014/main" id="{E9AA57CE-E0E4-DA48-B2C1-041EE33A0186}"/>
+                </a:ext>
+              </a:extLst>
+            </p:cNvPr>
+            <p:cNvSpPr txBox="1"/>
+            <p:nvPr/>
+          </p:nvSpPr>
+          <p:spPr>
+            <a:xfrm>
+              <a:off x="1268814" y="4873251"/>
+              <a:ext cx="239168" cy="369332"/>
+            </a:xfrm>
+            <a:prstGeom prst="rect">
+              <a:avLst/>
+            </a:prstGeom>
+            <a:noFill/>
+          </p:spPr>
+          <p:txBody>
+            <a:bodyPr wrap="none" rtlCol="0">
+              <a:spAutoFit/>
+            </a:bodyPr>
+            <a:lstStyle/>
+            <a:p>
+              <a:r>
+                <a:rPr lang="en-US" dirty="0" err="1"/>
+                <a:t>i</a:t>
+              </a:r>
+              <a:endParaRPr lang="en-US" dirty="0"/>
+            </a:p>
+          </p:txBody>
+        </p:sp>
+      </p:grpSp>
     </p:spTree>
     <p:extLst>
       <p:ext uri="{BB962C8B-B14F-4D97-AF65-F5344CB8AC3E}">
@@ -23553,6 +24116,51 @@
                                         </p:cTn>
                                         <p:tgtEl>
                                           <p:spTgt spid="11"/>
+                                        </p:tgtEl>
+                                        <p:attrNameLst>
+                                          <p:attrName>style.visibility</p:attrName>
+                                        </p:attrNameLst>
+                                      </p:cBhvr>
+                                      <p:to>
+                                        <p:strVal val="visible"/>
+                                      </p:to>
+                                    </p:set>
+                                  </p:childTnLst>
+                                </p:cTn>
+                              </p:par>
+                            </p:childTnLst>
+                          </p:cTn>
+                        </p:par>
+                      </p:childTnLst>
+                    </p:cTn>
+                  </p:par>
+                  <p:par>
+                    <p:cTn id="7" fill="hold">
+                      <p:stCondLst>
+                        <p:cond delay="indefinite"/>
+                      </p:stCondLst>
+                      <p:childTnLst>
+                        <p:par>
+                          <p:cTn id="8" fill="hold">
+                            <p:stCondLst>
+                              <p:cond delay="0"/>
+                            </p:stCondLst>
+                            <p:childTnLst>
+                              <p:par>
+                                <p:cTn id="9" presetID="1" presetClass="entr" presetSubtype="0" fill="hold" nodeType="clickEffect">
+                                  <p:stCondLst>
+                                    <p:cond delay="0"/>
+                                  </p:stCondLst>
+                                  <p:childTnLst>
+                                    <p:set>
+                                      <p:cBhvr>
+                                        <p:cTn id="10" dur="1" fill="hold">
+                                          <p:stCondLst>
+                                            <p:cond delay="0"/>
+                                          </p:stCondLst>
+                                        </p:cTn>
+                                        <p:tgtEl>
+                                          <p:spTgt spid="20"/>
                                         </p:tgtEl>
                                         <p:attrNameLst>
                                           <p:attrName>style.visibility</p:attrName>
@@ -23734,16 +24342,12 @@
           <a:lstStyle/>
           <a:p>
             <a:r>
-              <a:rPr lang="en-US" sz="2800" dirty="0" smtClean="0">
+              <a:rPr lang="en-US" sz="2800" dirty="0">
                 <a:latin typeface="Trebuchet MS"/>
                 <a:cs typeface="Trebuchet MS"/>
               </a:rPr>
               <a:t>In this direction the pixel values do not change significantly. </a:t>
             </a:r>
-            <a:endParaRPr lang="en-US" sz="2800" dirty="0">
-              <a:latin typeface="Trebuchet MS"/>
-              <a:cs typeface="Trebuchet MS"/>
-            </a:endParaRPr>
           </a:p>
         </p:txBody>
       </p:sp>
@@ -23799,7 +24403,7 @@
           <a:lstStyle/>
           <a:p>
             <a:r>
-              <a:rPr lang="en-US" b="1" dirty="0" smtClean="0">
+              <a:rPr lang="en-US" b="1" dirty="0">
                 <a:latin typeface="LM Roman 10 Regular"/>
                 <a:cs typeface="LM Roman 10 Regular"/>
               </a:rPr>
@@ -23818,7 +24422,7 @@
         <p:spPr>
           <a:xfrm>
             <a:off x="4394020" y="4341370"/>
-            <a:ext cx="2659702" cy="369332"/>
+            <a:ext cx="2505814" cy="369332"/>
           </a:xfrm>
           <a:prstGeom prst="rect">
             <a:avLst/>
@@ -23831,77 +24435,77 @@
           <a:lstStyle/>
           <a:p>
             <a:r>
-              <a:rPr lang="en-US" b="1" dirty="0" err="1" smtClean="0">
+              <a:rPr lang="en-US" b="1" dirty="0" err="1">
                 <a:latin typeface="LM Roman 10 Regular"/>
                 <a:cs typeface="LM Roman 10 Regular"/>
               </a:rPr>
               <a:t>P</a:t>
             </a:r>
             <a:r>
-              <a:rPr lang="en-US" b="1" baseline="-25000" dirty="0" err="1" smtClean="0">
+              <a:rPr lang="en-US" b="1" baseline="-25000" dirty="0" err="1">
                 <a:latin typeface="LM Roman 10 Regular"/>
                 <a:cs typeface="LM Roman 10 Regular"/>
               </a:rPr>
               <a:t>v</a:t>
             </a:r>
             <a:r>
-              <a:rPr lang="en-US" b="1" baseline="-25000" dirty="0" smtClean="0">
+              <a:rPr lang="en-US" b="1" baseline="-25000" dirty="0">
                 <a:latin typeface="LM Roman 10 Regular"/>
                 <a:cs typeface="LM Roman 10 Regular"/>
               </a:rPr>
               <a:t> </a:t>
             </a:r>
             <a:r>
-              <a:rPr lang="en-US" b="1" dirty="0" smtClean="0">
+              <a:rPr lang="en-US" b="1" dirty="0">
                 <a:latin typeface="LM Roman 10 Regular"/>
                 <a:cs typeface="LM Roman 10 Regular"/>
               </a:rPr>
-              <a:t>                 </a:t>
-            </a:r>
-            <a:r>
-              <a:rPr lang="en-US" dirty="0" smtClean="0">
+              <a:t>                              </a:t>
+            </a:r>
+            <a:r>
+              <a:rPr lang="en-US" dirty="0">
                 <a:latin typeface="LM Roman 10 Regular"/>
                 <a:cs typeface="LM Roman 10 Regular"/>
               </a:rPr>
               <a:t>(</a:t>
             </a:r>
             <a:r>
-              <a:rPr lang="en-US" i="1" dirty="0" err="1" smtClean="0">
+              <a:rPr lang="en-US" i="1" dirty="0" err="1">
                 <a:latin typeface="LM Roman 10 Regular"/>
                 <a:cs typeface="LM Roman 10 Regular"/>
               </a:rPr>
               <a:t>i</a:t>
             </a:r>
             <a:r>
-              <a:rPr lang="en-US" i="1" dirty="0" smtClean="0">
+              <a:rPr lang="en-US" i="1" dirty="0">
                 <a:latin typeface="LM Roman 10 Regular"/>
                 <a:cs typeface="LM Roman 10 Regular"/>
               </a:rPr>
               <a:t> </a:t>
             </a:r>
             <a:r>
-              <a:rPr lang="en-US" dirty="0" smtClean="0">
+              <a:rPr lang="en-US" dirty="0">
                 <a:latin typeface="LM Roman 10 Regular"/>
                 <a:cs typeface="LM Roman 10 Regular"/>
               </a:rPr>
               <a:t>- </a:t>
             </a:r>
             <a:r>
-              <a:rPr lang="en-US" i="1" dirty="0" smtClean="0">
+              <a:rPr lang="en-US" i="1" dirty="0">
                 <a:latin typeface="LM Roman 10 Regular"/>
                 <a:cs typeface="LM Roman 10 Regular"/>
               </a:rPr>
               <a:t>j</a:t>
             </a:r>
             <a:r>
-              <a:rPr lang="en-US" dirty="0" smtClean="0">
+              <a:rPr lang="en-US" dirty="0">
                 <a:latin typeface="LM Roman 10 Regular"/>
                 <a:cs typeface="LM Roman 10 Regular"/>
               </a:rPr>
               <a:t>)</a:t>
             </a:r>
             <a:r>
-              <a:rPr lang="en-US" baseline="30000" dirty="0" smtClean="0">
+              <a:rPr lang="en-US" baseline="30000" dirty="0">
                 <a:latin typeface="LM Roman 10 Regular"/>
                 <a:cs typeface="LM Roman 10 Regular"/>
               </a:rPr>
@@ -23964,10 +24568,9 @@
           <a:lstStyle/>
           <a:p>
             <a:r>
-              <a:rPr lang="en-US" dirty="0" smtClean="0"/>
+              <a:rPr lang="en-US" dirty="0"/>
               <a:t>x</a:t>
             </a:r>
-            <a:endParaRPr lang="en-US" dirty="0"/>
           </a:p>
         </p:txBody>
       </p:sp>
@@ -24023,7 +24626,7 @@
           <a:lstStyle/>
           <a:p>
             <a:r>
-              <a:rPr lang="en-US" dirty="0" smtClean="0">
+              <a:rPr lang="en-US" dirty="0">
                 <a:latin typeface="Trebuchet MS"/>
                 <a:cs typeface="Trebuchet MS"/>
               </a:rPr>
@@ -24056,11 +24659,11 @@
           <a:lstStyle/>
           <a:p>
             <a:r>
-              <a:rPr lang="en-US" sz="4000" dirty="0" smtClean="0"/>
+              <a:rPr lang="en-US" sz="4000" dirty="0"/>
               <a:t>= </a:t>
             </a:r>
             <a:r>
-              <a:rPr lang="en-US" sz="4000" dirty="0" err="1" smtClean="0"/>
+              <a:rPr lang="en-US" sz="4000" dirty="0" err="1"/>
               <a:t>Σ</a:t>
             </a:r>
             <a:endParaRPr lang="en-US" sz="4000" dirty="0"/>
@@ -24090,19 +24693,232 @@
           <a:lstStyle/>
           <a:p>
             <a:r>
-              <a:rPr lang="en-US" dirty="0" smtClean="0">
+              <a:rPr lang="en-US" dirty="0">
                 <a:latin typeface="Trebuchet MS"/>
                 <a:cs typeface="Trebuchet MS"/>
               </a:rPr>
               <a:t>Contrast</a:t>
             </a:r>
-            <a:endParaRPr lang="en-US" dirty="0">
-              <a:latin typeface="Trebuchet MS"/>
-              <a:cs typeface="Trebuchet MS"/>
-            </a:endParaRPr>
-          </a:p>
-        </p:txBody>
-      </p:sp>
+          </a:p>
+        </p:txBody>
+      </p:sp>
+      <p:grpSp>
+        <p:nvGrpSpPr>
+          <p:cNvPr id="17" name="Group 16">
+            <a:extLst>
+              <a:ext uri="{FF2B5EF4-FFF2-40B4-BE49-F238E27FC236}">
+                <a16:creationId xmlns:a16="http://schemas.microsoft.com/office/drawing/2014/main" id="{8E524033-16C7-4B4D-BAE1-66511CDFE3EB}"/>
+              </a:ext>
+            </a:extLst>
+          </p:cNvPr>
+          <p:cNvGrpSpPr/>
+          <p:nvPr/>
+        </p:nvGrpSpPr>
+        <p:grpSpPr>
+          <a:xfrm>
+            <a:off x="7466630" y="2747975"/>
+            <a:ext cx="1550437" cy="1362049"/>
+            <a:chOff x="3845219" y="1570743"/>
+            <a:chExt cx="5391132" cy="4384571"/>
+          </a:xfrm>
+        </p:grpSpPr>
+        <p:pic>
+          <p:nvPicPr>
+            <p:cNvPr id="18" name="Picture 17">
+              <a:extLst>
+                <a:ext uri="{FF2B5EF4-FFF2-40B4-BE49-F238E27FC236}">
+                  <a16:creationId xmlns:a16="http://schemas.microsoft.com/office/drawing/2014/main" id="{B8C36222-9DF1-694C-830C-FE97FF8663E0}"/>
+                </a:ext>
+              </a:extLst>
+            </p:cNvPr>
+            <p:cNvPicPr>
+              <a:picLocks noChangeAspect="1"/>
+            </p:cNvPicPr>
+            <p:nvPr/>
+          </p:nvPicPr>
+          <p:blipFill>
+            <a:blip r:embed="rId6"/>
+            <a:stretch>
+              <a:fillRect/>
+            </a:stretch>
+          </p:blipFill>
+          <p:spPr>
+            <a:xfrm>
+              <a:off x="3845219" y="1570743"/>
+              <a:ext cx="5391132" cy="4202213"/>
+            </a:xfrm>
+            <a:prstGeom prst="rect">
+              <a:avLst/>
+            </a:prstGeom>
+          </p:spPr>
+        </p:pic>
+        <p:sp>
+          <p:nvSpPr>
+            <p:cNvPr id="19" name="CuadroTexto 17">
+              <a:extLst>
+                <a:ext uri="{FF2B5EF4-FFF2-40B4-BE49-F238E27FC236}">
+                  <a16:creationId xmlns:a16="http://schemas.microsoft.com/office/drawing/2014/main" id="{0D9A752A-7FCC-284E-96BE-14453E212E93}"/>
+                </a:ext>
+              </a:extLst>
+            </p:cNvPr>
+            <p:cNvSpPr txBox="1"/>
+            <p:nvPr/>
+          </p:nvSpPr>
+          <p:spPr>
+            <a:xfrm>
+              <a:off x="4191212" y="4983911"/>
+              <a:ext cx="237640" cy="369332"/>
+            </a:xfrm>
+            <a:prstGeom prst="rect">
+              <a:avLst/>
+            </a:prstGeom>
+            <a:noFill/>
+          </p:spPr>
+          <p:txBody>
+            <a:bodyPr wrap="none" rtlCol="0">
+              <a:spAutoFit/>
+            </a:bodyPr>
+            <a:lstStyle/>
+            <a:p>
+              <a:r>
+                <a:rPr lang="es-ES_tradnl" dirty="0" err="1"/>
+                <a:t>i</a:t>
+              </a:r>
+              <a:endParaRPr lang="es-ES_tradnl" dirty="0"/>
+            </a:p>
+          </p:txBody>
+        </p:sp>
+        <p:sp>
+          <p:nvSpPr>
+            <p:cNvPr id="20" name="CuadroTexto 18">
+              <a:extLst>
+                <a:ext uri="{FF2B5EF4-FFF2-40B4-BE49-F238E27FC236}">
+                  <a16:creationId xmlns:a16="http://schemas.microsoft.com/office/drawing/2014/main" id="{622C7FE0-008E-674C-AB0F-94E961C78ECB}"/>
+                </a:ext>
+              </a:extLst>
+            </p:cNvPr>
+            <p:cNvSpPr txBox="1"/>
+            <p:nvPr/>
+          </p:nvSpPr>
+          <p:spPr>
+            <a:xfrm>
+              <a:off x="7129850" y="5585982"/>
+              <a:ext cx="237640" cy="369332"/>
+            </a:xfrm>
+            <a:prstGeom prst="rect">
+              <a:avLst/>
+            </a:prstGeom>
+            <a:noFill/>
+          </p:spPr>
+          <p:txBody>
+            <a:bodyPr wrap="none" rtlCol="0">
+              <a:spAutoFit/>
+            </a:bodyPr>
+            <a:lstStyle/>
+            <a:p>
+              <a:r>
+                <a:rPr lang="es-ES_tradnl" dirty="0" err="1"/>
+                <a:t>j</a:t>
+              </a:r>
+              <a:endParaRPr lang="es-ES_tradnl" dirty="0"/>
+            </a:p>
+          </p:txBody>
+        </p:sp>
+        <p:sp>
+          <p:nvSpPr>
+            <p:cNvPr id="21" name="Rectángulo 19">
+              <a:extLst>
+                <a:ext uri="{FF2B5EF4-FFF2-40B4-BE49-F238E27FC236}">
+                  <a16:creationId xmlns:a16="http://schemas.microsoft.com/office/drawing/2014/main" id="{B1FA86F5-82A5-5E48-80BA-2FB6FF170176}"/>
+                </a:ext>
+              </a:extLst>
+            </p:cNvPr>
+            <p:cNvSpPr/>
+            <p:nvPr/>
+          </p:nvSpPr>
+          <p:spPr>
+            <a:xfrm>
+              <a:off x="4469492" y="2049319"/>
+              <a:ext cx="582211" cy="369332"/>
+            </a:xfrm>
+            <a:prstGeom prst="rect">
+              <a:avLst/>
+            </a:prstGeom>
+          </p:spPr>
+          <p:txBody>
+            <a:bodyPr wrap="none">
+              <a:spAutoFit/>
+            </a:bodyPr>
+            <a:lstStyle/>
+            <a:p>
+              <a:r>
+                <a:rPr lang="es-ES_tradnl" dirty="0"/>
+                <a:t>(</a:t>
+              </a:r>
+              <a:r>
+                <a:rPr lang="es-ES_tradnl" dirty="0" err="1"/>
+                <a:t>i</a:t>
+              </a:r>
+              <a:r>
+                <a:rPr lang="es-ES_tradnl" dirty="0"/>
+                <a:t>-</a:t>
+              </a:r>
+              <a:r>
+                <a:rPr lang="es-ES_tradnl" dirty="0" err="1"/>
+                <a:t>j</a:t>
+              </a:r>
+              <a:r>
+                <a:rPr lang="es-ES_tradnl" dirty="0"/>
+                <a:t>)</a:t>
+              </a:r>
+              <a:r>
+                <a:rPr lang="es-ES_tradnl" baseline="30000" dirty="0"/>
+                <a:t>2</a:t>
+              </a:r>
+              <a:endParaRPr lang="es-ES_tradnl" dirty="0"/>
+            </a:p>
+          </p:txBody>
+        </p:sp>
+      </p:grpSp>
+      <p:cxnSp>
+        <p:nvCxnSpPr>
+          <p:cNvPr id="5" name="Straight Arrow Connector 4">
+            <a:extLst>
+              <a:ext uri="{FF2B5EF4-FFF2-40B4-BE49-F238E27FC236}">
+                <a16:creationId xmlns:a16="http://schemas.microsoft.com/office/drawing/2014/main" id="{492D4F75-2979-CA43-9691-807EE001373C}"/>
+              </a:ext>
+            </a:extLst>
+          </p:cNvPr>
+          <p:cNvCxnSpPr/>
+          <p:nvPr/>
+        </p:nvCxnSpPr>
+        <p:spPr>
+          <a:xfrm flipH="1">
+            <a:off x="7924043" y="4341370"/>
+            <a:ext cx="326822" cy="369332"/>
+          </a:xfrm>
+          <a:prstGeom prst="straightConnector1">
+            <a:avLst/>
+          </a:prstGeom>
+          <a:ln>
+            <a:tailEnd type="triangle"/>
+          </a:ln>
+        </p:spPr>
+        <p:style>
+          <a:lnRef idx="1">
+            <a:schemeClr val="accent1"/>
+          </a:lnRef>
+          <a:fillRef idx="0">
+            <a:schemeClr val="accent1"/>
+          </a:fillRef>
+          <a:effectRef idx="0">
+            <a:schemeClr val="accent1"/>
+          </a:effectRef>
+          <a:fontRef idx="minor">
+            <a:schemeClr val="tx1"/>
+          </a:fontRef>
+        </p:style>
+      </p:cxnSp>
     </p:spTree>
     <p:extLst>
       <p:ext uri="{BB962C8B-B14F-4D97-AF65-F5344CB8AC3E}">
@@ -24113,13 +24929,6 @@
   <p:clrMapOvr>
     <a:masterClrMapping/>
   </p:clrMapOvr>
-  <p:timing>
-    <p:tnLst>
-      <p:par>
-        <p:cTn id="1" dur="indefinite" restart="never" nodeType="tmRoot"/>
-      </p:par>
-    </p:tnLst>
-  </p:timing>
 </p:sld>
 </file>
 
@@ -24261,16 +25070,12 @@
           <a:lstStyle/>
           <a:p>
             <a:r>
-              <a:rPr lang="en-US" sz="2800" dirty="0" smtClean="0">
+              <a:rPr lang="en-US" sz="2800" dirty="0">
                 <a:latin typeface="Trebuchet MS"/>
                 <a:cs typeface="Trebuchet MS"/>
               </a:rPr>
               <a:t>In this direction the pixel values do change significantly from low to high and from high to low. </a:t>
             </a:r>
-            <a:endParaRPr lang="en-US" sz="2800" dirty="0">
-              <a:latin typeface="Trebuchet MS"/>
-              <a:cs typeface="Trebuchet MS"/>
-            </a:endParaRPr>
           </a:p>
         </p:txBody>
       </p:sp>
@@ -24326,7 +25131,7 @@
           <a:lstStyle/>
           <a:p>
             <a:r>
-              <a:rPr lang="en-US" b="1" dirty="0" smtClean="0">
+              <a:rPr lang="en-US" b="1" dirty="0">
                 <a:latin typeface="LM Roman 10 Regular"/>
                 <a:cs typeface="LM Roman 10 Regular"/>
               </a:rPr>
@@ -24389,10 +25194,9 @@
           <a:lstStyle/>
           <a:p>
             <a:r>
-              <a:rPr lang="en-US" dirty="0" smtClean="0"/>
+              <a:rPr lang="en-US" dirty="0"/>
               <a:t>x</a:t>
             </a:r>
-            <a:endParaRPr lang="en-US" dirty="0"/>
           </a:p>
         </p:txBody>
       </p:sp>
@@ -24418,115 +25222,13 @@
           <a:lstStyle/>
           <a:p>
             <a:r>
-              <a:rPr lang="en-US" dirty="0" smtClean="0">
+              <a:rPr lang="en-US" dirty="0">
                 <a:latin typeface="Trebuchet MS"/>
                 <a:cs typeface="Trebuchet MS"/>
               </a:rPr>
               <a:t>= high</a:t>
             </a:r>
             <a:endParaRPr lang="en-US" dirty="0"/>
-          </a:p>
-        </p:txBody>
-      </p:sp>
-      <p:sp>
-        <p:nvSpPr>
-          <p:cNvPr id="20" name="Rectangle 19"/>
-          <p:cNvSpPr/>
-          <p:nvPr/>
-        </p:nvSpPr>
-        <p:spPr>
-          <a:xfrm>
-            <a:off x="4394020" y="4341370"/>
-            <a:ext cx="2659702" cy="369332"/>
-          </a:xfrm>
-          <a:prstGeom prst="rect">
-            <a:avLst/>
-          </a:prstGeom>
-        </p:spPr>
-        <p:txBody>
-          <a:bodyPr wrap="none">
-            <a:spAutoFit/>
-          </a:bodyPr>
-          <a:lstStyle/>
-          <a:p>
-            <a:r>
-              <a:rPr lang="en-US" b="1" dirty="0" err="1" smtClean="0">
-                <a:latin typeface="LM Roman 10 Regular"/>
-                <a:cs typeface="LM Roman 10 Regular"/>
-              </a:rPr>
-              <a:t>P</a:t>
-            </a:r>
-            <a:r>
-              <a:rPr lang="en-US" b="1" baseline="-25000" dirty="0" err="1" smtClean="0">
-                <a:latin typeface="LM Roman 10 Regular"/>
-                <a:cs typeface="LM Roman 10 Regular"/>
-              </a:rPr>
-              <a:t>v</a:t>
-            </a:r>
-            <a:r>
-              <a:rPr lang="en-US" b="1" baseline="-25000" dirty="0" smtClean="0">
-                <a:latin typeface="LM Roman 10 Regular"/>
-                <a:cs typeface="LM Roman 10 Regular"/>
-              </a:rPr>
-              <a:t> </a:t>
-            </a:r>
-            <a:r>
-              <a:rPr lang="en-US" b="1" dirty="0" smtClean="0">
-                <a:latin typeface="LM Roman 10 Regular"/>
-                <a:cs typeface="LM Roman 10 Regular"/>
-              </a:rPr>
-              <a:t>                 </a:t>
-            </a:r>
-            <a:r>
-              <a:rPr lang="en-US" dirty="0" smtClean="0">
-                <a:latin typeface="LM Roman 10 Regular"/>
-                <a:cs typeface="LM Roman 10 Regular"/>
-              </a:rPr>
-              <a:t>(</a:t>
-            </a:r>
-            <a:r>
-              <a:rPr lang="en-US" i="1" dirty="0" err="1" smtClean="0">
-                <a:latin typeface="LM Roman 10 Regular"/>
-                <a:cs typeface="LM Roman 10 Regular"/>
-              </a:rPr>
-              <a:t>i</a:t>
-            </a:r>
-            <a:r>
-              <a:rPr lang="en-US" i="1" dirty="0" smtClean="0">
-                <a:latin typeface="LM Roman 10 Regular"/>
-                <a:cs typeface="LM Roman 10 Regular"/>
-              </a:rPr>
-              <a:t> </a:t>
-            </a:r>
-            <a:r>
-              <a:rPr lang="en-US" dirty="0" smtClean="0">
-                <a:latin typeface="LM Roman 10 Regular"/>
-                <a:cs typeface="LM Roman 10 Regular"/>
-              </a:rPr>
-              <a:t>- </a:t>
-            </a:r>
-            <a:r>
-              <a:rPr lang="en-US" i="1" dirty="0" smtClean="0">
-                <a:latin typeface="LM Roman 10 Regular"/>
-                <a:cs typeface="LM Roman 10 Regular"/>
-              </a:rPr>
-              <a:t>j</a:t>
-            </a:r>
-            <a:r>
-              <a:rPr lang="en-US" dirty="0" smtClean="0">
-                <a:latin typeface="LM Roman 10 Regular"/>
-                <a:cs typeface="LM Roman 10 Regular"/>
-              </a:rPr>
-              <a:t>)</a:t>
-            </a:r>
-            <a:r>
-              <a:rPr lang="en-US" baseline="30000" dirty="0" smtClean="0">
-                <a:latin typeface="LM Roman 10 Regular"/>
-                <a:cs typeface="LM Roman 10 Regular"/>
-              </a:rPr>
-              <a:t>2</a:t>
-            </a:r>
-            <a:endParaRPr lang="en-US" baseline="30000" dirty="0"/>
           </a:p>
         </p:txBody>
       </p:sp>
@@ -24583,11 +25285,11 @@
           <a:lstStyle/>
           <a:p>
             <a:r>
-              <a:rPr lang="en-US" sz="4000" dirty="0" smtClean="0"/>
+              <a:rPr lang="en-US" sz="4000" dirty="0"/>
               <a:t>= </a:t>
             </a:r>
             <a:r>
-              <a:rPr lang="en-US" sz="4000" dirty="0" err="1" smtClean="0"/>
+              <a:rPr lang="en-US" sz="4000" dirty="0" err="1"/>
               <a:t>Σ</a:t>
             </a:r>
             <a:endParaRPr lang="en-US" sz="4000" dirty="0"/>
@@ -24617,16 +25319,337 @@
           <a:lstStyle/>
           <a:p>
             <a:r>
-              <a:rPr lang="en-US" dirty="0" smtClean="0">
+              <a:rPr lang="en-US" dirty="0">
                 <a:latin typeface="Trebuchet MS"/>
                 <a:cs typeface="Trebuchet MS"/>
               </a:rPr>
               <a:t>Contrast</a:t>
             </a:r>
-            <a:endParaRPr lang="en-US" dirty="0">
-              <a:latin typeface="Trebuchet MS"/>
-              <a:cs typeface="Trebuchet MS"/>
-            </a:endParaRPr>
+          </a:p>
+        </p:txBody>
+      </p:sp>
+      <p:grpSp>
+        <p:nvGrpSpPr>
+          <p:cNvPr id="17" name="Group 16">
+            <a:extLst>
+              <a:ext uri="{FF2B5EF4-FFF2-40B4-BE49-F238E27FC236}">
+                <a16:creationId xmlns:a16="http://schemas.microsoft.com/office/drawing/2014/main" id="{8874BDC6-05B4-5745-93A2-0BB1D6106163}"/>
+              </a:ext>
+            </a:extLst>
+          </p:cNvPr>
+          <p:cNvGrpSpPr/>
+          <p:nvPr/>
+        </p:nvGrpSpPr>
+        <p:grpSpPr>
+          <a:xfrm>
+            <a:off x="7466630" y="2747975"/>
+            <a:ext cx="1550437" cy="1362049"/>
+            <a:chOff x="3845219" y="1570743"/>
+            <a:chExt cx="5391132" cy="4384571"/>
+          </a:xfrm>
+        </p:grpSpPr>
+        <p:pic>
+          <p:nvPicPr>
+            <p:cNvPr id="18" name="Picture 17">
+              <a:extLst>
+                <a:ext uri="{FF2B5EF4-FFF2-40B4-BE49-F238E27FC236}">
+                  <a16:creationId xmlns:a16="http://schemas.microsoft.com/office/drawing/2014/main" id="{42FA0543-C467-5E49-87AC-8CE144F746A7}"/>
+                </a:ext>
+              </a:extLst>
+            </p:cNvPr>
+            <p:cNvPicPr>
+              <a:picLocks noChangeAspect="1"/>
+            </p:cNvPicPr>
+            <p:nvPr/>
+          </p:nvPicPr>
+          <p:blipFill>
+            <a:blip r:embed="rId6"/>
+            <a:stretch>
+              <a:fillRect/>
+            </a:stretch>
+          </p:blipFill>
+          <p:spPr>
+            <a:xfrm>
+              <a:off x="3845219" y="1570743"/>
+              <a:ext cx="5391132" cy="4202213"/>
+            </a:xfrm>
+            <a:prstGeom prst="rect">
+              <a:avLst/>
+            </a:prstGeom>
+          </p:spPr>
+        </p:pic>
+        <p:sp>
+          <p:nvSpPr>
+            <p:cNvPr id="24" name="CuadroTexto 17">
+              <a:extLst>
+                <a:ext uri="{FF2B5EF4-FFF2-40B4-BE49-F238E27FC236}">
+                  <a16:creationId xmlns:a16="http://schemas.microsoft.com/office/drawing/2014/main" id="{A119C7FB-4956-5149-B274-14E8F299F434}"/>
+                </a:ext>
+              </a:extLst>
+            </p:cNvPr>
+            <p:cNvSpPr txBox="1"/>
+            <p:nvPr/>
+          </p:nvSpPr>
+          <p:spPr>
+            <a:xfrm>
+              <a:off x="4191212" y="4983911"/>
+              <a:ext cx="237640" cy="369332"/>
+            </a:xfrm>
+            <a:prstGeom prst="rect">
+              <a:avLst/>
+            </a:prstGeom>
+            <a:noFill/>
+          </p:spPr>
+          <p:txBody>
+            <a:bodyPr wrap="none" rtlCol="0">
+              <a:spAutoFit/>
+            </a:bodyPr>
+            <a:lstStyle/>
+            <a:p>
+              <a:r>
+                <a:rPr lang="es-ES_tradnl" dirty="0" err="1"/>
+                <a:t>i</a:t>
+              </a:r>
+              <a:endParaRPr lang="es-ES_tradnl" dirty="0"/>
+            </a:p>
+          </p:txBody>
+        </p:sp>
+        <p:sp>
+          <p:nvSpPr>
+            <p:cNvPr id="25" name="CuadroTexto 18">
+              <a:extLst>
+                <a:ext uri="{FF2B5EF4-FFF2-40B4-BE49-F238E27FC236}">
+                  <a16:creationId xmlns:a16="http://schemas.microsoft.com/office/drawing/2014/main" id="{B3C92E09-1224-9E4B-9974-A55DCA00C681}"/>
+                </a:ext>
+              </a:extLst>
+            </p:cNvPr>
+            <p:cNvSpPr txBox="1"/>
+            <p:nvPr/>
+          </p:nvSpPr>
+          <p:spPr>
+            <a:xfrm>
+              <a:off x="7129850" y="5585982"/>
+              <a:ext cx="237640" cy="369332"/>
+            </a:xfrm>
+            <a:prstGeom prst="rect">
+              <a:avLst/>
+            </a:prstGeom>
+            <a:noFill/>
+          </p:spPr>
+          <p:txBody>
+            <a:bodyPr wrap="none" rtlCol="0">
+              <a:spAutoFit/>
+            </a:bodyPr>
+            <a:lstStyle/>
+            <a:p>
+              <a:r>
+                <a:rPr lang="es-ES_tradnl" dirty="0" err="1"/>
+                <a:t>j</a:t>
+              </a:r>
+              <a:endParaRPr lang="es-ES_tradnl" dirty="0"/>
+            </a:p>
+          </p:txBody>
+        </p:sp>
+        <p:sp>
+          <p:nvSpPr>
+            <p:cNvPr id="26" name="Rectángulo 19">
+              <a:extLst>
+                <a:ext uri="{FF2B5EF4-FFF2-40B4-BE49-F238E27FC236}">
+                  <a16:creationId xmlns:a16="http://schemas.microsoft.com/office/drawing/2014/main" id="{9A4056CE-DB57-9B4D-99CB-BB38FA7FB9BF}"/>
+                </a:ext>
+              </a:extLst>
+            </p:cNvPr>
+            <p:cNvSpPr/>
+            <p:nvPr/>
+          </p:nvSpPr>
+          <p:spPr>
+            <a:xfrm>
+              <a:off x="4469492" y="2049319"/>
+              <a:ext cx="582211" cy="369332"/>
+            </a:xfrm>
+            <a:prstGeom prst="rect">
+              <a:avLst/>
+            </a:prstGeom>
+          </p:spPr>
+          <p:txBody>
+            <a:bodyPr wrap="none">
+              <a:spAutoFit/>
+            </a:bodyPr>
+            <a:lstStyle/>
+            <a:p>
+              <a:r>
+                <a:rPr lang="es-ES_tradnl" dirty="0"/>
+                <a:t>(</a:t>
+              </a:r>
+              <a:r>
+                <a:rPr lang="es-ES_tradnl" dirty="0" err="1"/>
+                <a:t>i</a:t>
+              </a:r>
+              <a:r>
+                <a:rPr lang="es-ES_tradnl" dirty="0"/>
+                <a:t>-</a:t>
+              </a:r>
+              <a:r>
+                <a:rPr lang="es-ES_tradnl" dirty="0" err="1"/>
+                <a:t>j</a:t>
+              </a:r>
+              <a:r>
+                <a:rPr lang="es-ES_tradnl" dirty="0"/>
+                <a:t>)</a:t>
+              </a:r>
+              <a:r>
+                <a:rPr lang="es-ES_tradnl" baseline="30000" dirty="0"/>
+                <a:t>2</a:t>
+              </a:r>
+              <a:endParaRPr lang="es-ES_tradnl" dirty="0"/>
+            </a:p>
+          </p:txBody>
+        </p:sp>
+      </p:grpSp>
+      <p:cxnSp>
+        <p:nvCxnSpPr>
+          <p:cNvPr id="27" name="Straight Arrow Connector 26">
+            <a:extLst>
+              <a:ext uri="{FF2B5EF4-FFF2-40B4-BE49-F238E27FC236}">
+                <a16:creationId xmlns:a16="http://schemas.microsoft.com/office/drawing/2014/main" id="{AAE8321E-DD84-4547-8A96-F80BC29F7077}"/>
+              </a:ext>
+            </a:extLst>
+          </p:cNvPr>
+          <p:cNvCxnSpPr/>
+          <p:nvPr/>
+        </p:nvCxnSpPr>
+        <p:spPr>
+          <a:xfrm flipH="1">
+            <a:off x="7924043" y="4341370"/>
+            <a:ext cx="326822" cy="369332"/>
+          </a:xfrm>
+          <a:prstGeom prst="straightConnector1">
+            <a:avLst/>
+          </a:prstGeom>
+          <a:ln>
+            <a:tailEnd type="triangle"/>
+          </a:ln>
+        </p:spPr>
+        <p:style>
+          <a:lnRef idx="1">
+            <a:schemeClr val="accent1"/>
+          </a:lnRef>
+          <a:fillRef idx="0">
+            <a:schemeClr val="accent1"/>
+          </a:fillRef>
+          <a:effectRef idx="0">
+            <a:schemeClr val="accent1"/>
+          </a:effectRef>
+          <a:fontRef idx="minor">
+            <a:schemeClr val="tx1"/>
+          </a:fontRef>
+        </p:style>
+      </p:cxnSp>
+      <p:sp>
+        <p:nvSpPr>
+          <p:cNvPr id="28" name="Rectangle 27">
+            <a:extLst>
+              <a:ext uri="{FF2B5EF4-FFF2-40B4-BE49-F238E27FC236}">
+                <a16:creationId xmlns:a16="http://schemas.microsoft.com/office/drawing/2014/main" id="{466CF83E-8CD8-834D-9A04-301137D87A3C}"/>
+              </a:ext>
+            </a:extLst>
+          </p:cNvPr>
+          <p:cNvSpPr/>
+          <p:nvPr/>
+        </p:nvSpPr>
+        <p:spPr>
+          <a:xfrm>
+            <a:off x="4394020" y="4341370"/>
+            <a:ext cx="2505814" cy="369332"/>
+          </a:xfrm>
+          <a:prstGeom prst="rect">
+            <a:avLst/>
+          </a:prstGeom>
+        </p:spPr>
+        <p:txBody>
+          <a:bodyPr wrap="none">
+            <a:spAutoFit/>
+          </a:bodyPr>
+          <a:lstStyle/>
+          <a:p>
+            <a:r>
+              <a:rPr lang="en-US" b="1" dirty="0" err="1">
+                <a:latin typeface="LM Roman 10 Regular"/>
+                <a:cs typeface="LM Roman 10 Regular"/>
+              </a:rPr>
+              <a:t>P</a:t>
+            </a:r>
+            <a:r>
+              <a:rPr lang="en-US" b="1" baseline="-25000" dirty="0" err="1">
+                <a:latin typeface="LM Roman 10 Regular"/>
+                <a:cs typeface="LM Roman 10 Regular"/>
+              </a:rPr>
+              <a:t>v</a:t>
+            </a:r>
+            <a:r>
+              <a:rPr lang="en-US" b="1" baseline="-25000" dirty="0">
+                <a:latin typeface="LM Roman 10 Regular"/>
+                <a:cs typeface="LM Roman 10 Regular"/>
+              </a:rPr>
+              <a:t> </a:t>
+            </a:r>
+            <a:r>
+              <a:rPr lang="en-US" b="1" dirty="0">
+                <a:latin typeface="LM Roman 10 Regular"/>
+                <a:cs typeface="LM Roman 10 Regular"/>
+              </a:rPr>
+              <a:t>                              </a:t>
+            </a:r>
+            <a:r>
+              <a:rPr lang="en-US" dirty="0">
+                <a:latin typeface="LM Roman 10 Regular"/>
+                <a:cs typeface="LM Roman 10 Regular"/>
+              </a:rPr>
+              <a:t>(</a:t>
+            </a:r>
+            <a:r>
+              <a:rPr lang="en-US" i="1" dirty="0" err="1">
+                <a:latin typeface="LM Roman 10 Regular"/>
+                <a:cs typeface="LM Roman 10 Regular"/>
+              </a:rPr>
+              <a:t>i</a:t>
+            </a:r>
+            <a:r>
+              <a:rPr lang="en-US" i="1" dirty="0">
+                <a:latin typeface="LM Roman 10 Regular"/>
+                <a:cs typeface="LM Roman 10 Regular"/>
+              </a:rPr>
+              <a:t> </a:t>
+            </a:r>
+            <a:r>
+              <a:rPr lang="en-US" dirty="0">
+                <a:latin typeface="LM Roman 10 Regular"/>
+                <a:cs typeface="LM Roman 10 Regular"/>
+              </a:rPr>
+              <a:t>- </a:t>
+            </a:r>
+            <a:r>
+              <a:rPr lang="en-US" i="1" dirty="0">
+                <a:latin typeface="LM Roman 10 Regular"/>
+                <a:cs typeface="LM Roman 10 Regular"/>
+              </a:rPr>
+              <a:t>j</a:t>
+            </a:r>
+            <a:r>
+              <a:rPr lang="en-US" dirty="0">
+                <a:latin typeface="LM Roman 10 Regular"/>
+                <a:cs typeface="LM Roman 10 Regular"/>
+              </a:rPr>
+              <a:t>)</a:t>
+            </a:r>
+            <a:r>
+              <a:rPr lang="en-US" baseline="30000" dirty="0">
+                <a:latin typeface="LM Roman 10 Regular"/>
+                <a:cs typeface="LM Roman 10 Regular"/>
+              </a:rPr>
+              <a:t>2</a:t>
+            </a:r>
+            <a:endParaRPr lang="en-US" baseline="30000" dirty="0"/>
           </a:p>
         </p:txBody>
       </p:sp>
@@ -24640,13 +25663,6 @@
   <p:clrMapOvr>
     <a:masterClrMapping/>
   </p:clrMapOvr>
-  <p:timing>
-    <p:tnLst>
-      <p:par>
-        <p:cTn id="1" dur="indefinite" restart="never" nodeType="tmRoot"/>
-      </p:par>
-    </p:tnLst>
-  </p:timing>
 </p:sld>
 </file>
 
@@ -24734,16 +25750,12 @@
             <a:lstStyle/>
             <a:p>
               <a:r>
-                <a:rPr lang="en-US" dirty="0" smtClean="0">
+                <a:rPr lang="en-US" dirty="0">
                   <a:latin typeface="Trebuchet MS"/>
                   <a:cs typeface="Trebuchet MS"/>
                 </a:rPr>
                 <a:t>Contrast</a:t>
               </a:r>
-              <a:endParaRPr lang="en-US" dirty="0">
-                <a:latin typeface="Trebuchet MS"/>
-                <a:cs typeface="Trebuchet MS"/>
-              </a:endParaRPr>
             </a:p>
           </p:txBody>
         </p:sp>
@@ -24815,16 +25827,12 @@
             <a:lstStyle/>
             <a:p>
               <a:r>
-                <a:rPr lang="en-US" dirty="0" smtClean="0">
+                <a:rPr lang="en-US" dirty="0">
                   <a:latin typeface="Trebuchet MS"/>
                   <a:cs typeface="Trebuchet MS"/>
                 </a:rPr>
                 <a:t>Energy</a:t>
               </a:r>
-              <a:endParaRPr lang="en-US" dirty="0">
-                <a:latin typeface="Trebuchet MS"/>
-                <a:cs typeface="Trebuchet MS"/>
-              </a:endParaRPr>
             </a:p>
           </p:txBody>
         </p:sp>
@@ -24896,7 +25904,7 @@
             <a:lstStyle/>
             <a:p>
               <a:r>
-                <a:rPr lang="en-US" dirty="0" smtClean="0">
+                <a:rPr lang="en-US" dirty="0">
                   <a:latin typeface="Trebuchet MS"/>
                   <a:cs typeface="Trebuchet MS"/>
                 </a:rPr>
@@ -24905,16 +25913,12 @@
             </a:p>
             <a:p>
               <a:r>
-                <a:rPr lang="en-US" dirty="0" smtClean="0">
+                <a:rPr lang="en-US" dirty="0">
                   <a:latin typeface="Trebuchet MS"/>
                   <a:cs typeface="Trebuchet MS"/>
                 </a:rPr>
                 <a:t>inverse difference</a:t>
               </a:r>
-              <a:endParaRPr lang="en-US" dirty="0">
-                <a:latin typeface="Trebuchet MS"/>
-                <a:cs typeface="Trebuchet MS"/>
-              </a:endParaRPr>
             </a:p>
           </p:txBody>
         </p:sp>
@@ -24986,16 +25990,12 @@
             <a:lstStyle/>
             <a:p>
               <a:r>
-                <a:rPr lang="en-US" dirty="0" smtClean="0">
+                <a:rPr lang="en-US" dirty="0">
                   <a:latin typeface="Trebuchet MS"/>
                   <a:cs typeface="Trebuchet MS"/>
                 </a:rPr>
                 <a:t>Entropy</a:t>
               </a:r>
-              <a:endParaRPr lang="en-US" dirty="0">
-                <a:latin typeface="Trebuchet MS"/>
-                <a:cs typeface="Trebuchet MS"/>
-              </a:endParaRPr>
             </a:p>
           </p:txBody>
         </p:sp>
@@ -25023,16 +26023,12 @@
           <a:lstStyle/>
           <a:p>
             <a:r>
-              <a:rPr lang="en-US" sz="3200" b="1" dirty="0" smtClean="0">
+              <a:rPr lang="en-US" sz="3200" b="1" dirty="0">
                 <a:latin typeface="Trebuchet MS"/>
                 <a:cs typeface="Trebuchet MS"/>
               </a:rPr>
               <a:t>Features based on Co-occurrence Matrix</a:t>
             </a:r>
-            <a:endParaRPr lang="en-US" sz="3200" b="1" dirty="0">
-              <a:latin typeface="Trebuchet MS"/>
-              <a:cs typeface="Trebuchet MS"/>
-            </a:endParaRPr>
           </a:p>
         </p:txBody>
       </p:sp>
@@ -25299,7 +26295,7 @@
           <a:lstStyle/>
           <a:p>
             <a:r>
-              <a:rPr lang="en-US" b="1" dirty="0" smtClean="0">
+              <a:rPr lang="en-US" b="1" dirty="0">
                 <a:latin typeface="Trebuchet MS"/>
                 <a:cs typeface="Trebuchet MS"/>
               </a:rPr>
@@ -25308,16 +26304,12 @@
           </a:p>
           <a:p>
             <a:r>
-              <a:rPr lang="en-US" dirty="0" smtClean="0">
+              <a:rPr lang="en-US" dirty="0">
                 <a:latin typeface="Trebuchet MS"/>
                 <a:cs typeface="Trebuchet MS"/>
               </a:rPr>
               <a:t>They measure how is the distribution of co-occurring of pairs of pixels in an image.</a:t>
             </a:r>
-            <a:endParaRPr lang="en-US" dirty="0">
-              <a:latin typeface="Trebuchet MS"/>
-              <a:cs typeface="Trebuchet MS"/>
-            </a:endParaRPr>
           </a:p>
         </p:txBody>
       </p:sp>
@@ -25372,7 +26364,7 @@
               <a:t>, and I. </a:t>
             </a:r>
             <a:r>
-              <a:rPr lang="en-US" sz="1200" dirty="0" err="1" smtClean="0">
+              <a:rPr lang="en-US" sz="1200" dirty="0" err="1">
                 <a:latin typeface="Trebuchet MS"/>
                 <a:cs typeface="Trebuchet MS"/>
               </a:rPr>
@@ -25383,22 +26375,7 @@
                 <a:latin typeface="Trebuchet MS"/>
                 <a:cs typeface="Trebuchet MS"/>
               </a:rPr>
-              <a:t> </a:t>
-            </a:r>
-            <a:r>
-              <a:rPr lang="en-US" sz="1200" dirty="0" smtClean="0">
-                <a:latin typeface="Trebuchet MS"/>
-                <a:cs typeface="Trebuchet MS"/>
-              </a:rPr>
-              <a:t>(1973): </a:t>
-            </a:r>
-            <a:r>
-              <a:rPr lang="en-US" sz="1200" dirty="0" smtClean="0">
-                <a:latin typeface="Trebuchet MS"/>
-                <a:cs typeface="Trebuchet MS"/>
-                <a:hlinkClick r:id="rId2"/>
-              </a:rPr>
-              <a:t>Textural </a:t>
+              <a:t> (1973): </a:t>
             </a:r>
             <a:r>
               <a:rPr lang="en-US" sz="1200" dirty="0">
@@ -25406,57 +26383,14 @@
                 <a:cs typeface="Trebuchet MS"/>
                 <a:hlinkClick r:id="rId2"/>
               </a:rPr>
-              <a:t>Features for Image </a:t>
-            </a:r>
-            <a:r>
-              <a:rPr lang="en-US" sz="1200" dirty="0" smtClean="0">
-                <a:latin typeface="Trebuchet MS"/>
-                <a:cs typeface="Trebuchet MS"/>
-                <a:hlinkClick r:id="rId2"/>
-              </a:rPr>
-              <a:t>Classification</a:t>
-            </a:r>
-            <a:r>
-              <a:rPr lang="en-US" sz="1200" dirty="0" smtClean="0">
-                <a:latin typeface="Trebuchet MS"/>
-                <a:cs typeface="Trebuchet MS"/>
-              </a:rPr>
-              <a:t>, </a:t>
+              <a:t>Textural Features for Image Classification</a:t>
             </a:r>
             <a:r>
               <a:rPr lang="en-US" sz="1200" dirty="0">
                 <a:latin typeface="Trebuchet MS"/>
                 <a:cs typeface="Trebuchet MS"/>
               </a:rPr>
-              <a:t>IEEE Transactions on Systems, Man, and Cybernetics, </a:t>
-            </a:r>
-            <a:r>
-              <a:rPr lang="en-US" sz="1200" dirty="0" smtClean="0">
-                <a:latin typeface="Trebuchet MS"/>
-                <a:cs typeface="Trebuchet MS"/>
-              </a:rPr>
-              <a:t>SMC</a:t>
-            </a:r>
-            <a:r>
-              <a:rPr lang="en-US" sz="1200" dirty="0">
-                <a:latin typeface="Trebuchet MS"/>
-                <a:cs typeface="Trebuchet MS"/>
-              </a:rPr>
-              <a:t>-</a:t>
-            </a:r>
-            <a:r>
-              <a:rPr lang="en-US" sz="1200" dirty="0" smtClean="0">
-                <a:latin typeface="Trebuchet MS"/>
-                <a:cs typeface="Trebuchet MS"/>
-              </a:rPr>
-              <a:t>3:610</a:t>
-            </a:r>
-            <a:r>
-              <a:rPr lang="en-US" sz="1200" dirty="0">
-                <a:latin typeface="Trebuchet MS"/>
-                <a:cs typeface="Trebuchet MS"/>
-              </a:rPr>
-              <a:t>-621.</a:t>
+              <a:t>, IEEE Transactions on Systems, Man, and Cybernetics, SMC-3:610-621.</a:t>
             </a:r>
           </a:p>
         </p:txBody>
@@ -25466,13 +26400,6 @@
   <p:clrMapOvr>
     <a:masterClrMapping/>
   </p:clrMapOvr>
-  <p:timing>
-    <p:tnLst>
-      <p:par>
-        <p:cTn id="1" dur="indefinite" restart="never" nodeType="tmRoot"/>
-      </p:par>
-    </p:tnLst>
-  </p:timing>
 </p:sld>
 </file>
 
@@ -25516,28 +26443,27 @@
           <a:lstStyle/>
           <a:p>
             <a:r>
-              <a:rPr lang="es-ES_tradnl" dirty="0" smtClean="0"/>
+              <a:rPr lang="es-ES_tradnl" dirty="0"/>
               <a:t>1	0	1	2</a:t>
             </a:r>
           </a:p>
           <a:p>
             <a:r>
-              <a:rPr lang="es-ES_tradnl" dirty="0" smtClean="0"/>
+              <a:rPr lang="es-ES_tradnl" dirty="0"/>
               <a:t>1	1	0	0</a:t>
             </a:r>
           </a:p>
           <a:p>
             <a:r>
-              <a:rPr lang="es-ES_tradnl" dirty="0" smtClean="0"/>
+              <a:rPr lang="es-ES_tradnl" dirty="0"/>
               <a:t>0	2	1	0</a:t>
             </a:r>
           </a:p>
           <a:p>
             <a:r>
-              <a:rPr lang="es-ES_tradnl" dirty="0" smtClean="0"/>
+              <a:rPr lang="es-ES_tradnl" dirty="0"/>
               <a:t>0	2	0	2	</a:t>
             </a:r>
-            <a:endParaRPr lang="es-ES_tradnl" dirty="0"/>
           </a:p>
         </p:txBody>
       </p:sp>
@@ -25603,21 +26529,21 @@
           <a:lstStyle/>
           <a:p>
             <a:r>
-              <a:rPr lang="en-US" smtClean="0"/>
+              <a:rPr lang="en-US"/>
               <a:t>Example:</a:t>
             </a:r>
           </a:p>
           <a:p>
             <a:r>
-              <a:rPr lang="en-US" smtClean="0"/>
+              <a:rPr lang="en-US"/>
               <a:t>Given an imagen I, the co-ccurrence matrix P</a:t>
             </a:r>
             <a:r>
-              <a:rPr lang="en-US" baseline="-25000" smtClean="0"/>
+              <a:rPr lang="en-US" baseline="-25000"/>
               <a:t>10</a:t>
             </a:r>
             <a:r>
-              <a:rPr lang="en-US" smtClean="0"/>
+              <a:rPr lang="en-US"/>
               <a:t> is computed as follows:</a:t>
             </a:r>
             <a:endParaRPr lang="en-US" baseline="-25000"/>
@@ -25647,10 +26573,9 @@
           <a:lstStyle/>
           <a:p>
             <a:r>
-              <a:rPr lang="es-ES_tradnl" dirty="0" smtClean="0"/>
+              <a:rPr lang="es-ES_tradnl" dirty="0"/>
               <a:t>I =</a:t>
             </a:r>
-            <a:endParaRPr lang="es-ES_tradnl" dirty="0"/>
           </a:p>
         </p:txBody>
       </p:sp>
@@ -25677,16 +26602,15 @@
           <a:lstStyle/>
           <a:p>
             <a:r>
-              <a:rPr lang="en-US" b="1" dirty="0" smtClean="0"/>
+              <a:rPr lang="en-US" b="1" dirty="0"/>
               <a:t>Co-occurrence matrices</a:t>
             </a:r>
           </a:p>
           <a:p>
             <a:r>
-              <a:rPr lang="en-US" dirty="0" smtClean="0"/>
+              <a:rPr lang="en-US" dirty="0"/>
               <a:t>They measure how is the distribution of co-occurring of pairs of pixels in an image.</a:t>
             </a:r>
-            <a:endParaRPr lang="en-US" dirty="0"/>
           </a:p>
         </p:txBody>
       </p:sp>
@@ -25695,13 +26619,6 @@
   <p:clrMapOvr>
     <a:masterClrMapping/>
   </p:clrMapOvr>
-  <p:timing>
-    <p:tnLst>
-      <p:par>
-        <p:cTn id="1" dur="indefinite" restart="never" nodeType="tmRoot"/>
-      </p:par>
-    </p:tnLst>
-  </p:timing>
 </p:sld>
 </file>
 
@@ -25745,28 +26662,27 @@
           <a:lstStyle/>
           <a:p>
             <a:r>
-              <a:rPr lang="es-ES_tradnl" dirty="0" smtClean="0"/>
+              <a:rPr lang="es-ES_tradnl" dirty="0"/>
               <a:t>1	0	1	2</a:t>
             </a:r>
           </a:p>
           <a:p>
             <a:r>
-              <a:rPr lang="es-ES_tradnl" dirty="0" smtClean="0"/>
+              <a:rPr lang="es-ES_tradnl" dirty="0"/>
               <a:t>1	1	0	0</a:t>
             </a:r>
           </a:p>
           <a:p>
             <a:r>
-              <a:rPr lang="es-ES_tradnl" dirty="0" smtClean="0"/>
+              <a:rPr lang="es-ES_tradnl" dirty="0"/>
               <a:t>0	2	1	0</a:t>
             </a:r>
           </a:p>
           <a:p>
             <a:r>
-              <a:rPr lang="es-ES_tradnl" dirty="0" smtClean="0"/>
+              <a:rPr lang="es-ES_tradnl" dirty="0"/>
               <a:t>0	2	0	2	</a:t>
             </a:r>
-            <a:endParaRPr lang="es-ES_tradnl" dirty="0"/>
           </a:p>
         </p:txBody>
       </p:sp>
@@ -25832,10 +26748,9 @@
           <a:lstStyle/>
           <a:p>
             <a:r>
-              <a:rPr lang="es-ES_tradnl" dirty="0" smtClean="0"/>
+              <a:rPr lang="es-ES_tradnl" dirty="0"/>
               <a:t>I =</a:t>
             </a:r>
-            <a:endParaRPr lang="es-ES_tradnl" dirty="0"/>
           </a:p>
         </p:txBody>
       </p:sp>
@@ -25862,11 +26777,11 @@
           <a:lstStyle/>
           <a:p>
             <a:r>
-              <a:rPr lang="en-US" smtClean="0"/>
+              <a:rPr lang="en-US"/>
               <a:t>10   indicates 1 </a:t>
             </a:r>
             <a:r>
-              <a:rPr lang="en-US" smtClean="0">
+              <a:rPr lang="en-US">
                 <a:latin typeface="Wingdings"/>
                 <a:ea typeface="Wingdings"/>
                 <a:cs typeface="Wingdings"/>
@@ -25875,17 +26790,17 @@
               <a:t></a:t>
             </a:r>
             <a:r>
-              <a:rPr lang="en-US" smtClean="0">
+              <a:rPr lang="en-US">
                 <a:sym typeface="Wingdings"/>
               </a:rPr>
               <a:t> and</a:t>
             </a:r>
             <a:r>
-              <a:rPr lang="en-US" smtClean="0"/>
+              <a:rPr lang="en-US"/>
               <a:t> 0 </a:t>
             </a:r>
             <a:r>
-              <a:rPr lang="en-US" smtClean="0">
+              <a:rPr lang="en-US">
                 <a:latin typeface="Wingdings"/>
                 <a:ea typeface="Wingdings"/>
                 <a:cs typeface="Wingdings"/>
@@ -25894,10 +26809,9 @@
               <a:t></a:t>
             </a:r>
             <a:r>
-              <a:rPr lang="en-US" smtClean="0"/>
+              <a:rPr lang="en-US"/>
               <a:t>:</a:t>
             </a:r>
-            <a:endParaRPr lang="en-US"/>
           </a:p>
         </p:txBody>
       </p:sp>
@@ -26121,7 +27035,7 @@
               </a:spcAft>
             </a:pPr>
             <a:r>
-              <a:rPr lang="en-US" smtClean="0"/>
+              <a:rPr lang="en-US"/>
               <a:t>first pixel</a:t>
             </a:r>
           </a:p>
@@ -26132,10 +27046,9 @@
               </a:spcAft>
             </a:pPr>
             <a:r>
-              <a:rPr lang="en-US" smtClean="0"/>
+              <a:rPr lang="en-US"/>
               <a:t>second pixel</a:t>
             </a:r>
-            <a:endParaRPr lang="en-US"/>
           </a:p>
         </p:txBody>
       </p:sp>
@@ -26162,16 +27075,15 @@
           <a:lstStyle/>
           <a:p>
             <a:r>
-              <a:rPr lang="en-US" smtClean="0"/>
+              <a:rPr lang="en-US"/>
               <a:t>second pixel is located 1 pixel down, </a:t>
             </a:r>
           </a:p>
           <a:p>
             <a:r>
-              <a:rPr lang="en-US" smtClean="0"/>
+              <a:rPr lang="en-US"/>
               <a:t>and 0 pixels to the right of the first pixel.</a:t>
             </a:r>
-            <a:endParaRPr lang="en-US"/>
           </a:p>
         </p:txBody>
       </p:sp>
@@ -26198,21 +27110,21 @@
           <a:lstStyle/>
           <a:p>
             <a:r>
-              <a:rPr lang="en-US" smtClean="0"/>
+              <a:rPr lang="en-US"/>
               <a:t>Example:</a:t>
             </a:r>
           </a:p>
           <a:p>
             <a:r>
-              <a:rPr lang="en-US" smtClean="0"/>
+              <a:rPr lang="en-US"/>
               <a:t>Given an imagen I, the co-ccurrence matrix P</a:t>
             </a:r>
             <a:r>
-              <a:rPr lang="en-US" baseline="-25000" smtClean="0"/>
+              <a:rPr lang="en-US" baseline="-25000"/>
               <a:t>10</a:t>
             </a:r>
             <a:r>
-              <a:rPr lang="en-US" smtClean="0"/>
+              <a:rPr lang="en-US"/>
               <a:t> is computed as follows:</a:t>
             </a:r>
             <a:endParaRPr lang="en-US" baseline="-25000"/>
@@ -26242,16 +27154,92 @@
           <a:lstStyle/>
           <a:p>
             <a:r>
-              <a:rPr lang="en-US" b="1" dirty="0" smtClean="0"/>
+              <a:rPr lang="en-US" b="1" dirty="0"/>
               <a:t>Co-occurrence matrices</a:t>
             </a:r>
           </a:p>
           <a:p>
             <a:r>
-              <a:rPr lang="en-US" dirty="0" smtClean="0"/>
+              <a:rPr lang="en-US" dirty="0"/>
               <a:t>They measure how is the distribution of co-occurring of pairs of pixels in an image.</a:t>
             </a:r>
-            <a:endParaRPr lang="en-US" dirty="0"/>
+          </a:p>
+        </p:txBody>
+      </p:sp>
+      <p:cxnSp>
+        <p:nvCxnSpPr>
+          <p:cNvPr id="3" name="Straight Arrow Connector 2">
+            <a:extLst>
+              <a:ext uri="{FF2B5EF4-FFF2-40B4-BE49-F238E27FC236}">
+                <a16:creationId xmlns:a16="http://schemas.microsoft.com/office/drawing/2014/main" id="{CF0D65B2-AD18-DC4C-A680-00FD703D368E}"/>
+              </a:ext>
+            </a:extLst>
+          </p:cNvPr>
+          <p:cNvCxnSpPr/>
+          <p:nvPr/>
+        </p:nvCxnSpPr>
+        <p:spPr>
+          <a:xfrm>
+            <a:off x="5890437" y="3429000"/>
+            <a:ext cx="0" cy="643270"/>
+          </a:xfrm>
+          <a:prstGeom prst="straightConnector1">
+            <a:avLst/>
+          </a:prstGeom>
+          <a:ln w="47625">
+            <a:solidFill>
+              <a:srgbClr val="FF0000"/>
+            </a:solidFill>
+            <a:tailEnd type="triangle"/>
+          </a:ln>
+        </p:spPr>
+        <p:style>
+          <a:lnRef idx="1">
+            <a:schemeClr val="accent1"/>
+          </a:lnRef>
+          <a:fillRef idx="0">
+            <a:schemeClr val="accent1"/>
+          </a:fillRef>
+          <a:effectRef idx="0">
+            <a:schemeClr val="accent1"/>
+          </a:effectRef>
+          <a:fontRef idx="minor">
+            <a:schemeClr val="tx1"/>
+          </a:fontRef>
+        </p:style>
+      </p:cxnSp>
+      <p:sp>
+        <p:nvSpPr>
+          <p:cNvPr id="4" name="TextBox 3">
+            <a:extLst>
+              <a:ext uri="{FF2B5EF4-FFF2-40B4-BE49-F238E27FC236}">
+                <a16:creationId xmlns:a16="http://schemas.microsoft.com/office/drawing/2014/main" id="{B42D45FC-DA91-224B-B211-3D11A47D9779}"/>
+              </a:ext>
+            </a:extLst>
+          </p:cNvPr>
+          <p:cNvSpPr txBox="1"/>
+          <p:nvPr/>
+        </p:nvSpPr>
+        <p:spPr>
+          <a:xfrm>
+            <a:off x="5550198" y="3572536"/>
+            <a:ext cx="288862" cy="369332"/>
+          </a:xfrm>
+          <a:prstGeom prst="rect">
+            <a:avLst/>
+          </a:prstGeom>
+          <a:noFill/>
+        </p:spPr>
+        <p:txBody>
+          <a:bodyPr wrap="none" rtlCol="0">
+            <a:spAutoFit/>
+          </a:bodyPr>
+          <a:lstStyle/>
+          <a:p>
+            <a:r>
+              <a:rPr lang="en-US" dirty="0"/>
+              <a:t>v</a:t>
+            </a:r>
           </a:p>
         </p:txBody>
       </p:sp>
@@ -26260,13 +27248,6 @@
   <p:clrMapOvr>
     <a:masterClrMapping/>
   </p:clrMapOvr>
-  <p:timing>
-    <p:tnLst>
-      <p:par>
-        <p:cTn id="1" dur="indefinite" restart="never" nodeType="tmRoot"/>
-      </p:par>
-    </p:tnLst>
-  </p:timing>
 </p:sld>
 </file>
 
@@ -26310,28 +27291,27 @@
           <a:lstStyle/>
           <a:p>
             <a:r>
-              <a:rPr lang="es-ES_tradnl" dirty="0" smtClean="0"/>
+              <a:rPr lang="es-ES_tradnl" dirty="0"/>
               <a:t>1	0	1	2</a:t>
             </a:r>
           </a:p>
           <a:p>
             <a:r>
-              <a:rPr lang="es-ES_tradnl" dirty="0" smtClean="0"/>
+              <a:rPr lang="es-ES_tradnl" dirty="0"/>
               <a:t>1	1	0	0</a:t>
             </a:r>
           </a:p>
           <a:p>
             <a:r>
-              <a:rPr lang="es-ES_tradnl" dirty="0" smtClean="0"/>
+              <a:rPr lang="es-ES_tradnl" dirty="0"/>
               <a:t>0	2	1	0</a:t>
             </a:r>
           </a:p>
           <a:p>
             <a:r>
-              <a:rPr lang="es-ES_tradnl" dirty="0" smtClean="0"/>
+              <a:rPr lang="es-ES_tradnl" dirty="0"/>
               <a:t>0	2	0	2	</a:t>
             </a:r>
-            <a:endParaRPr lang="es-ES_tradnl" dirty="0"/>
           </a:p>
         </p:txBody>
       </p:sp>
@@ -26397,10 +27377,9 @@
           <a:lstStyle/>
           <a:p>
             <a:r>
-              <a:rPr lang="es-ES_tradnl" dirty="0" smtClean="0"/>
+              <a:rPr lang="es-ES_tradnl" dirty="0"/>
               <a:t>I =</a:t>
             </a:r>
-            <a:endParaRPr lang="es-ES_tradnl" dirty="0"/>
           </a:p>
         </p:txBody>
       </p:sp>
@@ -26427,11 +27406,11 @@
           <a:lstStyle/>
           <a:p>
             <a:r>
-              <a:rPr lang="en-US" smtClean="0"/>
+              <a:rPr lang="en-US"/>
               <a:t>10   indicates 1 </a:t>
             </a:r>
             <a:r>
-              <a:rPr lang="en-US" smtClean="0">
+              <a:rPr lang="en-US">
                 <a:latin typeface="Wingdings"/>
                 <a:ea typeface="Wingdings"/>
                 <a:cs typeface="Wingdings"/>
@@ -26440,17 +27419,17 @@
               <a:t></a:t>
             </a:r>
             <a:r>
-              <a:rPr lang="en-US" smtClean="0">
+              <a:rPr lang="en-US">
                 <a:sym typeface="Wingdings"/>
               </a:rPr>
               <a:t> and</a:t>
             </a:r>
             <a:r>
-              <a:rPr lang="en-US" smtClean="0"/>
+              <a:rPr lang="en-US"/>
               <a:t> 0 </a:t>
             </a:r>
             <a:r>
-              <a:rPr lang="en-US" smtClean="0">
+              <a:rPr lang="en-US">
                 <a:latin typeface="Wingdings"/>
                 <a:ea typeface="Wingdings"/>
                 <a:cs typeface="Wingdings"/>
@@ -26459,10 +27438,9 @@
               <a:t></a:t>
             </a:r>
             <a:r>
-              <a:rPr lang="en-US" smtClean="0"/>
+              <a:rPr lang="en-US"/>
               <a:t>:</a:t>
             </a:r>
-            <a:endParaRPr lang="en-US"/>
           </a:p>
         </p:txBody>
       </p:sp>
@@ -26686,7 +27664,7 @@
               </a:spcAft>
             </a:pPr>
             <a:r>
-              <a:rPr lang="en-US" smtClean="0"/>
+              <a:rPr lang="en-US"/>
               <a:t>first pixel</a:t>
             </a:r>
           </a:p>
@@ -26697,10 +27675,9 @@
               </a:spcAft>
             </a:pPr>
             <a:r>
-              <a:rPr lang="en-US" smtClean="0"/>
+              <a:rPr lang="en-US"/>
               <a:t>second pixel</a:t>
             </a:r>
-            <a:endParaRPr lang="en-US"/>
           </a:p>
         </p:txBody>
       </p:sp>
@@ -26727,16 +27704,15 @@
           <a:lstStyle/>
           <a:p>
             <a:r>
-              <a:rPr lang="en-US" smtClean="0"/>
+              <a:rPr lang="en-US"/>
               <a:t>second pixel is located 1 pixel down, </a:t>
             </a:r>
           </a:p>
           <a:p>
             <a:r>
-              <a:rPr lang="en-US" smtClean="0"/>
+              <a:rPr lang="en-US"/>
               <a:t>and 0 pixels to the right of the first pixel.</a:t>
             </a:r>
-            <a:endParaRPr lang="en-US"/>
           </a:p>
         </p:txBody>
       </p:sp>
@@ -26763,21 +27739,21 @@
           <a:lstStyle/>
           <a:p>
             <a:r>
-              <a:rPr lang="en-US" smtClean="0"/>
+              <a:rPr lang="en-US"/>
               <a:t>Example:</a:t>
             </a:r>
           </a:p>
           <a:p>
             <a:r>
-              <a:rPr lang="en-US" smtClean="0"/>
+              <a:rPr lang="en-US"/>
               <a:t>Given an imagen I, the co-ccurrence matrix P</a:t>
             </a:r>
             <a:r>
-              <a:rPr lang="en-US" baseline="-25000" smtClean="0"/>
+              <a:rPr lang="en-US" baseline="-25000"/>
               <a:t>10</a:t>
             </a:r>
             <a:r>
-              <a:rPr lang="en-US" smtClean="0"/>
+              <a:rPr lang="en-US"/>
               <a:t> is computed as follows:</a:t>
             </a:r>
             <a:endParaRPr lang="en-US" baseline="-25000"/>
@@ -26807,16 +27783,15 @@
           <a:lstStyle/>
           <a:p>
             <a:r>
-              <a:rPr lang="en-US" b="1" dirty="0" smtClean="0"/>
+              <a:rPr lang="en-US" b="1" dirty="0"/>
               <a:t>Co-occurrence matrices</a:t>
             </a:r>
           </a:p>
           <a:p>
             <a:r>
-              <a:rPr lang="en-US" dirty="0" smtClean="0"/>
+              <a:rPr lang="en-US" dirty="0"/>
               <a:t>They measure how is the distribution of co-occurring of pairs of pixels in an image.</a:t>
             </a:r>
-            <a:endParaRPr lang="en-US" dirty="0"/>
           </a:p>
         </p:txBody>
       </p:sp>
@@ -27002,24 +27977,100 @@
           <a:lstStyle/>
           <a:p>
             <a:r>
-              <a:rPr lang="en-US" dirty="0" smtClean="0"/>
+              <a:rPr lang="en-US" dirty="0"/>
               <a:t>For direction 10, there are 12 possible pairs</a:t>
             </a:r>
           </a:p>
           <a:p>
             <a:r>
-              <a:rPr lang="en-US" dirty="0" smtClean="0"/>
+              <a:rPr lang="en-US" dirty="0"/>
               <a:t>pixels that can be </a:t>
             </a:r>
             <a:r>
-              <a:rPr lang="en-US" dirty="0" err="1" smtClean="0"/>
+              <a:rPr lang="en-US" dirty="0" err="1"/>
               <a:t>analized</a:t>
             </a:r>
             <a:r>
-              <a:rPr lang="en-US" dirty="0" smtClean="0"/>
+              <a:rPr lang="en-US" dirty="0"/>
               <a:t>.</a:t>
             </a:r>
-            <a:endParaRPr lang="en-US" dirty="0"/>
+          </a:p>
+        </p:txBody>
+      </p:sp>
+      <p:cxnSp>
+        <p:nvCxnSpPr>
+          <p:cNvPr id="29" name="Straight Arrow Connector 28">
+            <a:extLst>
+              <a:ext uri="{FF2B5EF4-FFF2-40B4-BE49-F238E27FC236}">
+                <a16:creationId xmlns:a16="http://schemas.microsoft.com/office/drawing/2014/main" id="{A7207F49-D0AB-BF42-A038-F0DA8B64DA72}"/>
+              </a:ext>
+            </a:extLst>
+          </p:cNvPr>
+          <p:cNvCxnSpPr/>
+          <p:nvPr/>
+        </p:nvCxnSpPr>
+        <p:spPr>
+          <a:xfrm>
+            <a:off x="5890437" y="3429000"/>
+            <a:ext cx="0" cy="643270"/>
+          </a:xfrm>
+          <a:prstGeom prst="straightConnector1">
+            <a:avLst/>
+          </a:prstGeom>
+          <a:ln w="47625">
+            <a:solidFill>
+              <a:srgbClr val="FF0000"/>
+            </a:solidFill>
+            <a:tailEnd type="triangle"/>
+          </a:ln>
+        </p:spPr>
+        <p:style>
+          <a:lnRef idx="1">
+            <a:schemeClr val="accent1"/>
+          </a:lnRef>
+          <a:fillRef idx="0">
+            <a:schemeClr val="accent1"/>
+          </a:fillRef>
+          <a:effectRef idx="0">
+            <a:schemeClr val="accent1"/>
+          </a:effectRef>
+          <a:fontRef idx="minor">
+            <a:schemeClr val="tx1"/>
+          </a:fontRef>
+        </p:style>
+      </p:cxnSp>
+      <p:sp>
+        <p:nvSpPr>
+          <p:cNvPr id="30" name="TextBox 29">
+            <a:extLst>
+              <a:ext uri="{FF2B5EF4-FFF2-40B4-BE49-F238E27FC236}">
+                <a16:creationId xmlns:a16="http://schemas.microsoft.com/office/drawing/2014/main" id="{E2536846-4549-FE4C-9CC5-D4E177513B10}"/>
+              </a:ext>
+            </a:extLst>
+          </p:cNvPr>
+          <p:cNvSpPr txBox="1"/>
+          <p:nvPr/>
+        </p:nvSpPr>
+        <p:spPr>
+          <a:xfrm>
+            <a:off x="5550198" y="3572536"/>
+            <a:ext cx="288862" cy="369332"/>
+          </a:xfrm>
+          <a:prstGeom prst="rect">
+            <a:avLst/>
+          </a:prstGeom>
+          <a:noFill/>
+        </p:spPr>
+        <p:txBody>
+          <a:bodyPr wrap="none" rtlCol="0">
+            <a:spAutoFit/>
+          </a:bodyPr>
+          <a:lstStyle/>
+          <a:p>
+            <a:r>
+              <a:rPr lang="en-US" dirty="0"/>
+              <a:t>v</a:t>
+            </a:r>
           </a:p>
         </p:txBody>
       </p:sp>
@@ -27033,13 +28084,6 @@
   <p:clrMapOvr>
     <a:masterClrMapping/>
   </p:clrMapOvr>
-  <p:timing>
-    <p:tnLst>
-      <p:par>
-        <p:cTn id="1" dur="indefinite" restart="never" nodeType="tmRoot"/>
-      </p:par>
-    </p:tnLst>
-  </p:timing>
 </p:sld>
 </file>
 
@@ -27083,28 +28127,27 @@
           <a:lstStyle/>
           <a:p>
             <a:r>
-              <a:rPr lang="es-ES_tradnl" dirty="0" smtClean="0"/>
+              <a:rPr lang="es-ES_tradnl" dirty="0"/>
               <a:t>1	0	1	2</a:t>
             </a:r>
           </a:p>
           <a:p>
             <a:r>
-              <a:rPr lang="es-ES_tradnl" dirty="0" smtClean="0"/>
+              <a:rPr lang="es-ES_tradnl" dirty="0"/>
               <a:t>1	1	0	0</a:t>
             </a:r>
           </a:p>
           <a:p>
             <a:r>
-              <a:rPr lang="es-ES_tradnl" dirty="0" smtClean="0"/>
+              <a:rPr lang="es-ES_tradnl" dirty="0"/>
               <a:t>0	2	1	0</a:t>
             </a:r>
           </a:p>
           <a:p>
             <a:r>
-              <a:rPr lang="es-ES_tradnl" dirty="0" smtClean="0"/>
+              <a:rPr lang="es-ES_tradnl" dirty="0"/>
               <a:t>0	2	0	2	</a:t>
             </a:r>
-            <a:endParaRPr lang="es-ES_tradnl" dirty="0"/>
           </a:p>
         </p:txBody>
       </p:sp>
@@ -27170,10 +28213,9 @@
           <a:lstStyle/>
           <a:p>
             <a:r>
-              <a:rPr lang="es-ES_tradnl" dirty="0" smtClean="0"/>
+              <a:rPr lang="es-ES_tradnl" dirty="0"/>
               <a:t>I =</a:t>
             </a:r>
-            <a:endParaRPr lang="es-ES_tradnl" dirty="0"/>
           </a:p>
         </p:txBody>
       </p:sp>
@@ -27200,21 +28242,21 @@
           <a:lstStyle/>
           <a:p>
             <a:r>
-              <a:rPr lang="en-US" smtClean="0"/>
+              <a:rPr lang="en-US"/>
               <a:t>Example:</a:t>
             </a:r>
           </a:p>
           <a:p>
             <a:r>
-              <a:rPr lang="en-US" smtClean="0"/>
+              <a:rPr lang="en-US"/>
               <a:t>Given an imagen I, the co-ccurrence matrix P</a:t>
             </a:r>
             <a:r>
-              <a:rPr lang="en-US" baseline="-25000" smtClean="0"/>
+              <a:rPr lang="en-US" baseline="-25000"/>
               <a:t>10</a:t>
             </a:r>
             <a:r>
-              <a:rPr lang="en-US" smtClean="0"/>
+              <a:rPr lang="en-US"/>
               <a:t> is computed as follows:</a:t>
             </a:r>
             <a:endParaRPr lang="en-US" baseline="-25000"/>
@@ -27244,16 +28286,15 @@
           <a:lstStyle/>
           <a:p>
             <a:r>
-              <a:rPr lang="en-US" b="1" dirty="0" smtClean="0"/>
+              <a:rPr lang="en-US" b="1" dirty="0"/>
               <a:t>Co-occurrence matrices</a:t>
             </a:r>
           </a:p>
           <a:p>
             <a:r>
-              <a:rPr lang="en-US" dirty="0" smtClean="0"/>
+              <a:rPr lang="en-US" dirty="0"/>
               <a:t>They measure how is the distribution of co-occurring of pairs of pixels in an image.</a:t>
             </a:r>
-            <a:endParaRPr lang="en-US" dirty="0"/>
           </a:p>
         </p:txBody>
       </p:sp>
@@ -27280,11 +28321,11 @@
           <a:lstStyle/>
           <a:p>
             <a:r>
-              <a:rPr lang="es-ES_tradnl" dirty="0" smtClean="0"/>
+              <a:rPr lang="es-ES_tradnl" dirty="0"/>
               <a:t> 	</a:t>
             </a:r>
             <a:r>
-              <a:rPr lang="es-ES_tradnl" dirty="0" smtClean="0">
+              <a:rPr lang="es-ES_tradnl" dirty="0">
                 <a:solidFill>
                   <a:schemeClr val="bg1">
                     <a:lumMod val="75000"/>
@@ -27296,11 +28337,11 @@
           </a:p>
           <a:p>
             <a:r>
-              <a:rPr lang="es-ES_tradnl" dirty="0" smtClean="0"/>
+              <a:rPr lang="es-ES_tradnl" dirty="0"/>
               <a:t>         </a:t>
             </a:r>
             <a:r>
-              <a:rPr lang="es-ES_tradnl" dirty="0" smtClean="0">
+              <a:rPr lang="es-ES_tradnl" dirty="0">
                 <a:solidFill>
                   <a:srgbClr val="BFBFBF"/>
                 </a:solidFill>
@@ -27308,17 +28349,17 @@
               <a:t>0</a:t>
             </a:r>
             <a:r>
-              <a:rPr lang="es-ES_tradnl" dirty="0" smtClean="0"/>
+              <a:rPr lang="es-ES_tradnl" dirty="0"/>
               <a:t>	?	?	?</a:t>
             </a:r>
           </a:p>
           <a:p>
             <a:r>
-              <a:rPr lang="es-ES_tradnl" dirty="0" smtClean="0"/>
+              <a:rPr lang="es-ES_tradnl" dirty="0"/>
               <a:t>         </a:t>
             </a:r>
             <a:r>
-              <a:rPr lang="es-ES_tradnl" dirty="0" smtClean="0">
+              <a:rPr lang="es-ES_tradnl" dirty="0">
                 <a:solidFill>
                   <a:srgbClr val="BFBFBF"/>
                 </a:solidFill>
@@ -27326,17 +28367,17 @@
               <a:t>1</a:t>
             </a:r>
             <a:r>
-              <a:rPr lang="es-ES_tradnl" dirty="0" smtClean="0"/>
+              <a:rPr lang="es-ES_tradnl" dirty="0"/>
               <a:t>	?	?	?</a:t>
             </a:r>
           </a:p>
           <a:p>
             <a:r>
-              <a:rPr lang="es-ES_tradnl" dirty="0" smtClean="0"/>
+              <a:rPr lang="es-ES_tradnl" dirty="0"/>
               <a:t>         </a:t>
             </a:r>
             <a:r>
-              <a:rPr lang="es-ES_tradnl" dirty="0" smtClean="0">
+              <a:rPr lang="es-ES_tradnl" dirty="0">
                 <a:solidFill>
                   <a:srgbClr val="BFBFBF"/>
                 </a:solidFill>
@@ -27344,10 +28385,9 @@
               <a:t>2</a:t>
             </a:r>
             <a:r>
-              <a:rPr lang="es-ES_tradnl" dirty="0" smtClean="0"/>
+              <a:rPr lang="es-ES_tradnl" dirty="0"/>
               <a:t>	?	?	?	</a:t>
             </a:r>
-            <a:endParaRPr lang="es-ES_tradnl" dirty="0"/>
           </a:p>
         </p:txBody>
       </p:sp>
@@ -27414,17 +28454,16 @@
           <a:p>
             <a:pPr algn="ctr"/>
             <a:r>
-              <a:rPr lang="en-US" smtClean="0"/>
+              <a:rPr lang="en-US"/>
               <a:t>value of the</a:t>
             </a:r>
           </a:p>
           <a:p>
             <a:pPr algn="ctr"/>
             <a:r>
-              <a:rPr lang="en-US" smtClean="0"/>
+              <a:rPr lang="en-US"/>
               <a:t>second pixel</a:t>
             </a:r>
-            <a:endParaRPr lang="en-US"/>
           </a:p>
         </p:txBody>
       </p:sp>
@@ -27568,17 +28607,16 @@
           <a:p>
             <a:pPr algn="ctr"/>
             <a:r>
-              <a:rPr lang="en-US" smtClean="0"/>
+              <a:rPr lang="en-US"/>
               <a:t>value of the</a:t>
             </a:r>
           </a:p>
           <a:p>
             <a:pPr algn="ctr"/>
             <a:r>
-              <a:rPr lang="en-US" smtClean="0"/>
+              <a:rPr lang="en-US"/>
               <a:t>first pixel</a:t>
             </a:r>
-            <a:endParaRPr lang="en-US"/>
           </a:p>
         </p:txBody>
       </p:sp>
@@ -27779,15 +28817,15 @@
           <a:lstStyle/>
           <a:p>
             <a:r>
-              <a:rPr lang="es-ES_tradnl" dirty="0" smtClean="0"/>
+              <a:rPr lang="es-ES_tradnl" dirty="0"/>
               <a:t>P</a:t>
             </a:r>
             <a:r>
-              <a:rPr lang="es-ES_tradnl" baseline="-25000" dirty="0" smtClean="0"/>
+              <a:rPr lang="es-ES_tradnl" baseline="-25000" dirty="0"/>
               <a:t>10</a:t>
             </a:r>
             <a:r>
-              <a:rPr lang="es-ES_tradnl" dirty="0" smtClean="0"/>
+              <a:rPr lang="es-ES_tradnl" dirty="0"/>
               <a:t> =</a:t>
             </a:r>
             <a:endParaRPr lang="es-ES_tradnl" baseline="-25000" dirty="0"/>
@@ -27804,13 +28842,6 @@
   <p:clrMapOvr>
     <a:masterClrMapping/>
   </p:clrMapOvr>
-  <p:timing>
-    <p:tnLst>
-      <p:par>
-        <p:cTn id="1" dur="indefinite" restart="never" nodeType="tmRoot"/>
-      </p:par>
-    </p:tnLst>
-  </p:timing>
 </p:sld>
 </file>
 
@@ -27854,28 +28885,27 @@
           <a:lstStyle/>
           <a:p>
             <a:r>
-              <a:rPr lang="es-ES_tradnl" dirty="0" smtClean="0"/>
+              <a:rPr lang="es-ES_tradnl" dirty="0"/>
               <a:t>1	0	1	2</a:t>
             </a:r>
           </a:p>
           <a:p>
             <a:r>
-              <a:rPr lang="es-ES_tradnl" dirty="0" smtClean="0"/>
+              <a:rPr lang="es-ES_tradnl" dirty="0"/>
               <a:t>1	1	0	0</a:t>
             </a:r>
           </a:p>
           <a:p>
             <a:r>
-              <a:rPr lang="es-ES_tradnl" dirty="0" smtClean="0"/>
+              <a:rPr lang="es-ES_tradnl" dirty="0"/>
               <a:t>0	2	1	0</a:t>
             </a:r>
           </a:p>
           <a:p>
             <a:r>
-              <a:rPr lang="es-ES_tradnl" dirty="0" smtClean="0"/>
+              <a:rPr lang="es-ES_tradnl" dirty="0"/>
               <a:t>0	2	0	2	</a:t>
             </a:r>
-            <a:endParaRPr lang="es-ES_tradnl" dirty="0"/>
           </a:p>
         </p:txBody>
       </p:sp>
@@ -27941,10 +28971,9 @@
           <a:lstStyle/>
           <a:p>
             <a:r>
-              <a:rPr lang="es-ES_tradnl" dirty="0" smtClean="0"/>
+              <a:rPr lang="es-ES_tradnl" dirty="0"/>
               <a:t>I =</a:t>
             </a:r>
-            <a:endParaRPr lang="es-ES_tradnl" dirty="0"/>
           </a:p>
         </p:txBody>
       </p:sp>
@@ -27971,21 +29000,21 @@
           <a:lstStyle/>
           <a:p>
             <a:r>
-              <a:rPr lang="en-US" smtClean="0"/>
+              <a:rPr lang="en-US"/>
               <a:t>Example:</a:t>
             </a:r>
           </a:p>
           <a:p>
             <a:r>
-              <a:rPr lang="en-US" smtClean="0"/>
+              <a:rPr lang="en-US"/>
               <a:t>Given an imagen I, the co-ccurrence matrix P</a:t>
             </a:r>
             <a:r>
-              <a:rPr lang="en-US" baseline="-25000" smtClean="0"/>
+              <a:rPr lang="en-US" baseline="-25000"/>
               <a:t>10</a:t>
             </a:r>
             <a:r>
-              <a:rPr lang="en-US" smtClean="0"/>
+              <a:rPr lang="en-US"/>
               <a:t> is computed as follows:</a:t>
             </a:r>
             <a:endParaRPr lang="en-US" baseline="-25000"/>
@@ -28015,16 +29044,15 @@
           <a:lstStyle/>
           <a:p>
             <a:r>
-              <a:rPr lang="en-US" b="1" dirty="0" smtClean="0"/>
+              <a:rPr lang="en-US" b="1" dirty="0"/>
               <a:t>Co-occurrence matrices</a:t>
             </a:r>
           </a:p>
           <a:p>
             <a:r>
-              <a:rPr lang="en-US" dirty="0" smtClean="0"/>
+              <a:rPr lang="en-US" dirty="0"/>
               <a:t>They measure how is the distribution of co-occurring of pairs of pixels in an image.</a:t>
             </a:r>
-            <a:endParaRPr lang="en-US" dirty="0"/>
           </a:p>
         </p:txBody>
       </p:sp>
@@ -28051,11 +29079,11 @@
           <a:lstStyle/>
           <a:p>
             <a:r>
-              <a:rPr lang="es-ES_tradnl" dirty="0" smtClean="0"/>
+              <a:rPr lang="es-ES_tradnl" dirty="0"/>
               <a:t> 	</a:t>
             </a:r>
             <a:r>
-              <a:rPr lang="es-ES_tradnl" dirty="0" smtClean="0">
+              <a:rPr lang="es-ES_tradnl" dirty="0">
                 <a:solidFill>
                   <a:schemeClr val="bg1">
                     <a:lumMod val="75000"/>
@@ -28067,11 +29095,11 @@
           </a:p>
           <a:p>
             <a:r>
-              <a:rPr lang="es-ES_tradnl" dirty="0" smtClean="0"/>
+              <a:rPr lang="es-ES_tradnl" dirty="0"/>
               <a:t>         </a:t>
             </a:r>
             <a:r>
-              <a:rPr lang="es-ES_tradnl" dirty="0" smtClean="0">
+              <a:rPr lang="es-ES_tradnl" dirty="0">
                 <a:solidFill>
                   <a:srgbClr val="BFBFBF"/>
                 </a:solidFill>
@@ -28079,17 +29107,17 @@
               <a:t>0</a:t>
             </a:r>
             <a:r>
-              <a:rPr lang="es-ES_tradnl" dirty="0" smtClean="0"/>
+              <a:rPr lang="es-ES_tradnl" dirty="0"/>
               <a:t>	?	?	?</a:t>
             </a:r>
           </a:p>
           <a:p>
             <a:r>
-              <a:rPr lang="es-ES_tradnl" dirty="0" smtClean="0"/>
+              <a:rPr lang="es-ES_tradnl" dirty="0"/>
               <a:t>         </a:t>
             </a:r>
             <a:r>
-              <a:rPr lang="es-ES_tradnl" dirty="0" smtClean="0">
+              <a:rPr lang="es-ES_tradnl" dirty="0">
                 <a:solidFill>
                   <a:srgbClr val="BFBFBF"/>
                 </a:solidFill>
@@ -28097,17 +29125,17 @@
               <a:t>1</a:t>
             </a:r>
             <a:r>
-              <a:rPr lang="es-ES_tradnl" dirty="0" smtClean="0"/>
+              <a:rPr lang="es-ES_tradnl" dirty="0"/>
               <a:t>	?	?	?</a:t>
             </a:r>
           </a:p>
           <a:p>
             <a:r>
-              <a:rPr lang="es-ES_tradnl" dirty="0" smtClean="0"/>
+              <a:rPr lang="es-ES_tradnl" dirty="0"/>
               <a:t>         </a:t>
             </a:r>
             <a:r>
-              <a:rPr lang="es-ES_tradnl" dirty="0" smtClean="0">
+              <a:rPr lang="es-ES_tradnl" dirty="0">
                 <a:solidFill>
                   <a:srgbClr val="BFBFBF"/>
                 </a:solidFill>
@@ -28115,10 +29143,9 @@
               <a:t>2</a:t>
             </a:r>
             <a:r>
-              <a:rPr lang="es-ES_tradnl" dirty="0" smtClean="0"/>
+              <a:rPr lang="es-ES_tradnl" dirty="0"/>
               <a:t>	?	?	?	</a:t>
             </a:r>
-            <a:endParaRPr lang="es-ES_tradnl" dirty="0"/>
           </a:p>
         </p:txBody>
       </p:sp>
@@ -28185,17 +29212,16 @@
           <a:p>
             <a:pPr algn="ctr"/>
             <a:r>
-              <a:rPr lang="en-US" smtClean="0"/>
+              <a:rPr lang="en-US"/>
               <a:t>value of the</a:t>
             </a:r>
           </a:p>
           <a:p>
             <a:pPr algn="ctr"/>
             <a:r>
-              <a:rPr lang="en-US" smtClean="0"/>
+              <a:rPr lang="en-US"/>
               <a:t>second pixel</a:t>
             </a:r>
-            <a:endParaRPr lang="en-US"/>
           </a:p>
         </p:txBody>
       </p:sp>
@@ -28339,17 +29365,16 @@
           <a:p>
             <a:pPr algn="ctr"/>
             <a:r>
-              <a:rPr lang="en-US" smtClean="0"/>
+              <a:rPr lang="en-US"/>
               <a:t>value of the</a:t>
             </a:r>
           </a:p>
           <a:p>
             <a:pPr algn="ctr"/>
             <a:r>
-              <a:rPr lang="en-US" smtClean="0"/>
+              <a:rPr lang="en-US"/>
               <a:t>first pixel</a:t>
             </a:r>
-            <a:endParaRPr lang="en-US"/>
           </a:p>
         </p:txBody>
       </p:sp>
@@ -28550,15 +29575,15 @@
           <a:lstStyle/>
           <a:p>
             <a:r>
-              <a:rPr lang="es-ES_tradnl" dirty="0" smtClean="0"/>
+              <a:rPr lang="es-ES_tradnl" dirty="0"/>
               <a:t>P</a:t>
             </a:r>
             <a:r>
-              <a:rPr lang="es-ES_tradnl" baseline="-25000" dirty="0" smtClean="0"/>
+              <a:rPr lang="es-ES_tradnl" baseline="-25000" dirty="0"/>
               <a:t>10</a:t>
             </a:r>
             <a:r>
-              <a:rPr lang="es-ES_tradnl" dirty="0" smtClean="0"/>
+              <a:rPr lang="es-ES_tradnl" dirty="0"/>
               <a:t> =</a:t>
             </a:r>
             <a:endParaRPr lang="es-ES_tradnl" baseline="-25000" dirty="0"/>
@@ -28603,17 +29628,16 @@
             <a:p>
               <a:pPr algn="ctr"/>
               <a:r>
-                <a:rPr lang="es-ES_tradnl" dirty="0" smtClean="0"/>
+                <a:rPr lang="es-ES_tradnl" dirty="0"/>
                 <a:t>1</a:t>
               </a:r>
             </a:p>
             <a:p>
               <a:pPr algn="ctr"/>
               <a:r>
-                <a:rPr lang="es-ES_tradnl" dirty="0" smtClean="0"/>
+                <a:rPr lang="es-ES_tradnl" dirty="0"/>
                 <a:t>12</a:t>
               </a:r>
-              <a:endParaRPr lang="es-ES_tradnl" dirty="0"/>
             </a:p>
           </p:txBody>
         </p:sp>
@@ -28677,10 +29701,9 @@
           <a:p>
             <a:pPr algn="ctr"/>
             <a:r>
-              <a:rPr lang="en-US" smtClean="0"/>
+              <a:rPr lang="en-US"/>
               <a:t>normalization</a:t>
             </a:r>
-            <a:endParaRPr lang="en-US"/>
           </a:p>
         </p:txBody>
       </p:sp>
@@ -28768,13 +29791,6 @@
   <p:clrMapOvr>
     <a:masterClrMapping/>
   </p:clrMapOvr>
-  <p:timing>
-    <p:tnLst>
-      <p:par>
-        <p:cTn id="1" dur="indefinite" restart="never" nodeType="tmRoot"/>
-      </p:par>
-    </p:tnLst>
-  </p:timing>
 </p:sld>
 </file>
 
